--- a/M3_Seurat_Processing/M3_Seurat_Processing.pptx
+++ b/M3_Seurat_Processing/M3_Seurat_Processing.pptx
@@ -2,7 +2,7 @@
 <file path=ppt/presentation.xml><?xml version="1.0" encoding="utf-8"?>
 <p:presentation xmlns:a="http://schemas.openxmlformats.org/drawingml/2006/main" xmlns:r="http://schemas.openxmlformats.org/officeDocument/2006/relationships" xmlns:p="http://schemas.openxmlformats.org/presentationml/2006/main" saveSubsetFonts="1">
   <p:sldMasterIdLst>
-    <p:sldMasterId id="2147483648" r:id="rId1"/>
+    <p:sldMasterId id="2147483656" r:id="rId1"/>
   </p:sldMasterIdLst>
   <p:notesMasterIdLst>
     <p:notesMasterId r:id="rId5"/>
@@ -199,7 +199,7 @@
           <a:p>
             <a:fld id="{FF40CFF0-3E11-4AF6-9747-7919C58FBC48}" type="datetimeFigureOut">
               <a:rPr lang="en-US" smtClean="0"/>
-              <a:t>1/3/24</a:t>
+              <a:t>1/9/24</a:t>
             </a:fld>
             <a:endParaRPr lang="en-US"/>
           </a:p>
@@ -712,9 +712,10 @@
           </a:lstStyle>
           <a:p>
             <a:r>
-              <a:rPr lang="en-US" dirty="0"/>
+              <a:rPr lang="en-US"/>
               <a:t>Click to edit Master title style</a:t>
             </a:r>
+            <a:endParaRPr lang="en-US" dirty="0"/>
           </a:p>
         </p:txBody>
       </p:sp>
@@ -786,9 +787,10 @@
           </a:lstStyle>
           <a:p>
             <a:r>
-              <a:rPr lang="en-US" dirty="0"/>
+              <a:rPr lang="en-US"/>
               <a:t>Click to edit Master subtitle style</a:t>
             </a:r>
+            <a:endParaRPr lang="en-US" dirty="0"/>
           </a:p>
         </p:txBody>
       </p:sp>
@@ -815,7 +817,7 @@
           <a:p>
             <a:fld id="{9F69634C-F75C-45F7-A87A-C5E2AF3ECA41}" type="datetimeFigureOut">
               <a:rPr lang="en-US" smtClean="0"/>
-              <a:t>1/3/24</a:t>
+              <a:t>1/9/24</a:t>
             </a:fld>
             <a:endParaRPr lang="en-US"/>
           </a:p>
@@ -883,7 +885,7 @@
     </p:spTree>
     <p:extLst>
       <p:ext uri="{BB962C8B-B14F-4D97-AF65-F5344CB8AC3E}">
-        <p14:creationId xmlns:p14="http://schemas.microsoft.com/office/powerpoint/2010/main" val="3854820101"/>
+        <p14:creationId xmlns:p14="http://schemas.microsoft.com/office/powerpoint/2010/main" val="1656874184"/>
       </p:ext>
     </p:extLst>
   </p:cSld>
@@ -950,9 +952,10 @@
           </a:lstStyle>
           <a:p>
             <a:r>
-              <a:rPr lang="en-US" dirty="0"/>
+              <a:rPr lang="en-US"/>
               <a:t>Click to edit Master title style</a:t>
             </a:r>
+            <a:endParaRPr lang="en-US" dirty="0"/>
           </a:p>
         </p:txBody>
       </p:sp>
@@ -979,7 +982,7 @@
           <a:p>
             <a:fld id="{9F69634C-F75C-45F7-A87A-C5E2AF3ECA41}" type="datetimeFigureOut">
               <a:rPr lang="en-US" smtClean="0"/>
-              <a:t>1/3/24</a:t>
+              <a:t>1/9/24</a:t>
             </a:fld>
             <a:endParaRPr lang="en-US"/>
           </a:p>
@@ -1047,7 +1050,7 @@
     </p:spTree>
     <p:extLst>
       <p:ext uri="{BB962C8B-B14F-4D97-AF65-F5344CB8AC3E}">
-        <p14:creationId xmlns:p14="http://schemas.microsoft.com/office/powerpoint/2010/main" val="951555058"/>
+        <p14:creationId xmlns:p14="http://schemas.microsoft.com/office/powerpoint/2010/main" val="1279605293"/>
       </p:ext>
     </p:extLst>
   </p:cSld>
@@ -1182,7 +1185,7 @@
           <a:p>
             <a:fld id="{9F69634C-F75C-45F7-A87A-C5E2AF3ECA41}" type="datetimeFigureOut">
               <a:rPr lang="en-US" smtClean="0"/>
-              <a:t>1/3/24</a:t>
+              <a:t>1/9/24</a:t>
             </a:fld>
             <a:endParaRPr lang="en-US"/>
           </a:p>
@@ -1245,7 +1248,7 @@
     </p:spTree>
     <p:extLst>
       <p:ext uri="{BB962C8B-B14F-4D97-AF65-F5344CB8AC3E}">
-        <p14:creationId xmlns:p14="http://schemas.microsoft.com/office/powerpoint/2010/main" val="4144178324"/>
+        <p14:creationId xmlns:p14="http://schemas.microsoft.com/office/powerpoint/2010/main" val="574685871"/>
       </p:ext>
     </p:extLst>
   </p:cSld>
@@ -1447,7 +1450,7 @@
           <a:p>
             <a:fld id="{9F69634C-F75C-45F7-A87A-C5E2AF3ECA41}" type="datetimeFigureOut">
               <a:rPr lang="en-US" smtClean="0"/>
-              <a:t>1/3/24</a:t>
+              <a:t>1/9/24</a:t>
             </a:fld>
             <a:endParaRPr lang="en-US"/>
           </a:p>
@@ -1510,7 +1513,7 @@
     </p:spTree>
     <p:extLst>
       <p:ext uri="{BB962C8B-B14F-4D97-AF65-F5344CB8AC3E}">
-        <p14:creationId xmlns:p14="http://schemas.microsoft.com/office/powerpoint/2010/main" val="1901060785"/>
+        <p14:creationId xmlns:p14="http://schemas.microsoft.com/office/powerpoint/2010/main" val="3037996608"/>
       </p:ext>
     </p:extLst>
   </p:cSld>
@@ -1560,7 +1563,7 @@
           <a:p>
             <a:fld id="{9F69634C-F75C-45F7-A87A-C5E2AF3ECA41}" type="datetimeFigureOut">
               <a:rPr lang="en-US" smtClean="0"/>
-              <a:t>1/3/24</a:t>
+              <a:t>1/9/24</a:t>
             </a:fld>
             <a:endParaRPr lang="en-US"/>
           </a:p>
@@ -1623,7 +1626,7 @@
     </p:spTree>
     <p:extLst>
       <p:ext uri="{BB962C8B-B14F-4D97-AF65-F5344CB8AC3E}">
-        <p14:creationId xmlns:p14="http://schemas.microsoft.com/office/powerpoint/2010/main" val="1272395690"/>
+        <p14:creationId xmlns:p14="http://schemas.microsoft.com/office/powerpoint/2010/main" val="2409311297"/>
       </p:ext>
     </p:extLst>
   </p:cSld>
@@ -1801,7 +1804,7 @@
           <a:p>
             <a:fld id="{9F69634C-F75C-45F7-A87A-C5E2AF3ECA41}" type="datetimeFigureOut">
               <a:rPr lang="en-US" smtClean="0"/>
-              <a:t>1/3/24</a:t>
+              <a:t>1/9/24</a:t>
             </a:fld>
             <a:endParaRPr lang="en-US"/>
           </a:p>
@@ -1907,7 +1910,7 @@
             </a:extLst>
           </p:cNvPr>
           <p:cNvGrpSpPr/>
-          <p:nvPr userDrawn="1"/>
+          <p:nvPr/>
         </p:nvGrpSpPr>
         <p:grpSpPr>
           <a:xfrm>
@@ -2207,17 +2210,17 @@
     </p:spTree>
     <p:extLst>
       <p:ext uri="{BB962C8B-B14F-4D97-AF65-F5344CB8AC3E}">
-        <p14:creationId xmlns:p14="http://schemas.microsoft.com/office/powerpoint/2010/main" val="2029020425"/>
+        <p14:creationId xmlns:p14="http://schemas.microsoft.com/office/powerpoint/2010/main" val="3529540418"/>
       </p:ext>
     </p:extLst>
   </p:cSld>
   <p:clrMap bg1="lt1" tx1="dk1" bg2="lt2" tx2="dk2" accent1="accent1" accent2="accent2" accent3="accent3" accent4="accent4" accent5="accent5" accent6="accent6" hlink="hlink" folHlink="folHlink"/>
   <p:sldLayoutIdLst>
-    <p:sldLayoutId id="2147483649" r:id="rId1"/>
-    <p:sldLayoutId id="2147483654" r:id="rId2"/>
-    <p:sldLayoutId id="2147483650" r:id="rId3"/>
-    <p:sldLayoutId id="2147483652" r:id="rId4"/>
-    <p:sldLayoutId id="2147483655" r:id="rId5"/>
+    <p:sldLayoutId id="2147483657" r:id="rId1"/>
+    <p:sldLayoutId id="2147483658" r:id="rId2"/>
+    <p:sldLayoutId id="2147483659" r:id="rId3"/>
+    <p:sldLayoutId id="2147483660" r:id="rId4"/>
+    <p:sldLayoutId id="2147483661" r:id="rId5"/>
   </p:sldLayoutIdLst>
   <p:txStyles>
     <p:titleStyle>

--- a/M3_Seurat_Processing/M3_Seurat_Processing.pptx
+++ b/M3_Seurat_Processing/M3_Seurat_Processing.pptx
@@ -5,12 +5,17 @@
     <p:sldMasterId id="2147483656" r:id="rId1"/>
   </p:sldMasterIdLst>
   <p:notesMasterIdLst>
-    <p:notesMasterId r:id="rId5"/>
+    <p:notesMasterId r:id="rId10"/>
   </p:notesMasterIdLst>
   <p:sldIdLst>
     <p:sldId id="256" r:id="rId2"/>
     <p:sldId id="261" r:id="rId3"/>
-    <p:sldId id="257" r:id="rId4"/>
+    <p:sldId id="266" r:id="rId4"/>
+    <p:sldId id="257" r:id="rId5"/>
+    <p:sldId id="262" r:id="rId6"/>
+    <p:sldId id="263" r:id="rId7"/>
+    <p:sldId id="264" r:id="rId8"/>
+    <p:sldId id="265" r:id="rId9"/>
   </p:sldIdLst>
   <p:sldSz cx="12192000" cy="6858000"/>
   <p:notesSz cx="6858000" cy="9144000"/>
@@ -199,7 +204,7 @@
           <a:p>
             <a:fld id="{FF40CFF0-3E11-4AF6-9747-7919C58FBC48}" type="datetimeFigureOut">
               <a:rPr lang="en-US" smtClean="0"/>
-              <a:t>1/9/24</a:t>
+              <a:t>1/29/24</a:t>
             </a:fld>
             <a:endParaRPr lang="en-US"/>
           </a:p>
@@ -609,6 +614,105 @@
           <a:bodyPr/>
           <a:lstStyle/>
           <a:p>
+            <a:endParaRPr lang="en-US" dirty="0"/>
+          </a:p>
+          <a:p>
+            <a:endParaRPr lang="en-US" dirty="0"/>
+          </a:p>
+          <a:p>
+            <a:endParaRPr lang="en-US" dirty="0"/>
+          </a:p>
+          <a:p>
+            <a:endParaRPr lang="en-US" dirty="0"/>
+          </a:p>
+          <a:p>
+            <a:r>
+              <a:rPr lang="en-US" dirty="0"/>
+              <a:t>https://www.dreamstime.com/stock-illustration-dna-vector-illustration-human-structure-image49975743</a:t>
+            </a:r>
+          </a:p>
+        </p:txBody>
+      </p:sp>
+      <p:sp>
+        <p:nvSpPr>
+          <p:cNvPr id="4" name="Slide Number Placeholder 3"/>
+          <p:cNvSpPr>
+            <a:spLocks noGrp="1"/>
+          </p:cNvSpPr>
+          <p:nvPr>
+            <p:ph type="sldNum" sz="quarter" idx="5"/>
+          </p:nvPr>
+        </p:nvSpPr>
+        <p:spPr/>
+        <p:txBody>
+          <a:bodyPr/>
+          <a:lstStyle/>
+          <a:p>
+            <a:fld id="{121E9C32-9AD5-4F50-8DB4-01491388DC2B}" type="slidenum">
+              <a:rPr lang="en-US" smtClean="0"/>
+              <a:t>3</a:t>
+            </a:fld>
+            <a:endParaRPr lang="en-US"/>
+          </a:p>
+        </p:txBody>
+      </p:sp>
+    </p:spTree>
+    <p:extLst>
+      <p:ext uri="{BB962C8B-B14F-4D97-AF65-F5344CB8AC3E}">
+        <p14:creationId xmlns:p14="http://schemas.microsoft.com/office/powerpoint/2010/main" val="3530663239"/>
+      </p:ext>
+    </p:extLst>
+  </p:cSld>
+  <p:clrMapOvr>
+    <a:masterClrMapping/>
+  </p:clrMapOvr>
+</p:notes>
+</file>
+
+<file path=ppt/notesSlides/notesSlide3.xml><?xml version="1.0" encoding="utf-8"?>
+<p:notes xmlns:a="http://schemas.openxmlformats.org/drawingml/2006/main" xmlns:r="http://schemas.openxmlformats.org/officeDocument/2006/relationships" xmlns:p="http://schemas.openxmlformats.org/presentationml/2006/main">
+  <p:cSld>
+    <p:spTree>
+      <p:nvGrpSpPr>
+        <p:cNvPr id="1" name=""/>
+        <p:cNvGrpSpPr/>
+        <p:nvPr/>
+      </p:nvGrpSpPr>
+      <p:grpSpPr>
+        <a:xfrm>
+          <a:off x="0" y="0"/>
+          <a:ext cx="0" cy="0"/>
+          <a:chOff x="0" y="0"/>
+          <a:chExt cx="0" cy="0"/>
+        </a:xfrm>
+      </p:grpSpPr>
+      <p:sp>
+        <p:nvSpPr>
+          <p:cNvPr id="2" name="Slide Image Placeholder 1"/>
+          <p:cNvSpPr>
+            <a:spLocks noGrp="1" noRot="1" noChangeAspect="1"/>
+          </p:cNvSpPr>
+          <p:nvPr>
+            <p:ph type="sldImg"/>
+          </p:nvPr>
+        </p:nvSpPr>
+        <p:spPr/>
+      </p:sp>
+      <p:sp>
+        <p:nvSpPr>
+          <p:cNvPr id="3" name="Notes Placeholder 2"/>
+          <p:cNvSpPr>
+            <a:spLocks noGrp="1"/>
+          </p:cNvSpPr>
+          <p:nvPr>
+            <p:ph type="body" idx="1"/>
+          </p:nvPr>
+        </p:nvSpPr>
+        <p:spPr/>
+        <p:txBody>
+          <a:bodyPr/>
+          <a:lstStyle/>
+          <a:p>
             <a:r>
               <a:rPr lang="en-US" dirty="0"/>
               <a:t>https://</a:t>
@@ -641,7 +745,7 @@
           <a:p>
             <a:fld id="{121E9C32-9AD5-4F50-8DB4-01491388DC2B}" type="slidenum">
               <a:rPr lang="en-US" smtClean="0"/>
-              <a:t>3</a:t>
+              <a:t>4</a:t>
             </a:fld>
             <a:endParaRPr lang="en-US"/>
           </a:p>
@@ -817,7 +921,7 @@
           <a:p>
             <a:fld id="{9F69634C-F75C-45F7-A87A-C5E2AF3ECA41}" type="datetimeFigureOut">
               <a:rPr lang="en-US" smtClean="0"/>
-              <a:t>1/9/24</a:t>
+              <a:t>1/29/24</a:t>
             </a:fld>
             <a:endParaRPr lang="en-US"/>
           </a:p>
@@ -982,7 +1086,7 @@
           <a:p>
             <a:fld id="{9F69634C-F75C-45F7-A87A-C5E2AF3ECA41}" type="datetimeFigureOut">
               <a:rPr lang="en-US" smtClean="0"/>
-              <a:t>1/9/24</a:t>
+              <a:t>1/29/24</a:t>
             </a:fld>
             <a:endParaRPr lang="en-US"/>
           </a:p>
@@ -1185,7 +1289,7 @@
           <a:p>
             <a:fld id="{9F69634C-F75C-45F7-A87A-C5E2AF3ECA41}" type="datetimeFigureOut">
               <a:rPr lang="en-US" smtClean="0"/>
-              <a:t>1/9/24</a:t>
+              <a:t>1/29/24</a:t>
             </a:fld>
             <a:endParaRPr lang="en-US"/>
           </a:p>
@@ -1450,7 +1554,7 @@
           <a:p>
             <a:fld id="{9F69634C-F75C-45F7-A87A-C5E2AF3ECA41}" type="datetimeFigureOut">
               <a:rPr lang="en-US" smtClean="0"/>
-              <a:t>1/9/24</a:t>
+              <a:t>1/29/24</a:t>
             </a:fld>
             <a:endParaRPr lang="en-US"/>
           </a:p>
@@ -1563,7 +1667,7 @@
           <a:p>
             <a:fld id="{9F69634C-F75C-45F7-A87A-C5E2AF3ECA41}" type="datetimeFigureOut">
               <a:rPr lang="en-US" smtClean="0"/>
-              <a:t>1/9/24</a:t>
+              <a:t>1/29/24</a:t>
             </a:fld>
             <a:endParaRPr lang="en-US"/>
           </a:p>
@@ -1804,7 +1908,7 @@
           <a:p>
             <a:fld id="{9F69634C-F75C-45F7-A87A-C5E2AF3ECA41}" type="datetimeFigureOut">
               <a:rPr lang="en-US" smtClean="0"/>
-              <a:t>1/9/24</a:t>
+              <a:t>1/29/24</a:t>
             </a:fld>
             <a:endParaRPr lang="en-US"/>
           </a:p>
@@ -6037,6 +6141,1473 @@
       </p:grpSpPr>
       <p:sp>
         <p:nvSpPr>
+          <p:cNvPr id="1029" name="Arrow: Right 1028">
+            <a:extLst>
+              <a:ext uri="{FF2B5EF4-FFF2-40B4-BE49-F238E27FC236}">
+                <a16:creationId xmlns:a16="http://schemas.microsoft.com/office/drawing/2014/main" id="{1DA09ABC-E5BF-8A3C-CC75-B948864317FA}"/>
+              </a:ext>
+            </a:extLst>
+          </p:cNvPr>
+          <p:cNvSpPr/>
+          <p:nvPr/>
+        </p:nvSpPr>
+        <p:spPr>
+          <a:xfrm rot="2746638">
+            <a:off x="11601072" y="4456884"/>
+            <a:ext cx="786464" cy="184666"/>
+          </a:xfrm>
+          <a:custGeom>
+            <a:avLst/>
+            <a:gdLst>
+              <a:gd name="connsiteX0" fmla="*/ 0 w 1198943"/>
+              <a:gd name="connsiteY0" fmla="*/ 92333 h 369332"/>
+              <a:gd name="connsiteX1" fmla="*/ 1014277 w 1198943"/>
+              <a:gd name="connsiteY1" fmla="*/ 92333 h 369332"/>
+              <a:gd name="connsiteX2" fmla="*/ 1014277 w 1198943"/>
+              <a:gd name="connsiteY2" fmla="*/ 0 h 369332"/>
+              <a:gd name="connsiteX3" fmla="*/ 1198943 w 1198943"/>
+              <a:gd name="connsiteY3" fmla="*/ 184666 h 369332"/>
+              <a:gd name="connsiteX4" fmla="*/ 1014277 w 1198943"/>
+              <a:gd name="connsiteY4" fmla="*/ 369332 h 369332"/>
+              <a:gd name="connsiteX5" fmla="*/ 1014277 w 1198943"/>
+              <a:gd name="connsiteY5" fmla="*/ 276999 h 369332"/>
+              <a:gd name="connsiteX6" fmla="*/ 0 w 1198943"/>
+              <a:gd name="connsiteY6" fmla="*/ 276999 h 369332"/>
+              <a:gd name="connsiteX7" fmla="*/ 0 w 1198943"/>
+              <a:gd name="connsiteY7" fmla="*/ 92333 h 369332"/>
+              <a:gd name="connsiteX0" fmla="*/ 0 w 1198943"/>
+              <a:gd name="connsiteY0" fmla="*/ 0 h 276999"/>
+              <a:gd name="connsiteX1" fmla="*/ 1014277 w 1198943"/>
+              <a:gd name="connsiteY1" fmla="*/ 0 h 276999"/>
+              <a:gd name="connsiteX2" fmla="*/ 1198943 w 1198943"/>
+              <a:gd name="connsiteY2" fmla="*/ 92333 h 276999"/>
+              <a:gd name="connsiteX3" fmla="*/ 1014277 w 1198943"/>
+              <a:gd name="connsiteY3" fmla="*/ 276999 h 276999"/>
+              <a:gd name="connsiteX4" fmla="*/ 1014277 w 1198943"/>
+              <a:gd name="connsiteY4" fmla="*/ 184666 h 276999"/>
+              <a:gd name="connsiteX5" fmla="*/ 0 w 1198943"/>
+              <a:gd name="connsiteY5" fmla="*/ 184666 h 276999"/>
+              <a:gd name="connsiteX6" fmla="*/ 0 w 1198943"/>
+              <a:gd name="connsiteY6" fmla="*/ 0 h 276999"/>
+              <a:gd name="connsiteX0" fmla="*/ 0 w 1014277"/>
+              <a:gd name="connsiteY0" fmla="*/ 0 h 276999"/>
+              <a:gd name="connsiteX1" fmla="*/ 1014277 w 1014277"/>
+              <a:gd name="connsiteY1" fmla="*/ 0 h 276999"/>
+              <a:gd name="connsiteX2" fmla="*/ 1014277 w 1014277"/>
+              <a:gd name="connsiteY2" fmla="*/ 276999 h 276999"/>
+              <a:gd name="connsiteX3" fmla="*/ 1014277 w 1014277"/>
+              <a:gd name="connsiteY3" fmla="*/ 184666 h 276999"/>
+              <a:gd name="connsiteX4" fmla="*/ 0 w 1014277"/>
+              <a:gd name="connsiteY4" fmla="*/ 184666 h 276999"/>
+              <a:gd name="connsiteX5" fmla="*/ 0 w 1014277"/>
+              <a:gd name="connsiteY5" fmla="*/ 0 h 276999"/>
+              <a:gd name="connsiteX0" fmla="*/ 0 w 1014277"/>
+              <a:gd name="connsiteY0" fmla="*/ 0 h 184666"/>
+              <a:gd name="connsiteX1" fmla="*/ 1014277 w 1014277"/>
+              <a:gd name="connsiteY1" fmla="*/ 0 h 184666"/>
+              <a:gd name="connsiteX2" fmla="*/ 1014277 w 1014277"/>
+              <a:gd name="connsiteY2" fmla="*/ 184666 h 184666"/>
+              <a:gd name="connsiteX3" fmla="*/ 0 w 1014277"/>
+              <a:gd name="connsiteY3" fmla="*/ 184666 h 184666"/>
+              <a:gd name="connsiteX4" fmla="*/ 0 w 1014277"/>
+              <a:gd name="connsiteY4" fmla="*/ 0 h 184666"/>
+              <a:gd name="connsiteX0" fmla="*/ 0 w 1014277"/>
+              <a:gd name="connsiteY0" fmla="*/ 0 h 184666"/>
+              <a:gd name="connsiteX1" fmla="*/ 758838 w 1014277"/>
+              <a:gd name="connsiteY1" fmla="*/ 6406 h 184666"/>
+              <a:gd name="connsiteX2" fmla="*/ 1014277 w 1014277"/>
+              <a:gd name="connsiteY2" fmla="*/ 0 h 184666"/>
+              <a:gd name="connsiteX3" fmla="*/ 1014277 w 1014277"/>
+              <a:gd name="connsiteY3" fmla="*/ 184666 h 184666"/>
+              <a:gd name="connsiteX4" fmla="*/ 0 w 1014277"/>
+              <a:gd name="connsiteY4" fmla="*/ 184666 h 184666"/>
+              <a:gd name="connsiteX5" fmla="*/ 0 w 1014277"/>
+              <a:gd name="connsiteY5" fmla="*/ 0 h 184666"/>
+              <a:gd name="connsiteX0" fmla="*/ 0 w 1014277"/>
+              <a:gd name="connsiteY0" fmla="*/ 0 h 184666"/>
+              <a:gd name="connsiteX1" fmla="*/ 758838 w 1014277"/>
+              <a:gd name="connsiteY1" fmla="*/ 6406 h 184666"/>
+              <a:gd name="connsiteX2" fmla="*/ 1014277 w 1014277"/>
+              <a:gd name="connsiteY2" fmla="*/ 184666 h 184666"/>
+              <a:gd name="connsiteX3" fmla="*/ 0 w 1014277"/>
+              <a:gd name="connsiteY3" fmla="*/ 184666 h 184666"/>
+              <a:gd name="connsiteX4" fmla="*/ 0 w 1014277"/>
+              <a:gd name="connsiteY4" fmla="*/ 0 h 184666"/>
+            </a:gdLst>
+            <a:ahLst/>
+            <a:cxnLst>
+              <a:cxn ang="0">
+                <a:pos x="connsiteX0" y="connsiteY0"/>
+              </a:cxn>
+              <a:cxn ang="0">
+                <a:pos x="connsiteX1" y="connsiteY1"/>
+              </a:cxn>
+              <a:cxn ang="0">
+                <a:pos x="connsiteX2" y="connsiteY2"/>
+              </a:cxn>
+              <a:cxn ang="0">
+                <a:pos x="connsiteX3" y="connsiteY3"/>
+              </a:cxn>
+              <a:cxn ang="0">
+                <a:pos x="connsiteX4" y="connsiteY4"/>
+              </a:cxn>
+            </a:cxnLst>
+            <a:rect l="l" t="t" r="r" b="b"/>
+            <a:pathLst>
+              <a:path w="1014277" h="184666">
+                <a:moveTo>
+                  <a:pt x="0" y="0"/>
+                </a:moveTo>
+                <a:lnTo>
+                  <a:pt x="758838" y="6406"/>
+                </a:lnTo>
+                <a:lnTo>
+                  <a:pt x="1014277" y="184666"/>
+                </a:lnTo>
+                <a:lnTo>
+                  <a:pt x="0" y="184666"/>
+                </a:lnTo>
+                <a:lnTo>
+                  <a:pt x="0" y="0"/>
+                </a:lnTo>
+                <a:close/>
+              </a:path>
+            </a:pathLst>
+          </a:custGeom>
+          <a:solidFill>
+            <a:schemeClr val="bg1">
+              <a:lumMod val="85000"/>
+            </a:schemeClr>
+          </a:solidFill>
+          <a:ln>
+            <a:noFill/>
+          </a:ln>
+        </p:spPr>
+        <p:style>
+          <a:lnRef idx="2">
+            <a:schemeClr val="accent1">
+              <a:shade val="15000"/>
+            </a:schemeClr>
+          </a:lnRef>
+          <a:fillRef idx="1">
+            <a:schemeClr val="accent1"/>
+          </a:fillRef>
+          <a:effectRef idx="0">
+            <a:schemeClr val="accent1"/>
+          </a:effectRef>
+          <a:fontRef idx="minor">
+            <a:schemeClr val="lt1"/>
+          </a:fontRef>
+        </p:style>
+        <p:txBody>
+          <a:bodyPr rtlCol="0" anchor="ctr"/>
+          <a:lstStyle/>
+          <a:p>
+            <a:pPr algn="ctr"/>
+            <a:endParaRPr lang="en-US"/>
+          </a:p>
+        </p:txBody>
+      </p:sp>
+      <p:sp>
+        <p:nvSpPr>
+          <p:cNvPr id="23" name="Rectangle 22">
+            <a:extLst>
+              <a:ext uri="{FF2B5EF4-FFF2-40B4-BE49-F238E27FC236}">
+                <a16:creationId xmlns:a16="http://schemas.microsoft.com/office/drawing/2014/main" id="{C0CF4171-E842-31D9-0B2E-D14EF4239DA5}"/>
+              </a:ext>
+            </a:extLst>
+          </p:cNvPr>
+          <p:cNvSpPr/>
+          <p:nvPr/>
+        </p:nvSpPr>
+        <p:spPr>
+          <a:xfrm>
+            <a:off x="113942" y="753929"/>
+            <a:ext cx="2178751" cy="320040"/>
+          </a:xfrm>
+          <a:prstGeom prst="rect">
+            <a:avLst/>
+          </a:prstGeom>
+          <a:solidFill>
+            <a:schemeClr val="bg1"/>
+          </a:solidFill>
+          <a:ln>
+            <a:solidFill>
+              <a:schemeClr val="tx1"/>
+            </a:solidFill>
+          </a:ln>
+        </p:spPr>
+        <p:style>
+          <a:lnRef idx="2">
+            <a:schemeClr val="accent1">
+              <a:shade val="15000"/>
+            </a:schemeClr>
+          </a:lnRef>
+          <a:fillRef idx="1">
+            <a:schemeClr val="accent1"/>
+          </a:fillRef>
+          <a:effectRef idx="0">
+            <a:schemeClr val="accent1"/>
+          </a:effectRef>
+          <a:fontRef idx="minor">
+            <a:schemeClr val="lt1"/>
+          </a:fontRef>
+        </p:style>
+        <p:txBody>
+          <a:bodyPr rtlCol="0" anchor="ctr"/>
+          <a:lstStyle/>
+          <a:p>
+            <a:pPr algn="ctr"/>
+            <a:endParaRPr lang="en-US" sz="1600">
+              <a:solidFill>
+                <a:schemeClr val="tx1"/>
+              </a:solidFill>
+            </a:endParaRPr>
+          </a:p>
+        </p:txBody>
+      </p:sp>
+      <p:sp>
+        <p:nvSpPr>
+          <p:cNvPr id="24" name="Rectangle 23">
+            <a:extLst>
+              <a:ext uri="{FF2B5EF4-FFF2-40B4-BE49-F238E27FC236}">
+                <a16:creationId xmlns:a16="http://schemas.microsoft.com/office/drawing/2014/main" id="{130AF43F-A44A-EDCB-6D3C-D7E883981C83}"/>
+              </a:ext>
+            </a:extLst>
+          </p:cNvPr>
+          <p:cNvSpPr/>
+          <p:nvPr/>
+        </p:nvSpPr>
+        <p:spPr>
+          <a:xfrm>
+            <a:off x="113940" y="1223737"/>
+            <a:ext cx="2178755" cy="320040"/>
+          </a:xfrm>
+          <a:prstGeom prst="rect">
+            <a:avLst/>
+          </a:prstGeom>
+          <a:solidFill>
+            <a:schemeClr val="bg1"/>
+          </a:solidFill>
+          <a:ln>
+            <a:solidFill>
+              <a:schemeClr val="tx1"/>
+            </a:solidFill>
+          </a:ln>
+        </p:spPr>
+        <p:style>
+          <a:lnRef idx="2">
+            <a:schemeClr val="accent1">
+              <a:shade val="15000"/>
+            </a:schemeClr>
+          </a:lnRef>
+          <a:fillRef idx="1">
+            <a:schemeClr val="accent1"/>
+          </a:fillRef>
+          <a:effectRef idx="0">
+            <a:schemeClr val="accent1"/>
+          </a:effectRef>
+          <a:fontRef idx="minor">
+            <a:schemeClr val="lt1"/>
+          </a:fontRef>
+        </p:style>
+        <p:txBody>
+          <a:bodyPr rtlCol="0" anchor="ctr"/>
+          <a:lstStyle/>
+          <a:p>
+            <a:pPr algn="ctr"/>
+            <a:endParaRPr lang="en-US">
+              <a:solidFill>
+                <a:schemeClr val="tx1"/>
+              </a:solidFill>
+            </a:endParaRPr>
+          </a:p>
+        </p:txBody>
+      </p:sp>
+      <p:sp>
+        <p:nvSpPr>
+          <p:cNvPr id="25" name="Rectangle 24">
+            <a:extLst>
+              <a:ext uri="{FF2B5EF4-FFF2-40B4-BE49-F238E27FC236}">
+                <a16:creationId xmlns:a16="http://schemas.microsoft.com/office/drawing/2014/main" id="{957C3233-89B3-3FFF-1031-FCB53DEFFF56}"/>
+              </a:ext>
+            </a:extLst>
+          </p:cNvPr>
+          <p:cNvSpPr/>
+          <p:nvPr/>
+        </p:nvSpPr>
+        <p:spPr>
+          <a:xfrm>
+            <a:off x="113940" y="1739448"/>
+            <a:ext cx="2178755" cy="320040"/>
+          </a:xfrm>
+          <a:prstGeom prst="rect">
+            <a:avLst/>
+          </a:prstGeom>
+          <a:solidFill>
+            <a:schemeClr val="bg1"/>
+          </a:solidFill>
+          <a:ln>
+            <a:solidFill>
+              <a:schemeClr val="tx1"/>
+            </a:solidFill>
+          </a:ln>
+        </p:spPr>
+        <p:style>
+          <a:lnRef idx="2">
+            <a:schemeClr val="accent1">
+              <a:shade val="15000"/>
+            </a:schemeClr>
+          </a:lnRef>
+          <a:fillRef idx="1">
+            <a:schemeClr val="accent1"/>
+          </a:fillRef>
+          <a:effectRef idx="0">
+            <a:schemeClr val="accent1"/>
+          </a:effectRef>
+          <a:fontRef idx="minor">
+            <a:schemeClr val="lt1"/>
+          </a:fontRef>
+        </p:style>
+        <p:txBody>
+          <a:bodyPr rtlCol="0" anchor="ctr"/>
+          <a:lstStyle/>
+          <a:p>
+            <a:pPr algn="ctr"/>
+            <a:endParaRPr lang="en-US">
+              <a:solidFill>
+                <a:schemeClr val="tx1"/>
+              </a:solidFill>
+            </a:endParaRPr>
+          </a:p>
+        </p:txBody>
+      </p:sp>
+      <p:sp>
+        <p:nvSpPr>
+          <p:cNvPr id="26" name="Rectangle 25">
+            <a:extLst>
+              <a:ext uri="{FF2B5EF4-FFF2-40B4-BE49-F238E27FC236}">
+                <a16:creationId xmlns:a16="http://schemas.microsoft.com/office/drawing/2014/main" id="{2C0E852C-8BC8-3E02-D71C-D62CFF53E46D}"/>
+              </a:ext>
+            </a:extLst>
+          </p:cNvPr>
+          <p:cNvSpPr/>
+          <p:nvPr/>
+        </p:nvSpPr>
+        <p:spPr>
+          <a:xfrm>
+            <a:off x="118057" y="2324912"/>
+            <a:ext cx="2170521" cy="490061"/>
+          </a:xfrm>
+          <a:prstGeom prst="rect">
+            <a:avLst/>
+          </a:prstGeom>
+          <a:solidFill>
+            <a:schemeClr val="bg1"/>
+          </a:solidFill>
+          <a:ln>
+            <a:solidFill>
+              <a:schemeClr val="tx1"/>
+            </a:solidFill>
+          </a:ln>
+        </p:spPr>
+        <p:style>
+          <a:lnRef idx="2">
+            <a:schemeClr val="accent1">
+              <a:shade val="15000"/>
+            </a:schemeClr>
+          </a:lnRef>
+          <a:fillRef idx="1">
+            <a:schemeClr val="accent1"/>
+          </a:fillRef>
+          <a:effectRef idx="0">
+            <a:schemeClr val="accent1"/>
+          </a:effectRef>
+          <a:fontRef idx="minor">
+            <a:schemeClr val="lt1"/>
+          </a:fontRef>
+        </p:style>
+        <p:txBody>
+          <a:bodyPr rtlCol="0" anchor="ctr"/>
+          <a:lstStyle/>
+          <a:p>
+            <a:pPr algn="ctr"/>
+            <a:endParaRPr lang="en-US">
+              <a:solidFill>
+                <a:schemeClr val="tx1"/>
+              </a:solidFill>
+            </a:endParaRPr>
+          </a:p>
+        </p:txBody>
+      </p:sp>
+      <p:sp>
+        <p:nvSpPr>
+          <p:cNvPr id="27" name="Rectangle 26">
+            <a:extLst>
+              <a:ext uri="{FF2B5EF4-FFF2-40B4-BE49-F238E27FC236}">
+                <a16:creationId xmlns:a16="http://schemas.microsoft.com/office/drawing/2014/main" id="{6838059C-867D-B36A-3A66-703AC90460BD}"/>
+              </a:ext>
+            </a:extLst>
+          </p:cNvPr>
+          <p:cNvSpPr/>
+          <p:nvPr/>
+        </p:nvSpPr>
+        <p:spPr>
+          <a:xfrm>
+            <a:off x="118057" y="2952462"/>
+            <a:ext cx="2170520" cy="490061"/>
+          </a:xfrm>
+          <a:prstGeom prst="rect">
+            <a:avLst/>
+          </a:prstGeom>
+          <a:solidFill>
+            <a:schemeClr val="bg1"/>
+          </a:solidFill>
+          <a:ln>
+            <a:solidFill>
+              <a:schemeClr val="tx1"/>
+            </a:solidFill>
+          </a:ln>
+        </p:spPr>
+        <p:style>
+          <a:lnRef idx="2">
+            <a:schemeClr val="accent1">
+              <a:shade val="15000"/>
+            </a:schemeClr>
+          </a:lnRef>
+          <a:fillRef idx="1">
+            <a:schemeClr val="accent1"/>
+          </a:fillRef>
+          <a:effectRef idx="0">
+            <a:schemeClr val="accent1"/>
+          </a:effectRef>
+          <a:fontRef idx="minor">
+            <a:schemeClr val="lt1"/>
+          </a:fontRef>
+        </p:style>
+        <p:txBody>
+          <a:bodyPr rtlCol="0" anchor="ctr"/>
+          <a:lstStyle/>
+          <a:p>
+            <a:pPr algn="ctr"/>
+            <a:endParaRPr lang="en-US">
+              <a:solidFill>
+                <a:schemeClr val="tx1"/>
+              </a:solidFill>
+            </a:endParaRPr>
+          </a:p>
+        </p:txBody>
+      </p:sp>
+      <p:sp>
+        <p:nvSpPr>
+          <p:cNvPr id="29" name="Rectangle 28">
+            <a:extLst>
+              <a:ext uri="{FF2B5EF4-FFF2-40B4-BE49-F238E27FC236}">
+                <a16:creationId xmlns:a16="http://schemas.microsoft.com/office/drawing/2014/main" id="{79750FFA-6C8D-7D46-1ABC-BD75AE4AD1D4}"/>
+              </a:ext>
+            </a:extLst>
+          </p:cNvPr>
+          <p:cNvSpPr/>
+          <p:nvPr/>
+        </p:nvSpPr>
+        <p:spPr>
+          <a:xfrm>
+            <a:off x="118057" y="3580012"/>
+            <a:ext cx="2170520" cy="320040"/>
+          </a:xfrm>
+          <a:prstGeom prst="rect">
+            <a:avLst/>
+          </a:prstGeom>
+          <a:solidFill>
+            <a:schemeClr val="bg1"/>
+          </a:solidFill>
+          <a:ln>
+            <a:solidFill>
+              <a:schemeClr val="tx1"/>
+            </a:solidFill>
+          </a:ln>
+        </p:spPr>
+        <p:style>
+          <a:lnRef idx="2">
+            <a:schemeClr val="accent1">
+              <a:shade val="15000"/>
+            </a:schemeClr>
+          </a:lnRef>
+          <a:fillRef idx="1">
+            <a:schemeClr val="accent1"/>
+          </a:fillRef>
+          <a:effectRef idx="0">
+            <a:schemeClr val="accent1"/>
+          </a:effectRef>
+          <a:fontRef idx="minor">
+            <a:schemeClr val="lt1"/>
+          </a:fontRef>
+        </p:style>
+        <p:txBody>
+          <a:bodyPr rtlCol="0" anchor="ctr"/>
+          <a:lstStyle/>
+          <a:p>
+            <a:pPr algn="ctr"/>
+            <a:endParaRPr lang="en-US">
+              <a:solidFill>
+                <a:schemeClr val="tx1"/>
+              </a:solidFill>
+            </a:endParaRPr>
+          </a:p>
+        </p:txBody>
+      </p:sp>
+      <p:sp>
+        <p:nvSpPr>
+          <p:cNvPr id="30" name="Rectangle 29">
+            <a:extLst>
+              <a:ext uri="{FF2B5EF4-FFF2-40B4-BE49-F238E27FC236}">
+                <a16:creationId xmlns:a16="http://schemas.microsoft.com/office/drawing/2014/main" id="{73EE6AB6-7D9D-77FE-A870-BE6907D239C3}"/>
+              </a:ext>
+            </a:extLst>
+          </p:cNvPr>
+          <p:cNvSpPr/>
+          <p:nvPr/>
+        </p:nvSpPr>
+        <p:spPr>
+          <a:xfrm>
+            <a:off x="5221109" y="5448121"/>
+            <a:ext cx="1965592" cy="773853"/>
+          </a:xfrm>
+          <a:prstGeom prst="rect">
+            <a:avLst/>
+          </a:prstGeom>
+          <a:solidFill>
+            <a:schemeClr val="bg1"/>
+          </a:solidFill>
+          <a:ln>
+            <a:solidFill>
+              <a:schemeClr val="tx1"/>
+            </a:solidFill>
+          </a:ln>
+        </p:spPr>
+        <p:style>
+          <a:lnRef idx="2">
+            <a:schemeClr val="accent1">
+              <a:shade val="15000"/>
+            </a:schemeClr>
+          </a:lnRef>
+          <a:fillRef idx="1">
+            <a:schemeClr val="accent1"/>
+          </a:fillRef>
+          <a:effectRef idx="0">
+            <a:schemeClr val="accent1"/>
+          </a:effectRef>
+          <a:fontRef idx="minor">
+            <a:schemeClr val="lt1"/>
+          </a:fontRef>
+        </p:style>
+        <p:txBody>
+          <a:bodyPr rtlCol="0" anchor="ctr"/>
+          <a:lstStyle/>
+          <a:p>
+            <a:pPr algn="ctr"/>
+            <a:endParaRPr lang="en-US">
+              <a:solidFill>
+                <a:schemeClr val="tx1"/>
+              </a:solidFill>
+            </a:endParaRPr>
+          </a:p>
+        </p:txBody>
+      </p:sp>
+      <p:sp>
+        <p:nvSpPr>
+          <p:cNvPr id="31" name="Rectangle 30">
+            <a:extLst>
+              <a:ext uri="{FF2B5EF4-FFF2-40B4-BE49-F238E27FC236}">
+                <a16:creationId xmlns:a16="http://schemas.microsoft.com/office/drawing/2014/main" id="{D0878D34-F1D7-9C01-41F5-7583024E68B0}"/>
+              </a:ext>
+            </a:extLst>
+          </p:cNvPr>
+          <p:cNvSpPr/>
+          <p:nvPr/>
+        </p:nvSpPr>
+        <p:spPr>
+          <a:xfrm>
+            <a:off x="7670327" y="5448121"/>
+            <a:ext cx="1965592" cy="773853"/>
+          </a:xfrm>
+          <a:prstGeom prst="rect">
+            <a:avLst/>
+          </a:prstGeom>
+          <a:solidFill>
+            <a:schemeClr val="bg1"/>
+          </a:solidFill>
+          <a:ln>
+            <a:solidFill>
+              <a:schemeClr val="tx1"/>
+            </a:solidFill>
+          </a:ln>
+        </p:spPr>
+        <p:style>
+          <a:lnRef idx="2">
+            <a:schemeClr val="accent1">
+              <a:shade val="15000"/>
+            </a:schemeClr>
+          </a:lnRef>
+          <a:fillRef idx="1">
+            <a:schemeClr val="accent1"/>
+          </a:fillRef>
+          <a:effectRef idx="0">
+            <a:schemeClr val="accent1"/>
+          </a:effectRef>
+          <a:fontRef idx="minor">
+            <a:schemeClr val="lt1"/>
+          </a:fontRef>
+        </p:style>
+        <p:txBody>
+          <a:bodyPr rtlCol="0" anchor="ctr"/>
+          <a:lstStyle/>
+          <a:p>
+            <a:pPr algn="ctr"/>
+            <a:endParaRPr lang="en-US">
+              <a:solidFill>
+                <a:schemeClr val="tx1"/>
+              </a:solidFill>
+            </a:endParaRPr>
+          </a:p>
+        </p:txBody>
+      </p:sp>
+      <p:sp>
+        <p:nvSpPr>
+          <p:cNvPr id="32" name="Rectangle 31">
+            <a:extLst>
+              <a:ext uri="{FF2B5EF4-FFF2-40B4-BE49-F238E27FC236}">
+                <a16:creationId xmlns:a16="http://schemas.microsoft.com/office/drawing/2014/main" id="{B672D768-A4B7-414A-C486-2FADF49B80AD}"/>
+              </a:ext>
+            </a:extLst>
+          </p:cNvPr>
+          <p:cNvSpPr/>
+          <p:nvPr/>
+        </p:nvSpPr>
+        <p:spPr>
+          <a:xfrm>
+            <a:off x="9981441" y="5448121"/>
+            <a:ext cx="1965592" cy="773853"/>
+          </a:xfrm>
+          <a:prstGeom prst="rect">
+            <a:avLst/>
+          </a:prstGeom>
+          <a:solidFill>
+            <a:schemeClr val="bg1"/>
+          </a:solidFill>
+          <a:ln>
+            <a:solidFill>
+              <a:schemeClr val="tx1"/>
+            </a:solidFill>
+          </a:ln>
+        </p:spPr>
+        <p:style>
+          <a:lnRef idx="2">
+            <a:schemeClr val="accent1">
+              <a:shade val="15000"/>
+            </a:schemeClr>
+          </a:lnRef>
+          <a:fillRef idx="1">
+            <a:schemeClr val="accent1"/>
+          </a:fillRef>
+          <a:effectRef idx="0">
+            <a:schemeClr val="accent1"/>
+          </a:effectRef>
+          <a:fontRef idx="minor">
+            <a:schemeClr val="lt1"/>
+          </a:fontRef>
+        </p:style>
+        <p:txBody>
+          <a:bodyPr rtlCol="0" anchor="ctr"/>
+          <a:lstStyle/>
+          <a:p>
+            <a:pPr algn="ctr"/>
+            <a:endParaRPr lang="en-US">
+              <a:solidFill>
+                <a:schemeClr val="tx1"/>
+              </a:solidFill>
+            </a:endParaRPr>
+          </a:p>
+        </p:txBody>
+      </p:sp>
+      <p:sp>
+        <p:nvSpPr>
+          <p:cNvPr id="48" name="Arrow: Right 47">
+            <a:extLst>
+              <a:ext uri="{FF2B5EF4-FFF2-40B4-BE49-F238E27FC236}">
+                <a16:creationId xmlns:a16="http://schemas.microsoft.com/office/drawing/2014/main" id="{67CA95DD-C327-B590-AA6C-79F0606FCB08}"/>
+              </a:ext>
+            </a:extLst>
+          </p:cNvPr>
+          <p:cNvSpPr/>
+          <p:nvPr/>
+        </p:nvSpPr>
+        <p:spPr>
+          <a:xfrm rot="5400000">
+            <a:off x="2409632" y="1099122"/>
+            <a:ext cx="553796" cy="369332"/>
+          </a:xfrm>
+          <a:prstGeom prst="rightArrow">
+            <a:avLst/>
+          </a:prstGeom>
+          <a:solidFill>
+            <a:schemeClr val="bg1">
+              <a:lumMod val="85000"/>
+            </a:schemeClr>
+          </a:solidFill>
+          <a:ln>
+            <a:noFill/>
+          </a:ln>
+        </p:spPr>
+        <p:style>
+          <a:lnRef idx="2">
+            <a:schemeClr val="accent1">
+              <a:shade val="15000"/>
+            </a:schemeClr>
+          </a:lnRef>
+          <a:fillRef idx="1">
+            <a:schemeClr val="accent1"/>
+          </a:fillRef>
+          <a:effectRef idx="0">
+            <a:schemeClr val="accent1"/>
+          </a:effectRef>
+          <a:fontRef idx="minor">
+            <a:schemeClr val="lt1"/>
+          </a:fontRef>
+        </p:style>
+        <p:txBody>
+          <a:bodyPr rtlCol="0" anchor="ctr"/>
+          <a:lstStyle/>
+          <a:p>
+            <a:pPr algn="ctr"/>
+            <a:endParaRPr lang="en-US"/>
+          </a:p>
+        </p:txBody>
+      </p:sp>
+      <p:sp>
+        <p:nvSpPr>
+          <p:cNvPr id="2" name="Title 1">
+            <a:extLst>
+              <a:ext uri="{FF2B5EF4-FFF2-40B4-BE49-F238E27FC236}">
+                <a16:creationId xmlns:a16="http://schemas.microsoft.com/office/drawing/2014/main" id="{ADF8E6B8-8A1F-CBA5-E3BB-A814E8D6E4F7}"/>
+              </a:ext>
+            </a:extLst>
+          </p:cNvPr>
+          <p:cNvSpPr>
+            <a:spLocks noGrp="1"/>
+          </p:cNvSpPr>
+          <p:nvPr>
+            <p:ph type="title"/>
+          </p:nvPr>
+        </p:nvSpPr>
+        <p:spPr/>
+        <p:txBody>
+          <a:bodyPr/>
+          <a:lstStyle/>
+          <a:p>
+            <a:r>
+              <a:rPr lang="en-US" dirty="0"/>
+              <a:t>Processing Pipeline Overview</a:t>
+            </a:r>
+          </a:p>
+        </p:txBody>
+      </p:sp>
+      <p:sp>
+        <p:nvSpPr>
+          <p:cNvPr id="3" name="TextBox 2">
+            <a:extLst>
+              <a:ext uri="{FF2B5EF4-FFF2-40B4-BE49-F238E27FC236}">
+                <a16:creationId xmlns:a16="http://schemas.microsoft.com/office/drawing/2014/main" id="{E251A1FE-B9C3-A9E9-EA29-CB35B5502439}"/>
+              </a:ext>
+            </a:extLst>
+          </p:cNvPr>
+          <p:cNvSpPr txBox="1"/>
+          <p:nvPr/>
+        </p:nvSpPr>
+        <p:spPr>
+          <a:xfrm>
+            <a:off x="507779" y="760428"/>
+            <a:ext cx="1391076" cy="307777"/>
+          </a:xfrm>
+          <a:prstGeom prst="rect">
+            <a:avLst/>
+          </a:prstGeom>
+          <a:noFill/>
+        </p:spPr>
+        <p:txBody>
+          <a:bodyPr wrap="square" rtlCol="0">
+            <a:spAutoFit/>
+          </a:bodyPr>
+          <a:lstStyle/>
+          <a:p>
+            <a:pPr algn="ctr"/>
+            <a:r>
+              <a:rPr lang="en-US" sz="1400" dirty="0"/>
+              <a:t>Importation</a:t>
+            </a:r>
+          </a:p>
+        </p:txBody>
+      </p:sp>
+      <p:sp>
+        <p:nvSpPr>
+          <p:cNvPr id="4" name="TextBox 3">
+            <a:extLst>
+              <a:ext uri="{FF2B5EF4-FFF2-40B4-BE49-F238E27FC236}">
+                <a16:creationId xmlns:a16="http://schemas.microsoft.com/office/drawing/2014/main" id="{9741B7BE-5EF4-E7D6-63D2-190068A79E96}"/>
+              </a:ext>
+            </a:extLst>
+          </p:cNvPr>
+          <p:cNvSpPr txBox="1"/>
+          <p:nvPr/>
+        </p:nvSpPr>
+        <p:spPr>
+          <a:xfrm>
+            <a:off x="327704" y="2306163"/>
+            <a:ext cx="1751227" cy="523220"/>
+          </a:xfrm>
+          <a:prstGeom prst="rect">
+            <a:avLst/>
+          </a:prstGeom>
+          <a:noFill/>
+        </p:spPr>
+        <p:txBody>
+          <a:bodyPr wrap="square" rtlCol="0">
+            <a:spAutoFit/>
+          </a:bodyPr>
+          <a:lstStyle/>
+          <a:p>
+            <a:pPr algn="ctr"/>
+            <a:r>
+              <a:rPr lang="en-US" sz="1400" dirty="0"/>
+              <a:t>Normalization and Scaling</a:t>
+            </a:r>
+          </a:p>
+        </p:txBody>
+      </p:sp>
+      <p:sp>
+        <p:nvSpPr>
+          <p:cNvPr id="5" name="TextBox 4">
+            <a:extLst>
+              <a:ext uri="{FF2B5EF4-FFF2-40B4-BE49-F238E27FC236}">
+                <a16:creationId xmlns:a16="http://schemas.microsoft.com/office/drawing/2014/main" id="{FE9EE7E1-5B5A-EDF3-518C-5B01395958BA}"/>
+              </a:ext>
+            </a:extLst>
+          </p:cNvPr>
+          <p:cNvSpPr txBox="1"/>
+          <p:nvPr/>
+        </p:nvSpPr>
+        <p:spPr>
+          <a:xfrm>
+            <a:off x="544322" y="2959790"/>
+            <a:ext cx="1317990" cy="523220"/>
+          </a:xfrm>
+          <a:prstGeom prst="rect">
+            <a:avLst/>
+          </a:prstGeom>
+          <a:noFill/>
+        </p:spPr>
+        <p:txBody>
+          <a:bodyPr wrap="none" rtlCol="0">
+            <a:spAutoFit/>
+          </a:bodyPr>
+          <a:lstStyle/>
+          <a:p>
+            <a:pPr algn="ctr"/>
+            <a:r>
+              <a:rPr lang="en-US" sz="1400" dirty="0"/>
+              <a:t>Dimensionality </a:t>
+            </a:r>
+          </a:p>
+          <a:p>
+            <a:pPr algn="ctr"/>
+            <a:r>
+              <a:rPr lang="en-US" sz="1400" dirty="0"/>
+              <a:t>Reduction </a:t>
+            </a:r>
+          </a:p>
+        </p:txBody>
+      </p:sp>
+      <p:sp>
+        <p:nvSpPr>
+          <p:cNvPr id="6" name="TextBox 5">
+            <a:extLst>
+              <a:ext uri="{FF2B5EF4-FFF2-40B4-BE49-F238E27FC236}">
+                <a16:creationId xmlns:a16="http://schemas.microsoft.com/office/drawing/2014/main" id="{5ACCC4E1-353A-DD7A-C75C-E7820011CDF8}"/>
+              </a:ext>
+            </a:extLst>
+          </p:cNvPr>
+          <p:cNvSpPr txBox="1"/>
+          <p:nvPr/>
+        </p:nvSpPr>
+        <p:spPr>
+          <a:xfrm>
+            <a:off x="7753545" y="5511882"/>
+            <a:ext cx="1838645" cy="646331"/>
+          </a:xfrm>
+          <a:prstGeom prst="rect">
+            <a:avLst/>
+          </a:prstGeom>
+          <a:noFill/>
+        </p:spPr>
+        <p:txBody>
+          <a:bodyPr wrap="none" rtlCol="0">
+            <a:spAutoFit/>
+          </a:bodyPr>
+          <a:lstStyle/>
+          <a:p>
+            <a:r>
+              <a:rPr lang="en-US" dirty="0"/>
+              <a:t>Differential Gene </a:t>
+            </a:r>
+          </a:p>
+          <a:p>
+            <a:r>
+              <a:rPr lang="en-US" dirty="0"/>
+              <a:t>Expression</a:t>
+            </a:r>
+          </a:p>
+        </p:txBody>
+      </p:sp>
+      <p:sp>
+        <p:nvSpPr>
+          <p:cNvPr id="8" name="TextBox 7">
+            <a:extLst>
+              <a:ext uri="{FF2B5EF4-FFF2-40B4-BE49-F238E27FC236}">
+                <a16:creationId xmlns:a16="http://schemas.microsoft.com/office/drawing/2014/main" id="{7E8A6324-24B0-3F24-0CD2-CAF0651DF59E}"/>
+              </a:ext>
+            </a:extLst>
+          </p:cNvPr>
+          <p:cNvSpPr txBox="1"/>
+          <p:nvPr/>
+        </p:nvSpPr>
+        <p:spPr>
+          <a:xfrm>
+            <a:off x="744249" y="3574087"/>
+            <a:ext cx="918136" cy="307777"/>
+          </a:xfrm>
+          <a:prstGeom prst="rect">
+            <a:avLst/>
+          </a:prstGeom>
+          <a:noFill/>
+        </p:spPr>
+        <p:txBody>
+          <a:bodyPr wrap="none" rtlCol="0">
+            <a:spAutoFit/>
+          </a:bodyPr>
+          <a:lstStyle/>
+          <a:p>
+            <a:pPr algn="ctr"/>
+            <a:r>
+              <a:rPr lang="en-US" sz="1400" dirty="0"/>
+              <a:t>Clustering</a:t>
+            </a:r>
+          </a:p>
+        </p:txBody>
+      </p:sp>
+      <p:sp>
+        <p:nvSpPr>
+          <p:cNvPr id="9" name="TextBox 8">
+            <a:extLst>
+              <a:ext uri="{FF2B5EF4-FFF2-40B4-BE49-F238E27FC236}">
+                <a16:creationId xmlns:a16="http://schemas.microsoft.com/office/drawing/2014/main" id="{86F09A47-C256-DCF2-2F44-269D60CD90BB}"/>
+              </a:ext>
+            </a:extLst>
+          </p:cNvPr>
+          <p:cNvSpPr txBox="1"/>
+          <p:nvPr/>
+        </p:nvSpPr>
+        <p:spPr>
+          <a:xfrm>
+            <a:off x="5392288" y="5511882"/>
+            <a:ext cx="1749784" cy="646331"/>
+          </a:xfrm>
+          <a:prstGeom prst="rect">
+            <a:avLst/>
+          </a:prstGeom>
+          <a:noFill/>
+        </p:spPr>
+        <p:txBody>
+          <a:bodyPr wrap="square" rtlCol="0">
+            <a:spAutoFit/>
+          </a:bodyPr>
+          <a:lstStyle/>
+          <a:p>
+            <a:r>
+              <a:rPr lang="en-US" dirty="0"/>
+              <a:t>Marker Identification</a:t>
+            </a:r>
+          </a:p>
+        </p:txBody>
+      </p:sp>
+      <p:sp>
+        <p:nvSpPr>
+          <p:cNvPr id="10" name="TextBox 9">
+            <a:extLst>
+              <a:ext uri="{FF2B5EF4-FFF2-40B4-BE49-F238E27FC236}">
+                <a16:creationId xmlns:a16="http://schemas.microsoft.com/office/drawing/2014/main" id="{91E84F6D-40A2-F103-00E3-14AE9649BC07}"/>
+              </a:ext>
+            </a:extLst>
+          </p:cNvPr>
+          <p:cNvSpPr txBox="1"/>
+          <p:nvPr/>
+        </p:nvSpPr>
+        <p:spPr>
+          <a:xfrm>
+            <a:off x="10255271" y="5511882"/>
+            <a:ext cx="1501373" cy="646331"/>
+          </a:xfrm>
+          <a:prstGeom prst="rect">
+            <a:avLst/>
+          </a:prstGeom>
+          <a:noFill/>
+        </p:spPr>
+        <p:txBody>
+          <a:bodyPr wrap="none" rtlCol="0">
+            <a:spAutoFit/>
+          </a:bodyPr>
+          <a:lstStyle/>
+          <a:p>
+            <a:r>
+              <a:rPr lang="en-US" dirty="0"/>
+              <a:t>Biological </a:t>
+            </a:r>
+          </a:p>
+          <a:p>
+            <a:r>
+              <a:rPr lang="en-US" dirty="0"/>
+              <a:t>Interpretation</a:t>
+            </a:r>
+          </a:p>
+        </p:txBody>
+      </p:sp>
+      <p:sp>
+        <p:nvSpPr>
+          <p:cNvPr id="11" name="TextBox 10">
+            <a:extLst>
+              <a:ext uri="{FF2B5EF4-FFF2-40B4-BE49-F238E27FC236}">
+                <a16:creationId xmlns:a16="http://schemas.microsoft.com/office/drawing/2014/main" id="{C7BDE81A-60BB-66C7-3570-9124817E49DD}"/>
+              </a:ext>
+            </a:extLst>
+          </p:cNvPr>
+          <p:cNvSpPr txBox="1"/>
+          <p:nvPr/>
+        </p:nvSpPr>
+        <p:spPr>
+          <a:xfrm>
+            <a:off x="812185" y="1730535"/>
+            <a:ext cx="782265" cy="307777"/>
+          </a:xfrm>
+          <a:prstGeom prst="rect">
+            <a:avLst/>
+          </a:prstGeom>
+          <a:noFill/>
+        </p:spPr>
+        <p:txBody>
+          <a:bodyPr wrap="none" rtlCol="0">
+            <a:spAutoFit/>
+          </a:bodyPr>
+          <a:lstStyle/>
+          <a:p>
+            <a:pPr algn="ctr"/>
+            <a:r>
+              <a:rPr lang="en-US" sz="1400" dirty="0"/>
+              <a:t>Filtering</a:t>
+            </a:r>
+          </a:p>
+        </p:txBody>
+      </p:sp>
+      <p:sp>
+        <p:nvSpPr>
+          <p:cNvPr id="12" name="TextBox 11">
+            <a:extLst>
+              <a:ext uri="{FF2B5EF4-FFF2-40B4-BE49-F238E27FC236}">
+                <a16:creationId xmlns:a16="http://schemas.microsoft.com/office/drawing/2014/main" id="{2570AFAE-0CD4-3DE2-7994-8F2F9302FD14}"/>
+              </a:ext>
+            </a:extLst>
+          </p:cNvPr>
+          <p:cNvSpPr txBox="1"/>
+          <p:nvPr/>
+        </p:nvSpPr>
+        <p:spPr>
+          <a:xfrm>
+            <a:off x="421437" y="1210472"/>
+            <a:ext cx="1563761" cy="307777"/>
+          </a:xfrm>
+          <a:prstGeom prst="rect">
+            <a:avLst/>
+          </a:prstGeom>
+          <a:noFill/>
+        </p:spPr>
+        <p:txBody>
+          <a:bodyPr wrap="none" rtlCol="0">
+            <a:spAutoFit/>
+          </a:bodyPr>
+          <a:lstStyle/>
+          <a:p>
+            <a:pPr algn="ctr"/>
+            <a:r>
+              <a:rPr lang="en-US" sz="1400" dirty="0"/>
+              <a:t>Metadata Curation</a:t>
+            </a:r>
+          </a:p>
+        </p:txBody>
+      </p:sp>
+      <p:sp>
+        <p:nvSpPr>
+          <p:cNvPr id="54" name="Arrow: Right 53">
+            <a:extLst>
+              <a:ext uri="{FF2B5EF4-FFF2-40B4-BE49-F238E27FC236}">
+                <a16:creationId xmlns:a16="http://schemas.microsoft.com/office/drawing/2014/main" id="{7377BE80-BF78-6FB1-81D7-5933BC9D58F8}"/>
+              </a:ext>
+            </a:extLst>
+          </p:cNvPr>
+          <p:cNvSpPr/>
+          <p:nvPr/>
+        </p:nvSpPr>
+        <p:spPr>
+          <a:xfrm rot="5400000">
+            <a:off x="2357608" y="1699757"/>
+            <a:ext cx="413654" cy="369332"/>
+          </a:xfrm>
+          <a:prstGeom prst="rightArrow">
+            <a:avLst/>
+          </a:prstGeom>
+          <a:solidFill>
+            <a:schemeClr val="bg1">
+              <a:lumMod val="85000"/>
+            </a:schemeClr>
+          </a:solidFill>
+          <a:ln>
+            <a:noFill/>
+          </a:ln>
+        </p:spPr>
+        <p:style>
+          <a:lnRef idx="2">
+            <a:schemeClr val="accent1">
+              <a:shade val="15000"/>
+            </a:schemeClr>
+          </a:lnRef>
+          <a:fillRef idx="1">
+            <a:schemeClr val="accent1"/>
+          </a:fillRef>
+          <a:effectRef idx="0">
+            <a:schemeClr val="accent1"/>
+          </a:effectRef>
+          <a:fontRef idx="minor">
+            <a:schemeClr val="lt1"/>
+          </a:fontRef>
+        </p:style>
+        <p:txBody>
+          <a:bodyPr rtlCol="0" anchor="ctr"/>
+          <a:lstStyle/>
+          <a:p>
+            <a:pPr algn="ctr"/>
+            <a:endParaRPr lang="en-US"/>
+          </a:p>
+        </p:txBody>
+      </p:sp>
+      <p:sp>
+        <p:nvSpPr>
+          <p:cNvPr id="55" name="Arrow: Right 54">
+            <a:extLst>
+              <a:ext uri="{FF2B5EF4-FFF2-40B4-BE49-F238E27FC236}">
+                <a16:creationId xmlns:a16="http://schemas.microsoft.com/office/drawing/2014/main" id="{0A63A633-4841-043B-60D1-FC2C87370AEC}"/>
+              </a:ext>
+            </a:extLst>
+          </p:cNvPr>
+          <p:cNvSpPr/>
+          <p:nvPr/>
+        </p:nvSpPr>
+        <p:spPr>
+          <a:xfrm>
+            <a:off x="7064171" y="4071830"/>
+            <a:ext cx="366064" cy="369332"/>
+          </a:xfrm>
+          <a:prstGeom prst="rightArrow">
+            <a:avLst/>
+          </a:prstGeom>
+          <a:solidFill>
+            <a:schemeClr val="bg1">
+              <a:lumMod val="85000"/>
+            </a:schemeClr>
+          </a:solidFill>
+          <a:ln>
+            <a:noFill/>
+          </a:ln>
+        </p:spPr>
+        <p:style>
+          <a:lnRef idx="2">
+            <a:schemeClr val="accent1">
+              <a:shade val="15000"/>
+            </a:schemeClr>
+          </a:lnRef>
+          <a:fillRef idx="1">
+            <a:schemeClr val="accent1"/>
+          </a:fillRef>
+          <a:effectRef idx="0">
+            <a:schemeClr val="accent1"/>
+          </a:effectRef>
+          <a:fontRef idx="minor">
+            <a:schemeClr val="lt1"/>
+          </a:fontRef>
+        </p:style>
+        <p:txBody>
+          <a:bodyPr rtlCol="0" anchor="ctr"/>
+          <a:lstStyle/>
+          <a:p>
+            <a:pPr algn="ctr"/>
+            <a:endParaRPr lang="en-US"/>
+          </a:p>
+        </p:txBody>
+      </p:sp>
+      <p:sp>
+        <p:nvSpPr>
+          <p:cNvPr id="56" name="Arrow: Right 55">
+            <a:extLst>
+              <a:ext uri="{FF2B5EF4-FFF2-40B4-BE49-F238E27FC236}">
+                <a16:creationId xmlns:a16="http://schemas.microsoft.com/office/drawing/2014/main" id="{7B871755-1A2C-8CC2-0D5B-239F7FC13E12}"/>
+              </a:ext>
+            </a:extLst>
+          </p:cNvPr>
+          <p:cNvSpPr/>
+          <p:nvPr/>
+        </p:nvSpPr>
+        <p:spPr>
+          <a:xfrm>
+            <a:off x="9413061" y="4071830"/>
+            <a:ext cx="422725" cy="369332"/>
+          </a:xfrm>
+          <a:prstGeom prst="rightArrow">
+            <a:avLst/>
+          </a:prstGeom>
+          <a:solidFill>
+            <a:schemeClr val="bg1">
+              <a:lumMod val="85000"/>
+            </a:schemeClr>
+          </a:solidFill>
+          <a:ln>
+            <a:noFill/>
+          </a:ln>
+        </p:spPr>
+        <p:style>
+          <a:lnRef idx="2">
+            <a:schemeClr val="accent1">
+              <a:shade val="15000"/>
+            </a:schemeClr>
+          </a:lnRef>
+          <a:fillRef idx="1">
+            <a:schemeClr val="accent1"/>
+          </a:fillRef>
+          <a:effectRef idx="0">
+            <a:schemeClr val="accent1"/>
+          </a:effectRef>
+          <a:fontRef idx="minor">
+            <a:schemeClr val="lt1"/>
+          </a:fontRef>
+        </p:style>
+        <p:txBody>
+          <a:bodyPr rtlCol="0" anchor="ctr"/>
+          <a:lstStyle/>
+          <a:p>
+            <a:pPr algn="ctr"/>
+            <a:endParaRPr lang="en-US"/>
+          </a:p>
+        </p:txBody>
+      </p:sp>
+      <p:sp>
+        <p:nvSpPr>
+          <p:cNvPr id="58" name="Arrow: Right 57">
+            <a:extLst>
+              <a:ext uri="{FF2B5EF4-FFF2-40B4-BE49-F238E27FC236}">
+                <a16:creationId xmlns:a16="http://schemas.microsoft.com/office/drawing/2014/main" id="{BCE185CD-734A-7CAB-B024-931A6A78AC1F}"/>
+              </a:ext>
+            </a:extLst>
+          </p:cNvPr>
+          <p:cNvSpPr/>
+          <p:nvPr/>
+        </p:nvSpPr>
+        <p:spPr>
+          <a:xfrm>
+            <a:off x="4752310" y="5650381"/>
+            <a:ext cx="468799" cy="369332"/>
+          </a:xfrm>
+          <a:prstGeom prst="rightArrow">
+            <a:avLst/>
+          </a:prstGeom>
+          <a:solidFill>
+            <a:schemeClr val="bg1">
+              <a:lumMod val="85000"/>
+            </a:schemeClr>
+          </a:solidFill>
+          <a:ln>
+            <a:noFill/>
+          </a:ln>
+        </p:spPr>
+        <p:style>
+          <a:lnRef idx="2">
+            <a:schemeClr val="accent1">
+              <a:shade val="15000"/>
+            </a:schemeClr>
+          </a:lnRef>
+          <a:fillRef idx="1">
+            <a:schemeClr val="accent1"/>
+          </a:fillRef>
+          <a:effectRef idx="0">
+            <a:schemeClr val="accent1"/>
+          </a:effectRef>
+          <a:fontRef idx="minor">
+            <a:schemeClr val="lt1"/>
+          </a:fontRef>
+        </p:style>
+        <p:txBody>
+          <a:bodyPr rtlCol="0" anchor="ctr"/>
+          <a:lstStyle/>
+          <a:p>
+            <a:pPr algn="ctr"/>
+            <a:endParaRPr lang="en-US"/>
+          </a:p>
+        </p:txBody>
+      </p:sp>
+      <p:sp>
+        <p:nvSpPr>
+          <p:cNvPr id="59" name="Arrow: Right 58">
+            <a:extLst>
+              <a:ext uri="{FF2B5EF4-FFF2-40B4-BE49-F238E27FC236}">
+                <a16:creationId xmlns:a16="http://schemas.microsoft.com/office/drawing/2014/main" id="{6387FD6E-90B8-DF11-924E-1DD01C4BC3D7}"/>
+              </a:ext>
+            </a:extLst>
+          </p:cNvPr>
+          <p:cNvSpPr/>
+          <p:nvPr/>
+        </p:nvSpPr>
+        <p:spPr>
+          <a:xfrm>
+            <a:off x="7203483" y="5650381"/>
+            <a:ext cx="451031" cy="369332"/>
+          </a:xfrm>
+          <a:prstGeom prst="rightArrow">
+            <a:avLst/>
+          </a:prstGeom>
+          <a:solidFill>
+            <a:schemeClr val="bg1">
+              <a:lumMod val="85000"/>
+            </a:schemeClr>
+          </a:solidFill>
+          <a:ln>
+            <a:noFill/>
+          </a:ln>
+        </p:spPr>
+        <p:style>
+          <a:lnRef idx="2">
+            <a:schemeClr val="accent1">
+              <a:shade val="15000"/>
+            </a:schemeClr>
+          </a:lnRef>
+          <a:fillRef idx="1">
+            <a:schemeClr val="accent1"/>
+          </a:fillRef>
+          <a:effectRef idx="0">
+            <a:schemeClr val="accent1"/>
+          </a:effectRef>
+          <a:fontRef idx="minor">
+            <a:schemeClr val="lt1"/>
+          </a:fontRef>
+        </p:style>
+        <p:txBody>
+          <a:bodyPr rtlCol="0" anchor="ctr"/>
+          <a:lstStyle/>
+          <a:p>
+            <a:pPr algn="ctr"/>
+            <a:endParaRPr lang="en-US"/>
+          </a:p>
+        </p:txBody>
+      </p:sp>
+      <p:sp>
+        <p:nvSpPr>
+          <p:cNvPr id="60" name="Arrow: Right 59">
+            <a:extLst>
+              <a:ext uri="{FF2B5EF4-FFF2-40B4-BE49-F238E27FC236}">
+                <a16:creationId xmlns:a16="http://schemas.microsoft.com/office/drawing/2014/main" id="{056C80D0-B623-9880-158E-CD46CC0D37E1}"/>
+              </a:ext>
+            </a:extLst>
+          </p:cNvPr>
+          <p:cNvSpPr/>
+          <p:nvPr/>
+        </p:nvSpPr>
+        <p:spPr>
+          <a:xfrm>
+            <a:off x="9683511" y="5650381"/>
+            <a:ext cx="318400" cy="369332"/>
+          </a:xfrm>
+          <a:prstGeom prst="rightArrow">
+            <a:avLst/>
+          </a:prstGeom>
+          <a:solidFill>
+            <a:schemeClr val="bg1">
+              <a:lumMod val="85000"/>
+            </a:schemeClr>
+          </a:solidFill>
+          <a:ln>
+            <a:noFill/>
+          </a:ln>
+        </p:spPr>
+        <p:style>
+          <a:lnRef idx="2">
+            <a:schemeClr val="accent1">
+              <a:shade val="15000"/>
+            </a:schemeClr>
+          </a:lnRef>
+          <a:fillRef idx="1">
+            <a:schemeClr val="accent1"/>
+          </a:fillRef>
+          <a:effectRef idx="0">
+            <a:schemeClr val="accent1"/>
+          </a:effectRef>
+          <a:fontRef idx="minor">
+            <a:schemeClr val="lt1"/>
+          </a:fontRef>
+        </p:style>
+        <p:txBody>
+          <a:bodyPr rtlCol="0" anchor="ctr"/>
+          <a:lstStyle/>
+          <a:p>
+            <a:pPr algn="ctr"/>
+            <a:endParaRPr lang="en-US"/>
+          </a:p>
+        </p:txBody>
+      </p:sp>
+    </p:spTree>
+    <p:extLst>
+      <p:ext uri="{BB962C8B-B14F-4D97-AF65-F5344CB8AC3E}">
+        <p14:creationId xmlns:p14="http://schemas.microsoft.com/office/powerpoint/2010/main" val="2188559133"/>
+      </p:ext>
+    </p:extLst>
+  </p:cSld>
+  <p:clrMapOvr>
+    <a:masterClrMapping/>
+  </p:clrMapOvr>
+</p:sld>
+</file>
+
+<file path=ppt/slides/slide4.xml><?xml version="1.0" encoding="utf-8"?>
+<p:sld xmlns:a="http://schemas.openxmlformats.org/drawingml/2006/main" xmlns:r="http://schemas.openxmlformats.org/officeDocument/2006/relationships" xmlns:p="http://schemas.openxmlformats.org/presentationml/2006/main">
+  <p:cSld>
+    <p:spTree>
+      <p:nvGrpSpPr>
+        <p:cNvPr id="1" name=""/>
+        <p:cNvGrpSpPr/>
+        <p:nvPr/>
+      </p:nvGrpSpPr>
+      <p:grpSpPr>
+        <a:xfrm>
+          <a:off x="0" y="0"/>
+          <a:ext cx="0" cy="0"/>
+          <a:chOff x="0" y="0"/>
+          <a:chExt cx="0" cy="0"/>
+        </a:xfrm>
+      </p:grpSpPr>
+      <p:sp>
+        <p:nvSpPr>
           <p:cNvPr id="2" name="Title 1">
             <a:extLst>
               <a:ext uri="{FF2B5EF4-FFF2-40B4-BE49-F238E27FC236}">
@@ -8032,6 +9603,1640 @@
     <p:extLst>
       <p:ext uri="{BB962C8B-B14F-4D97-AF65-F5344CB8AC3E}">
         <p14:creationId xmlns:p14="http://schemas.microsoft.com/office/powerpoint/2010/main" val="3450757841"/>
+      </p:ext>
+    </p:extLst>
+  </p:cSld>
+  <p:clrMapOvr>
+    <a:masterClrMapping/>
+  </p:clrMapOvr>
+</p:sld>
+</file>
+
+<file path=ppt/slides/slide5.xml><?xml version="1.0" encoding="utf-8"?>
+<p:sld xmlns:a="http://schemas.openxmlformats.org/drawingml/2006/main" xmlns:r="http://schemas.openxmlformats.org/officeDocument/2006/relationships" xmlns:p="http://schemas.openxmlformats.org/presentationml/2006/main">
+  <p:cSld>
+    <p:spTree>
+      <p:nvGrpSpPr>
+        <p:cNvPr id="1" name=""/>
+        <p:cNvGrpSpPr/>
+        <p:nvPr/>
+      </p:nvGrpSpPr>
+      <p:grpSpPr>
+        <a:xfrm>
+          <a:off x="0" y="0"/>
+          <a:ext cx="0" cy="0"/>
+          <a:chOff x="0" y="0"/>
+          <a:chExt cx="0" cy="0"/>
+        </a:xfrm>
+      </p:grpSpPr>
+      <p:sp>
+        <p:nvSpPr>
+          <p:cNvPr id="2" name="Title 1">
+            <a:extLst>
+              <a:ext uri="{FF2B5EF4-FFF2-40B4-BE49-F238E27FC236}">
+                <a16:creationId xmlns:a16="http://schemas.microsoft.com/office/drawing/2014/main" id="{9CBEB24B-7DA1-A61A-7D9C-646BD9D602CA}"/>
+              </a:ext>
+            </a:extLst>
+          </p:cNvPr>
+          <p:cNvSpPr>
+            <a:spLocks noGrp="1"/>
+          </p:cNvSpPr>
+          <p:nvPr>
+            <p:ph type="title"/>
+          </p:nvPr>
+        </p:nvSpPr>
+        <p:spPr/>
+        <p:txBody>
+          <a:bodyPr/>
+          <a:lstStyle/>
+          <a:p>
+            <a:endParaRPr lang="en-US" dirty="0"/>
+          </a:p>
+        </p:txBody>
+      </p:sp>
+      <p:cxnSp>
+        <p:nvCxnSpPr>
+          <p:cNvPr id="4" name="Straight Connector 3">
+            <a:extLst>
+              <a:ext uri="{FF2B5EF4-FFF2-40B4-BE49-F238E27FC236}">
+                <a16:creationId xmlns:a16="http://schemas.microsoft.com/office/drawing/2014/main" id="{71AD98AD-0AA9-B938-83D3-709644D13CBC}"/>
+              </a:ext>
+            </a:extLst>
+          </p:cNvPr>
+          <p:cNvCxnSpPr>
+            <a:cxnSpLocks/>
+            <a:stCxn id="31" idx="1"/>
+          </p:cNvCxnSpPr>
+          <p:nvPr/>
+        </p:nvCxnSpPr>
+        <p:spPr>
+          <a:xfrm flipH="1" flipV="1">
+            <a:off x="4252921" y="3256977"/>
+            <a:ext cx="501384" cy="445997"/>
+          </a:xfrm>
+          <a:prstGeom prst="line">
+            <a:avLst/>
+          </a:prstGeom>
+          <a:ln w="38100"/>
+        </p:spPr>
+        <p:style>
+          <a:lnRef idx="1">
+            <a:schemeClr val="accent1"/>
+          </a:lnRef>
+          <a:fillRef idx="0">
+            <a:schemeClr val="accent1"/>
+          </a:fillRef>
+          <a:effectRef idx="0">
+            <a:schemeClr val="accent1"/>
+          </a:effectRef>
+          <a:fontRef idx="minor">
+            <a:schemeClr val="tx1"/>
+          </a:fontRef>
+        </p:style>
+      </p:cxnSp>
+      <p:cxnSp>
+        <p:nvCxnSpPr>
+          <p:cNvPr id="5" name="Straight Connector 4">
+            <a:extLst>
+              <a:ext uri="{FF2B5EF4-FFF2-40B4-BE49-F238E27FC236}">
+                <a16:creationId xmlns:a16="http://schemas.microsoft.com/office/drawing/2014/main" id="{F858FF62-5821-6148-D38E-B650BF0360D8}"/>
+              </a:ext>
+            </a:extLst>
+          </p:cNvPr>
+          <p:cNvCxnSpPr>
+            <a:cxnSpLocks/>
+            <a:stCxn id="31" idx="7"/>
+          </p:cNvCxnSpPr>
+          <p:nvPr/>
+        </p:nvCxnSpPr>
+        <p:spPr>
+          <a:xfrm flipV="1">
+            <a:off x="4786634" y="3573301"/>
+            <a:ext cx="150105" cy="129673"/>
+          </a:xfrm>
+          <a:prstGeom prst="line">
+            <a:avLst/>
+          </a:prstGeom>
+          <a:ln w="38100"/>
+        </p:spPr>
+        <p:style>
+          <a:lnRef idx="1">
+            <a:schemeClr val="accent1"/>
+          </a:lnRef>
+          <a:fillRef idx="0">
+            <a:schemeClr val="accent1"/>
+          </a:fillRef>
+          <a:effectRef idx="0">
+            <a:schemeClr val="accent1"/>
+          </a:effectRef>
+          <a:fontRef idx="minor">
+            <a:schemeClr val="tx1"/>
+          </a:fontRef>
+        </p:style>
+      </p:cxnSp>
+      <p:cxnSp>
+        <p:nvCxnSpPr>
+          <p:cNvPr id="7" name="Straight Connector 6">
+            <a:extLst>
+              <a:ext uri="{FF2B5EF4-FFF2-40B4-BE49-F238E27FC236}">
+                <a16:creationId xmlns:a16="http://schemas.microsoft.com/office/drawing/2014/main" id="{D0D19C50-3FFD-9FA5-C83D-6EE915AB8A7D}"/>
+              </a:ext>
+            </a:extLst>
+          </p:cNvPr>
+          <p:cNvCxnSpPr>
+            <a:cxnSpLocks/>
+            <a:stCxn id="31" idx="6"/>
+          </p:cNvCxnSpPr>
+          <p:nvPr/>
+        </p:nvCxnSpPr>
+        <p:spPr>
+          <a:xfrm>
+            <a:off x="4793329" y="3719139"/>
+            <a:ext cx="561502" cy="371484"/>
+          </a:xfrm>
+          <a:prstGeom prst="line">
+            <a:avLst/>
+          </a:prstGeom>
+          <a:ln w="38100"/>
+        </p:spPr>
+        <p:style>
+          <a:lnRef idx="1">
+            <a:schemeClr val="accent1"/>
+          </a:lnRef>
+          <a:fillRef idx="0">
+            <a:schemeClr val="accent1"/>
+          </a:fillRef>
+          <a:effectRef idx="0">
+            <a:schemeClr val="accent1"/>
+          </a:effectRef>
+          <a:fontRef idx="minor">
+            <a:schemeClr val="tx1"/>
+          </a:fontRef>
+        </p:style>
+      </p:cxnSp>
+      <p:cxnSp>
+        <p:nvCxnSpPr>
+          <p:cNvPr id="10" name="Straight Connector 9">
+            <a:extLst>
+              <a:ext uri="{FF2B5EF4-FFF2-40B4-BE49-F238E27FC236}">
+                <a16:creationId xmlns:a16="http://schemas.microsoft.com/office/drawing/2014/main" id="{FD647851-B08B-4D38-C2E4-D09CEE05652A}"/>
+              </a:ext>
+            </a:extLst>
+          </p:cNvPr>
+          <p:cNvCxnSpPr>
+            <a:cxnSpLocks/>
+            <a:stCxn id="31" idx="3"/>
+          </p:cNvCxnSpPr>
+          <p:nvPr/>
+        </p:nvCxnSpPr>
+        <p:spPr>
+          <a:xfrm flipH="1">
+            <a:off x="4269392" y="3735303"/>
+            <a:ext cx="484913" cy="260989"/>
+          </a:xfrm>
+          <a:prstGeom prst="line">
+            <a:avLst/>
+          </a:prstGeom>
+          <a:ln w="38100"/>
+        </p:spPr>
+        <p:style>
+          <a:lnRef idx="1">
+            <a:schemeClr val="accent1"/>
+          </a:lnRef>
+          <a:fillRef idx="0">
+            <a:schemeClr val="accent1"/>
+          </a:fillRef>
+          <a:effectRef idx="0">
+            <a:schemeClr val="accent1"/>
+          </a:effectRef>
+          <a:fontRef idx="minor">
+            <a:schemeClr val="tx1"/>
+          </a:fontRef>
+        </p:style>
+      </p:cxnSp>
+      <p:cxnSp>
+        <p:nvCxnSpPr>
+          <p:cNvPr id="13" name="Straight Connector 12">
+            <a:extLst>
+              <a:ext uri="{FF2B5EF4-FFF2-40B4-BE49-F238E27FC236}">
+                <a16:creationId xmlns:a16="http://schemas.microsoft.com/office/drawing/2014/main" id="{960B6787-6AA6-2651-9CF5-A4DBAD7BB269}"/>
+              </a:ext>
+            </a:extLst>
+          </p:cNvPr>
+          <p:cNvCxnSpPr>
+            <a:cxnSpLocks/>
+            <a:stCxn id="31" idx="2"/>
+          </p:cNvCxnSpPr>
+          <p:nvPr/>
+        </p:nvCxnSpPr>
+        <p:spPr>
+          <a:xfrm flipH="1">
+            <a:off x="3956680" y="3719139"/>
+            <a:ext cx="790930" cy="22859"/>
+          </a:xfrm>
+          <a:prstGeom prst="line">
+            <a:avLst/>
+          </a:prstGeom>
+          <a:ln w="38100"/>
+        </p:spPr>
+        <p:style>
+          <a:lnRef idx="1">
+            <a:schemeClr val="accent1"/>
+          </a:lnRef>
+          <a:fillRef idx="0">
+            <a:schemeClr val="accent1"/>
+          </a:fillRef>
+          <a:effectRef idx="0">
+            <a:schemeClr val="accent1"/>
+          </a:effectRef>
+          <a:fontRef idx="minor">
+            <a:schemeClr val="tx1"/>
+          </a:fontRef>
+        </p:style>
+      </p:cxnSp>
+      <p:cxnSp>
+        <p:nvCxnSpPr>
+          <p:cNvPr id="15" name="Straight Connector 14">
+            <a:extLst>
+              <a:ext uri="{FF2B5EF4-FFF2-40B4-BE49-F238E27FC236}">
+                <a16:creationId xmlns:a16="http://schemas.microsoft.com/office/drawing/2014/main" id="{FE71EBC4-CECD-95B2-E682-FE4061D4E1A6}"/>
+              </a:ext>
+            </a:extLst>
+          </p:cNvPr>
+          <p:cNvCxnSpPr>
+            <a:cxnSpLocks/>
+            <a:stCxn id="31" idx="6"/>
+          </p:cNvCxnSpPr>
+          <p:nvPr/>
+        </p:nvCxnSpPr>
+        <p:spPr>
+          <a:xfrm>
+            <a:off x="4793329" y="3719139"/>
+            <a:ext cx="403569" cy="68382"/>
+          </a:xfrm>
+          <a:prstGeom prst="line">
+            <a:avLst/>
+          </a:prstGeom>
+          <a:ln w="38100"/>
+        </p:spPr>
+        <p:style>
+          <a:lnRef idx="1">
+            <a:schemeClr val="accent1"/>
+          </a:lnRef>
+          <a:fillRef idx="0">
+            <a:schemeClr val="accent1"/>
+          </a:fillRef>
+          <a:effectRef idx="0">
+            <a:schemeClr val="accent1"/>
+          </a:effectRef>
+          <a:fontRef idx="minor">
+            <a:schemeClr val="tx1"/>
+          </a:fontRef>
+        </p:style>
+      </p:cxnSp>
+      <p:cxnSp>
+        <p:nvCxnSpPr>
+          <p:cNvPr id="18" name="Straight Connector 17">
+            <a:extLst>
+              <a:ext uri="{FF2B5EF4-FFF2-40B4-BE49-F238E27FC236}">
+                <a16:creationId xmlns:a16="http://schemas.microsoft.com/office/drawing/2014/main" id="{23031112-FD67-2662-DF7E-B96AE2A20081}"/>
+              </a:ext>
+            </a:extLst>
+          </p:cNvPr>
+          <p:cNvCxnSpPr>
+            <a:cxnSpLocks/>
+            <a:stCxn id="31" idx="4"/>
+          </p:cNvCxnSpPr>
+          <p:nvPr/>
+        </p:nvCxnSpPr>
+        <p:spPr>
+          <a:xfrm>
+            <a:off x="4770470" y="3741998"/>
+            <a:ext cx="68578" cy="424041"/>
+          </a:xfrm>
+          <a:prstGeom prst="line">
+            <a:avLst/>
+          </a:prstGeom>
+          <a:ln w="38100"/>
+        </p:spPr>
+        <p:style>
+          <a:lnRef idx="1">
+            <a:schemeClr val="accent1"/>
+          </a:lnRef>
+          <a:fillRef idx="0">
+            <a:schemeClr val="accent1"/>
+          </a:fillRef>
+          <a:effectRef idx="0">
+            <a:schemeClr val="accent1"/>
+          </a:effectRef>
+          <a:fontRef idx="minor">
+            <a:schemeClr val="tx1"/>
+          </a:fontRef>
+        </p:style>
+      </p:cxnSp>
+      <p:cxnSp>
+        <p:nvCxnSpPr>
+          <p:cNvPr id="20" name="Straight Connector 19">
+            <a:extLst>
+              <a:ext uri="{FF2B5EF4-FFF2-40B4-BE49-F238E27FC236}">
+                <a16:creationId xmlns:a16="http://schemas.microsoft.com/office/drawing/2014/main" id="{ED4BB04A-04DC-48D7-0B3D-105B10080E56}"/>
+              </a:ext>
+            </a:extLst>
+          </p:cNvPr>
+          <p:cNvCxnSpPr>
+            <a:cxnSpLocks/>
+            <a:stCxn id="31" idx="4"/>
+          </p:cNvCxnSpPr>
+          <p:nvPr/>
+        </p:nvCxnSpPr>
+        <p:spPr>
+          <a:xfrm>
+            <a:off x="4770470" y="3741998"/>
+            <a:ext cx="426428" cy="669885"/>
+          </a:xfrm>
+          <a:prstGeom prst="line">
+            <a:avLst/>
+          </a:prstGeom>
+          <a:ln w="38100"/>
+        </p:spPr>
+        <p:style>
+          <a:lnRef idx="1">
+            <a:schemeClr val="accent1"/>
+          </a:lnRef>
+          <a:fillRef idx="0">
+            <a:schemeClr val="accent1"/>
+          </a:fillRef>
+          <a:effectRef idx="0">
+            <a:schemeClr val="accent1"/>
+          </a:effectRef>
+          <a:fontRef idx="minor">
+            <a:schemeClr val="tx1"/>
+          </a:fontRef>
+        </p:style>
+      </p:cxnSp>
+      <p:cxnSp>
+        <p:nvCxnSpPr>
+          <p:cNvPr id="24" name="Straight Connector 23">
+            <a:extLst>
+              <a:ext uri="{FF2B5EF4-FFF2-40B4-BE49-F238E27FC236}">
+                <a16:creationId xmlns:a16="http://schemas.microsoft.com/office/drawing/2014/main" id="{4BD34A49-9D8C-4C73-88D1-BFF288AF23C1}"/>
+              </a:ext>
+            </a:extLst>
+          </p:cNvPr>
+          <p:cNvCxnSpPr>
+            <a:cxnSpLocks/>
+            <a:stCxn id="31" idx="0"/>
+          </p:cNvCxnSpPr>
+          <p:nvPr/>
+        </p:nvCxnSpPr>
+        <p:spPr>
+          <a:xfrm flipV="1">
+            <a:off x="4770470" y="3226519"/>
+            <a:ext cx="166269" cy="469760"/>
+          </a:xfrm>
+          <a:prstGeom prst="line">
+            <a:avLst/>
+          </a:prstGeom>
+          <a:ln w="38100"/>
+        </p:spPr>
+        <p:style>
+          <a:lnRef idx="1">
+            <a:schemeClr val="accent1"/>
+          </a:lnRef>
+          <a:fillRef idx="0">
+            <a:schemeClr val="accent1"/>
+          </a:fillRef>
+          <a:effectRef idx="0">
+            <a:schemeClr val="accent1"/>
+          </a:effectRef>
+          <a:fontRef idx="minor">
+            <a:schemeClr val="tx1"/>
+          </a:fontRef>
+        </p:style>
+      </p:cxnSp>
+      <p:cxnSp>
+        <p:nvCxnSpPr>
+          <p:cNvPr id="28" name="Straight Connector 27">
+            <a:extLst>
+              <a:ext uri="{FF2B5EF4-FFF2-40B4-BE49-F238E27FC236}">
+                <a16:creationId xmlns:a16="http://schemas.microsoft.com/office/drawing/2014/main" id="{193584A9-D193-820C-DA8C-13174ED9A0C3}"/>
+              </a:ext>
+            </a:extLst>
+          </p:cNvPr>
+          <p:cNvCxnSpPr>
+            <a:cxnSpLocks/>
+            <a:endCxn id="31" idx="3"/>
+          </p:cNvCxnSpPr>
+          <p:nvPr/>
+        </p:nvCxnSpPr>
+        <p:spPr>
+          <a:xfrm flipV="1">
+            <a:off x="4477321" y="3735303"/>
+            <a:ext cx="276984" cy="800330"/>
+          </a:xfrm>
+          <a:prstGeom prst="line">
+            <a:avLst/>
+          </a:prstGeom>
+          <a:ln w="38100"/>
+        </p:spPr>
+        <p:style>
+          <a:lnRef idx="1">
+            <a:schemeClr val="accent1"/>
+          </a:lnRef>
+          <a:fillRef idx="0">
+            <a:schemeClr val="accent1"/>
+          </a:fillRef>
+          <a:effectRef idx="0">
+            <a:schemeClr val="accent1"/>
+          </a:effectRef>
+          <a:fontRef idx="minor">
+            <a:schemeClr val="tx1"/>
+          </a:fontRef>
+        </p:style>
+      </p:cxnSp>
+      <p:sp>
+        <p:nvSpPr>
+          <p:cNvPr id="31" name="Oval 30">
+            <a:extLst>
+              <a:ext uri="{FF2B5EF4-FFF2-40B4-BE49-F238E27FC236}">
+                <a16:creationId xmlns:a16="http://schemas.microsoft.com/office/drawing/2014/main" id="{BB503620-8A55-8052-395E-F84C2339DB2A}"/>
+              </a:ext>
+            </a:extLst>
+          </p:cNvPr>
+          <p:cNvSpPr/>
+          <p:nvPr/>
+        </p:nvSpPr>
+        <p:spPr>
+          <a:xfrm>
+            <a:off x="4747610" y="3696279"/>
+            <a:ext cx="45719" cy="45719"/>
+          </a:xfrm>
+          <a:prstGeom prst="ellipse">
+            <a:avLst/>
+          </a:prstGeom>
+          <a:solidFill>
+            <a:srgbClr val="FDF3ED"/>
+          </a:solidFill>
+          <a:ln>
+            <a:solidFill>
+              <a:schemeClr val="tx1"/>
+            </a:solidFill>
+          </a:ln>
+        </p:spPr>
+        <p:style>
+          <a:lnRef idx="2">
+            <a:schemeClr val="accent1">
+              <a:shade val="15000"/>
+            </a:schemeClr>
+          </a:lnRef>
+          <a:fillRef idx="1">
+            <a:schemeClr val="accent1"/>
+          </a:fillRef>
+          <a:effectRef idx="0">
+            <a:schemeClr val="accent1"/>
+          </a:effectRef>
+          <a:fontRef idx="minor">
+            <a:schemeClr val="lt1"/>
+          </a:fontRef>
+        </p:style>
+        <p:txBody>
+          <a:bodyPr rtlCol="0" anchor="ctr"/>
+          <a:lstStyle/>
+          <a:p>
+            <a:pPr algn="ctr"/>
+            <a:endParaRPr lang="en-US"/>
+          </a:p>
+        </p:txBody>
+      </p:sp>
+      <p:cxnSp>
+        <p:nvCxnSpPr>
+          <p:cNvPr id="55" name="Straight Connector 54">
+            <a:extLst>
+              <a:ext uri="{FF2B5EF4-FFF2-40B4-BE49-F238E27FC236}">
+                <a16:creationId xmlns:a16="http://schemas.microsoft.com/office/drawing/2014/main" id="{B6CDF09D-2814-95CA-5945-4592C0252A40}"/>
+              </a:ext>
+            </a:extLst>
+          </p:cNvPr>
+          <p:cNvCxnSpPr>
+            <a:cxnSpLocks/>
+            <a:stCxn id="31" idx="6"/>
+          </p:cNvCxnSpPr>
+          <p:nvPr/>
+        </p:nvCxnSpPr>
+        <p:spPr>
+          <a:xfrm flipV="1">
+            <a:off x="4793329" y="3646220"/>
+            <a:ext cx="270289" cy="72919"/>
+          </a:xfrm>
+          <a:prstGeom prst="line">
+            <a:avLst/>
+          </a:prstGeom>
+          <a:ln w="38100"/>
+        </p:spPr>
+        <p:style>
+          <a:lnRef idx="1">
+            <a:schemeClr val="accent1"/>
+          </a:lnRef>
+          <a:fillRef idx="0">
+            <a:schemeClr val="accent1"/>
+          </a:fillRef>
+          <a:effectRef idx="0">
+            <a:schemeClr val="accent1"/>
+          </a:effectRef>
+          <a:fontRef idx="minor">
+            <a:schemeClr val="tx1"/>
+          </a:fontRef>
+        </p:style>
+      </p:cxnSp>
+      <p:cxnSp>
+        <p:nvCxnSpPr>
+          <p:cNvPr id="59" name="Straight Connector 58">
+            <a:extLst>
+              <a:ext uri="{FF2B5EF4-FFF2-40B4-BE49-F238E27FC236}">
+                <a16:creationId xmlns:a16="http://schemas.microsoft.com/office/drawing/2014/main" id="{AC679FD5-91D5-E8EB-70E3-AFC8E1EC9E74}"/>
+              </a:ext>
+            </a:extLst>
+          </p:cNvPr>
+          <p:cNvCxnSpPr>
+            <a:cxnSpLocks/>
+            <a:stCxn id="31" idx="5"/>
+          </p:cNvCxnSpPr>
+          <p:nvPr/>
+        </p:nvCxnSpPr>
+        <p:spPr>
+          <a:xfrm>
+            <a:off x="4786634" y="3735303"/>
+            <a:ext cx="287446" cy="307758"/>
+          </a:xfrm>
+          <a:prstGeom prst="line">
+            <a:avLst/>
+          </a:prstGeom>
+          <a:ln w="38100"/>
+        </p:spPr>
+        <p:style>
+          <a:lnRef idx="1">
+            <a:schemeClr val="accent1"/>
+          </a:lnRef>
+          <a:fillRef idx="0">
+            <a:schemeClr val="accent1"/>
+          </a:fillRef>
+          <a:effectRef idx="0">
+            <a:schemeClr val="accent1"/>
+          </a:effectRef>
+          <a:fontRef idx="minor">
+            <a:schemeClr val="tx1"/>
+          </a:fontRef>
+        </p:style>
+      </p:cxnSp>
+      <p:cxnSp>
+        <p:nvCxnSpPr>
+          <p:cNvPr id="63" name="Straight Connector 62">
+            <a:extLst>
+              <a:ext uri="{FF2B5EF4-FFF2-40B4-BE49-F238E27FC236}">
+                <a16:creationId xmlns:a16="http://schemas.microsoft.com/office/drawing/2014/main" id="{1D24CA1C-4D33-6FDF-2062-773205C12927}"/>
+              </a:ext>
+            </a:extLst>
+          </p:cNvPr>
+          <p:cNvCxnSpPr>
+            <a:cxnSpLocks/>
+            <a:endCxn id="31" idx="3"/>
+          </p:cNvCxnSpPr>
+          <p:nvPr/>
+        </p:nvCxnSpPr>
+        <p:spPr>
+          <a:xfrm flipV="1">
+            <a:off x="4280669" y="3735303"/>
+            <a:ext cx="473636" cy="573972"/>
+          </a:xfrm>
+          <a:prstGeom prst="line">
+            <a:avLst/>
+          </a:prstGeom>
+          <a:ln w="38100"/>
+        </p:spPr>
+        <p:style>
+          <a:lnRef idx="1">
+            <a:schemeClr val="accent1"/>
+          </a:lnRef>
+          <a:fillRef idx="0">
+            <a:schemeClr val="accent1"/>
+          </a:fillRef>
+          <a:effectRef idx="0">
+            <a:schemeClr val="accent1"/>
+          </a:effectRef>
+          <a:fontRef idx="minor">
+            <a:schemeClr val="tx1"/>
+          </a:fontRef>
+        </p:style>
+      </p:cxnSp>
+      <p:grpSp>
+        <p:nvGrpSpPr>
+          <p:cNvPr id="91" name="Group 90">
+            <a:extLst>
+              <a:ext uri="{FF2B5EF4-FFF2-40B4-BE49-F238E27FC236}">
+                <a16:creationId xmlns:a16="http://schemas.microsoft.com/office/drawing/2014/main" id="{F21CB8E3-AF50-63DC-CF68-CF454C0D0232}"/>
+              </a:ext>
+            </a:extLst>
+          </p:cNvPr>
+          <p:cNvGrpSpPr/>
+          <p:nvPr/>
+        </p:nvGrpSpPr>
+        <p:grpSpPr>
+          <a:xfrm>
+            <a:off x="4051779" y="1221495"/>
+            <a:ext cx="600731" cy="1145862"/>
+            <a:chOff x="496154" y="775446"/>
+            <a:chExt cx="600731" cy="1145862"/>
+          </a:xfrm>
+        </p:grpSpPr>
+        <p:sp>
+          <p:nvSpPr>
+            <p:cNvPr id="90" name="Rectangle 89">
+              <a:extLst>
+                <a:ext uri="{FF2B5EF4-FFF2-40B4-BE49-F238E27FC236}">
+                  <a16:creationId xmlns:a16="http://schemas.microsoft.com/office/drawing/2014/main" id="{A2DDD61C-BEC6-84F9-E328-6B2B76C5BE6C}"/>
+                </a:ext>
+              </a:extLst>
+            </p:cNvPr>
+            <p:cNvSpPr/>
+            <p:nvPr/>
+          </p:nvSpPr>
+          <p:spPr>
+            <a:xfrm>
+              <a:off x="531141" y="809927"/>
+              <a:ext cx="565744" cy="132127"/>
+            </a:xfrm>
+            <a:prstGeom prst="rect">
+              <a:avLst/>
+            </a:prstGeom>
+            <a:solidFill>
+              <a:srgbClr val="FDF3ED"/>
+            </a:solidFill>
+            <a:ln w="6350">
+              <a:solidFill>
+                <a:schemeClr val="tx1"/>
+              </a:solidFill>
+            </a:ln>
+          </p:spPr>
+          <p:style>
+            <a:lnRef idx="2">
+              <a:schemeClr val="accent1">
+                <a:shade val="15000"/>
+              </a:schemeClr>
+            </a:lnRef>
+            <a:fillRef idx="1">
+              <a:schemeClr val="accent1"/>
+            </a:fillRef>
+            <a:effectRef idx="0">
+              <a:schemeClr val="accent1"/>
+            </a:effectRef>
+            <a:fontRef idx="minor">
+              <a:schemeClr val="lt1"/>
+            </a:fontRef>
+          </p:style>
+          <p:txBody>
+            <a:bodyPr rtlCol="0" anchor="ctr"/>
+            <a:lstStyle/>
+            <a:p>
+              <a:pPr algn="ctr"/>
+              <a:endParaRPr lang="en-US"/>
+            </a:p>
+          </p:txBody>
+        </p:sp>
+        <p:sp>
+          <p:nvSpPr>
+            <p:cNvPr id="89" name="Rectangle 88">
+              <a:extLst>
+                <a:ext uri="{FF2B5EF4-FFF2-40B4-BE49-F238E27FC236}">
+                  <a16:creationId xmlns:a16="http://schemas.microsoft.com/office/drawing/2014/main" id="{FDE6AEDB-916D-254B-7862-229AE1C5476A}"/>
+                </a:ext>
+              </a:extLst>
+            </p:cNvPr>
+            <p:cNvSpPr/>
+            <p:nvPr/>
+          </p:nvSpPr>
+          <p:spPr>
+            <a:xfrm>
+              <a:off x="531141" y="947293"/>
+              <a:ext cx="565744" cy="947292"/>
+            </a:xfrm>
+            <a:prstGeom prst="rect">
+              <a:avLst/>
+            </a:prstGeom>
+            <a:solidFill>
+              <a:srgbClr val="FDF3ED"/>
+            </a:solidFill>
+            <a:ln w="6350">
+              <a:solidFill>
+                <a:schemeClr val="tx1"/>
+              </a:solidFill>
+            </a:ln>
+          </p:spPr>
+          <p:style>
+            <a:lnRef idx="2">
+              <a:schemeClr val="accent1">
+                <a:shade val="15000"/>
+              </a:schemeClr>
+            </a:lnRef>
+            <a:fillRef idx="1">
+              <a:schemeClr val="accent1"/>
+            </a:fillRef>
+            <a:effectRef idx="0">
+              <a:schemeClr val="accent1"/>
+            </a:effectRef>
+            <a:fontRef idx="minor">
+              <a:schemeClr val="lt1"/>
+            </a:fontRef>
+          </p:style>
+          <p:txBody>
+            <a:bodyPr rtlCol="0" anchor="ctr"/>
+            <a:lstStyle/>
+            <a:p>
+              <a:pPr algn="ctr"/>
+              <a:endParaRPr lang="en-US"/>
+            </a:p>
+          </p:txBody>
+        </p:sp>
+        <p:sp>
+          <p:nvSpPr>
+            <p:cNvPr id="83" name="TextBox 82">
+              <a:extLst>
+                <a:ext uri="{FF2B5EF4-FFF2-40B4-BE49-F238E27FC236}">
+                  <a16:creationId xmlns:a16="http://schemas.microsoft.com/office/drawing/2014/main" id="{3AD13F1D-1E27-ECCF-2278-7F0EA5E6E2A1}"/>
+                </a:ext>
+              </a:extLst>
+            </p:cNvPr>
+            <p:cNvSpPr txBox="1"/>
+            <p:nvPr/>
+          </p:nvSpPr>
+          <p:spPr>
+            <a:xfrm rot="16200000">
+              <a:off x="415523" y="1328215"/>
+              <a:ext cx="330540" cy="169277"/>
+            </a:xfrm>
+            <a:prstGeom prst="rect">
+              <a:avLst/>
+            </a:prstGeom>
+            <a:noFill/>
+          </p:spPr>
+          <p:txBody>
+            <a:bodyPr wrap="none" rtlCol="0">
+              <a:spAutoFit/>
+            </a:bodyPr>
+            <a:lstStyle/>
+            <a:p>
+              <a:r>
+                <a:rPr lang="en-US" sz="500" b="1" dirty="0"/>
+                <a:t>GENE</a:t>
+              </a:r>
+            </a:p>
+          </p:txBody>
+        </p:sp>
+        <p:sp>
+          <p:nvSpPr>
+            <p:cNvPr id="84" name="TextBox 83">
+              <a:extLst>
+                <a:ext uri="{FF2B5EF4-FFF2-40B4-BE49-F238E27FC236}">
+                  <a16:creationId xmlns:a16="http://schemas.microsoft.com/office/drawing/2014/main" id="{883E0893-E035-741E-A1A1-62C309429DE6}"/>
+                </a:ext>
+              </a:extLst>
+            </p:cNvPr>
+            <p:cNvSpPr txBox="1"/>
+            <p:nvPr/>
+          </p:nvSpPr>
+          <p:spPr>
+            <a:xfrm>
+              <a:off x="646870" y="921241"/>
+              <a:ext cx="377026" cy="169277"/>
+            </a:xfrm>
+            <a:prstGeom prst="rect">
+              <a:avLst/>
+            </a:prstGeom>
+            <a:noFill/>
+          </p:spPr>
+          <p:txBody>
+            <a:bodyPr wrap="none" rtlCol="0">
+              <a:spAutoFit/>
+            </a:bodyPr>
+            <a:lstStyle/>
+            <a:p>
+              <a:r>
+                <a:rPr lang="en-US" sz="500" b="1" dirty="0"/>
+                <a:t>COUNT</a:t>
+              </a:r>
+            </a:p>
+          </p:txBody>
+        </p:sp>
+        <p:sp>
+          <p:nvSpPr>
+            <p:cNvPr id="85" name="TextBox 84">
+              <a:extLst>
+                <a:ext uri="{FF2B5EF4-FFF2-40B4-BE49-F238E27FC236}">
+                  <a16:creationId xmlns:a16="http://schemas.microsoft.com/office/drawing/2014/main" id="{EFA421C5-58B5-7A02-CA16-D0DFF3A9449A}"/>
+                </a:ext>
+              </a:extLst>
+            </p:cNvPr>
+            <p:cNvSpPr txBox="1"/>
+            <p:nvPr/>
+          </p:nvSpPr>
+          <p:spPr>
+            <a:xfrm>
+              <a:off x="627634" y="775446"/>
+              <a:ext cx="415498" cy="215444"/>
+            </a:xfrm>
+            <a:prstGeom prst="rect">
+              <a:avLst/>
+            </a:prstGeom>
+            <a:noFill/>
+          </p:spPr>
+          <p:txBody>
+            <a:bodyPr wrap="none" rtlCol="0">
+              <a:spAutoFit/>
+            </a:bodyPr>
+            <a:lstStyle/>
+            <a:p>
+              <a:r>
+                <a:rPr lang="en-US" sz="800" b="1" dirty="0"/>
+                <a:t>Cell 1</a:t>
+              </a:r>
+            </a:p>
+          </p:txBody>
+        </p:sp>
+        <p:grpSp>
+          <p:nvGrpSpPr>
+            <p:cNvPr id="88" name="Group 87">
+              <a:extLst>
+                <a:ext uri="{FF2B5EF4-FFF2-40B4-BE49-F238E27FC236}">
+                  <a16:creationId xmlns:a16="http://schemas.microsoft.com/office/drawing/2014/main" id="{D84AA64B-1636-7529-A8A9-4262F0EFE867}"/>
+                </a:ext>
+              </a:extLst>
+            </p:cNvPr>
+            <p:cNvGrpSpPr/>
+            <p:nvPr/>
+          </p:nvGrpSpPr>
+          <p:grpSpPr>
+            <a:xfrm>
+              <a:off x="538834" y="1066827"/>
+              <a:ext cx="544655" cy="854481"/>
+              <a:chOff x="538834" y="1066827"/>
+              <a:chExt cx="544655" cy="854481"/>
+            </a:xfrm>
+          </p:grpSpPr>
+          <p:cxnSp>
+            <p:nvCxnSpPr>
+              <p:cNvPr id="68" name="Straight Connector 67">
+                <a:extLst>
+                  <a:ext uri="{FF2B5EF4-FFF2-40B4-BE49-F238E27FC236}">
+                    <a16:creationId xmlns:a16="http://schemas.microsoft.com/office/drawing/2014/main" id="{E86578BA-BD51-BFF2-A264-36ED544643AD}"/>
+                  </a:ext>
+                </a:extLst>
+              </p:cNvPr>
+              <p:cNvCxnSpPr>
+                <a:cxnSpLocks/>
+              </p:cNvCxnSpPr>
+              <p:nvPr/>
+            </p:nvCxnSpPr>
+            <p:spPr>
+              <a:xfrm>
+                <a:off x="626289" y="1066827"/>
+                <a:ext cx="9144" cy="0"/>
+              </a:xfrm>
+              <a:prstGeom prst="line">
+                <a:avLst/>
+              </a:prstGeom>
+              <a:ln w="38100"/>
+            </p:spPr>
+            <p:style>
+              <a:lnRef idx="1">
+                <a:schemeClr val="accent1"/>
+              </a:lnRef>
+              <a:fillRef idx="0">
+                <a:schemeClr val="accent1"/>
+              </a:fillRef>
+              <a:effectRef idx="0">
+                <a:schemeClr val="accent1"/>
+              </a:effectRef>
+              <a:fontRef idx="minor">
+                <a:schemeClr val="tx1"/>
+              </a:fontRef>
+            </p:style>
+          </p:cxnSp>
+          <p:cxnSp>
+            <p:nvCxnSpPr>
+              <p:cNvPr id="70" name="Straight Connector 69">
+                <a:extLst>
+                  <a:ext uri="{FF2B5EF4-FFF2-40B4-BE49-F238E27FC236}">
+                    <a16:creationId xmlns:a16="http://schemas.microsoft.com/office/drawing/2014/main" id="{7E1CD85C-4196-F86B-9EA6-9E2CF65C775F}"/>
+                  </a:ext>
+                </a:extLst>
+              </p:cNvPr>
+              <p:cNvCxnSpPr>
+                <a:cxnSpLocks/>
+              </p:cNvCxnSpPr>
+              <p:nvPr/>
+            </p:nvCxnSpPr>
+            <p:spPr>
+              <a:xfrm>
+                <a:off x="626289" y="1121563"/>
+                <a:ext cx="411480" cy="0"/>
+              </a:xfrm>
+              <a:prstGeom prst="line">
+                <a:avLst/>
+              </a:prstGeom>
+              <a:ln w="38100"/>
+            </p:spPr>
+            <p:style>
+              <a:lnRef idx="1">
+                <a:schemeClr val="accent1"/>
+              </a:lnRef>
+              <a:fillRef idx="0">
+                <a:schemeClr val="accent1"/>
+              </a:fillRef>
+              <a:effectRef idx="0">
+                <a:schemeClr val="accent1"/>
+              </a:effectRef>
+              <a:fontRef idx="minor">
+                <a:schemeClr val="tx1"/>
+              </a:fontRef>
+            </p:style>
+          </p:cxnSp>
+          <p:cxnSp>
+            <p:nvCxnSpPr>
+              <p:cNvPr id="71" name="Straight Connector 70">
+                <a:extLst>
+                  <a:ext uri="{FF2B5EF4-FFF2-40B4-BE49-F238E27FC236}">
+                    <a16:creationId xmlns:a16="http://schemas.microsoft.com/office/drawing/2014/main" id="{9AB8D3A4-6253-C402-5751-9AF5242DA855}"/>
+                  </a:ext>
+                </a:extLst>
+              </p:cNvPr>
+              <p:cNvCxnSpPr>
+                <a:cxnSpLocks/>
+              </p:cNvCxnSpPr>
+              <p:nvPr/>
+            </p:nvCxnSpPr>
+            <p:spPr>
+              <a:xfrm>
+                <a:off x="626289" y="1176299"/>
+                <a:ext cx="457200" cy="0"/>
+              </a:xfrm>
+              <a:prstGeom prst="line">
+                <a:avLst/>
+              </a:prstGeom>
+              <a:ln w="38100"/>
+            </p:spPr>
+            <p:style>
+              <a:lnRef idx="1">
+                <a:schemeClr val="accent1"/>
+              </a:lnRef>
+              <a:fillRef idx="0">
+                <a:schemeClr val="accent1"/>
+              </a:fillRef>
+              <a:effectRef idx="0">
+                <a:schemeClr val="accent1"/>
+              </a:effectRef>
+              <a:fontRef idx="minor">
+                <a:schemeClr val="tx1"/>
+              </a:fontRef>
+            </p:style>
+          </p:cxnSp>
+          <p:cxnSp>
+            <p:nvCxnSpPr>
+              <p:cNvPr id="72" name="Straight Connector 71">
+                <a:extLst>
+                  <a:ext uri="{FF2B5EF4-FFF2-40B4-BE49-F238E27FC236}">
+                    <a16:creationId xmlns:a16="http://schemas.microsoft.com/office/drawing/2014/main" id="{180A1D6C-ACFF-13D9-42A9-E8918421CAB6}"/>
+                  </a:ext>
+                </a:extLst>
+              </p:cNvPr>
+              <p:cNvCxnSpPr>
+                <a:cxnSpLocks/>
+              </p:cNvCxnSpPr>
+              <p:nvPr/>
+            </p:nvCxnSpPr>
+            <p:spPr>
+              <a:xfrm>
+                <a:off x="626289" y="1231035"/>
+                <a:ext cx="91440" cy="0"/>
+              </a:xfrm>
+              <a:prstGeom prst="line">
+                <a:avLst/>
+              </a:prstGeom>
+              <a:ln w="38100"/>
+            </p:spPr>
+            <p:style>
+              <a:lnRef idx="1">
+                <a:schemeClr val="accent1"/>
+              </a:lnRef>
+              <a:fillRef idx="0">
+                <a:schemeClr val="accent1"/>
+              </a:fillRef>
+              <a:effectRef idx="0">
+                <a:schemeClr val="accent1"/>
+              </a:effectRef>
+              <a:fontRef idx="minor">
+                <a:schemeClr val="tx1"/>
+              </a:fontRef>
+            </p:style>
+          </p:cxnSp>
+          <p:cxnSp>
+            <p:nvCxnSpPr>
+              <p:cNvPr id="73" name="Straight Connector 72">
+                <a:extLst>
+                  <a:ext uri="{FF2B5EF4-FFF2-40B4-BE49-F238E27FC236}">
+                    <a16:creationId xmlns:a16="http://schemas.microsoft.com/office/drawing/2014/main" id="{8EABDF6F-0649-8DE0-2996-A00F328D8BB8}"/>
+                  </a:ext>
+                </a:extLst>
+              </p:cNvPr>
+              <p:cNvCxnSpPr>
+                <a:cxnSpLocks/>
+              </p:cNvCxnSpPr>
+              <p:nvPr/>
+            </p:nvCxnSpPr>
+            <p:spPr>
+              <a:xfrm>
+                <a:off x="626289" y="1285771"/>
+                <a:ext cx="9144" cy="0"/>
+              </a:xfrm>
+              <a:prstGeom prst="line">
+                <a:avLst/>
+              </a:prstGeom>
+              <a:ln w="38100"/>
+            </p:spPr>
+            <p:style>
+              <a:lnRef idx="1">
+                <a:schemeClr val="accent1"/>
+              </a:lnRef>
+              <a:fillRef idx="0">
+                <a:schemeClr val="accent1"/>
+              </a:fillRef>
+              <a:effectRef idx="0">
+                <a:schemeClr val="accent1"/>
+              </a:effectRef>
+              <a:fontRef idx="minor">
+                <a:schemeClr val="tx1"/>
+              </a:fontRef>
+            </p:style>
+          </p:cxnSp>
+          <p:cxnSp>
+            <p:nvCxnSpPr>
+              <p:cNvPr id="74" name="Straight Connector 73">
+                <a:extLst>
+                  <a:ext uri="{FF2B5EF4-FFF2-40B4-BE49-F238E27FC236}">
+                    <a16:creationId xmlns:a16="http://schemas.microsoft.com/office/drawing/2014/main" id="{8711892E-77D5-389B-CD54-987FCAC98038}"/>
+                  </a:ext>
+                </a:extLst>
+              </p:cNvPr>
+              <p:cNvCxnSpPr>
+                <a:cxnSpLocks/>
+              </p:cNvCxnSpPr>
+              <p:nvPr/>
+            </p:nvCxnSpPr>
+            <p:spPr>
+              <a:xfrm>
+                <a:off x="626289" y="1340507"/>
+                <a:ext cx="9144" cy="0"/>
+              </a:xfrm>
+              <a:prstGeom prst="line">
+                <a:avLst/>
+              </a:prstGeom>
+              <a:ln w="38100"/>
+            </p:spPr>
+            <p:style>
+              <a:lnRef idx="1">
+                <a:schemeClr val="accent1"/>
+              </a:lnRef>
+              <a:fillRef idx="0">
+                <a:schemeClr val="accent1"/>
+              </a:fillRef>
+              <a:effectRef idx="0">
+                <a:schemeClr val="accent1"/>
+              </a:effectRef>
+              <a:fontRef idx="minor">
+                <a:schemeClr val="tx1"/>
+              </a:fontRef>
+            </p:style>
+          </p:cxnSp>
+          <p:cxnSp>
+            <p:nvCxnSpPr>
+              <p:cNvPr id="75" name="Straight Connector 74">
+                <a:extLst>
+                  <a:ext uri="{FF2B5EF4-FFF2-40B4-BE49-F238E27FC236}">
+                    <a16:creationId xmlns:a16="http://schemas.microsoft.com/office/drawing/2014/main" id="{71CC2A86-7DFA-BB93-CCC9-121885A356E3}"/>
+                  </a:ext>
+                </a:extLst>
+              </p:cNvPr>
+              <p:cNvCxnSpPr>
+                <a:cxnSpLocks/>
+              </p:cNvCxnSpPr>
+              <p:nvPr/>
+            </p:nvCxnSpPr>
+            <p:spPr>
+              <a:xfrm>
+                <a:off x="626289" y="1449979"/>
+                <a:ext cx="9144" cy="0"/>
+              </a:xfrm>
+              <a:prstGeom prst="line">
+                <a:avLst/>
+              </a:prstGeom>
+              <a:ln w="38100"/>
+            </p:spPr>
+            <p:style>
+              <a:lnRef idx="1">
+                <a:schemeClr val="accent1"/>
+              </a:lnRef>
+              <a:fillRef idx="0">
+                <a:schemeClr val="accent1"/>
+              </a:fillRef>
+              <a:effectRef idx="0">
+                <a:schemeClr val="accent1"/>
+              </a:effectRef>
+              <a:fontRef idx="minor">
+                <a:schemeClr val="tx1"/>
+              </a:fontRef>
+            </p:style>
+          </p:cxnSp>
+          <p:cxnSp>
+            <p:nvCxnSpPr>
+              <p:cNvPr id="76" name="Straight Connector 75">
+                <a:extLst>
+                  <a:ext uri="{FF2B5EF4-FFF2-40B4-BE49-F238E27FC236}">
+                    <a16:creationId xmlns:a16="http://schemas.microsoft.com/office/drawing/2014/main" id="{2DBC98C2-30E0-962F-1CF3-315349A50749}"/>
+                  </a:ext>
+                </a:extLst>
+              </p:cNvPr>
+              <p:cNvCxnSpPr>
+                <a:cxnSpLocks/>
+              </p:cNvCxnSpPr>
+              <p:nvPr/>
+            </p:nvCxnSpPr>
+            <p:spPr>
+              <a:xfrm>
+                <a:off x="626289" y="1559451"/>
+                <a:ext cx="228600" cy="0"/>
+              </a:xfrm>
+              <a:prstGeom prst="line">
+                <a:avLst/>
+              </a:prstGeom>
+              <a:ln w="38100"/>
+            </p:spPr>
+            <p:style>
+              <a:lnRef idx="1">
+                <a:schemeClr val="accent1"/>
+              </a:lnRef>
+              <a:fillRef idx="0">
+                <a:schemeClr val="accent1"/>
+              </a:fillRef>
+              <a:effectRef idx="0">
+                <a:schemeClr val="accent1"/>
+              </a:effectRef>
+              <a:fontRef idx="minor">
+                <a:schemeClr val="tx1"/>
+              </a:fontRef>
+            </p:style>
+          </p:cxnSp>
+          <p:cxnSp>
+            <p:nvCxnSpPr>
+              <p:cNvPr id="77" name="Straight Connector 76">
+                <a:extLst>
+                  <a:ext uri="{FF2B5EF4-FFF2-40B4-BE49-F238E27FC236}">
+                    <a16:creationId xmlns:a16="http://schemas.microsoft.com/office/drawing/2014/main" id="{571D0720-4197-69FC-1585-3ED37655B9DC}"/>
+                  </a:ext>
+                </a:extLst>
+              </p:cNvPr>
+              <p:cNvCxnSpPr>
+                <a:cxnSpLocks/>
+              </p:cNvCxnSpPr>
+              <p:nvPr/>
+            </p:nvCxnSpPr>
+            <p:spPr>
+              <a:xfrm>
+                <a:off x="626289" y="1395243"/>
+                <a:ext cx="457200" cy="0"/>
+              </a:xfrm>
+              <a:prstGeom prst="line">
+                <a:avLst/>
+              </a:prstGeom>
+              <a:ln w="38100"/>
+            </p:spPr>
+            <p:style>
+              <a:lnRef idx="1">
+                <a:schemeClr val="accent1"/>
+              </a:lnRef>
+              <a:fillRef idx="0">
+                <a:schemeClr val="accent1"/>
+              </a:fillRef>
+              <a:effectRef idx="0">
+                <a:schemeClr val="accent1"/>
+              </a:effectRef>
+              <a:fontRef idx="minor">
+                <a:schemeClr val="tx1"/>
+              </a:fontRef>
+            </p:style>
+          </p:cxnSp>
+          <p:cxnSp>
+            <p:nvCxnSpPr>
+              <p:cNvPr id="78" name="Straight Connector 77">
+                <a:extLst>
+                  <a:ext uri="{FF2B5EF4-FFF2-40B4-BE49-F238E27FC236}">
+                    <a16:creationId xmlns:a16="http://schemas.microsoft.com/office/drawing/2014/main" id="{C93CE555-4160-B0D8-7A00-87A9E6058B6C}"/>
+                  </a:ext>
+                </a:extLst>
+              </p:cNvPr>
+              <p:cNvCxnSpPr>
+                <a:cxnSpLocks/>
+              </p:cNvCxnSpPr>
+              <p:nvPr/>
+            </p:nvCxnSpPr>
+            <p:spPr>
+              <a:xfrm>
+                <a:off x="626289" y="1504715"/>
+                <a:ext cx="411480" cy="0"/>
+              </a:xfrm>
+              <a:prstGeom prst="line">
+                <a:avLst/>
+              </a:prstGeom>
+              <a:ln w="38100"/>
+            </p:spPr>
+            <p:style>
+              <a:lnRef idx="1">
+                <a:schemeClr val="accent1"/>
+              </a:lnRef>
+              <a:fillRef idx="0">
+                <a:schemeClr val="accent1"/>
+              </a:fillRef>
+              <a:effectRef idx="0">
+                <a:schemeClr val="accent1"/>
+              </a:effectRef>
+              <a:fontRef idx="minor">
+                <a:schemeClr val="tx1"/>
+              </a:fontRef>
+            </p:style>
+          </p:cxnSp>
+          <p:cxnSp>
+            <p:nvCxnSpPr>
+              <p:cNvPr id="79" name="Straight Connector 78">
+                <a:extLst>
+                  <a:ext uri="{FF2B5EF4-FFF2-40B4-BE49-F238E27FC236}">
+                    <a16:creationId xmlns:a16="http://schemas.microsoft.com/office/drawing/2014/main" id="{04988772-76CF-FF79-EAA1-585587E6E19E}"/>
+                  </a:ext>
+                </a:extLst>
+              </p:cNvPr>
+              <p:cNvCxnSpPr>
+                <a:cxnSpLocks/>
+              </p:cNvCxnSpPr>
+              <p:nvPr/>
+            </p:nvCxnSpPr>
+            <p:spPr>
+              <a:xfrm>
+                <a:off x="626289" y="1614187"/>
+                <a:ext cx="91440" cy="0"/>
+              </a:xfrm>
+              <a:prstGeom prst="line">
+                <a:avLst/>
+              </a:prstGeom>
+              <a:ln w="38100"/>
+            </p:spPr>
+            <p:style>
+              <a:lnRef idx="1">
+                <a:schemeClr val="accent1"/>
+              </a:lnRef>
+              <a:fillRef idx="0">
+                <a:schemeClr val="accent1"/>
+              </a:fillRef>
+              <a:effectRef idx="0">
+                <a:schemeClr val="accent1"/>
+              </a:effectRef>
+              <a:fontRef idx="minor">
+                <a:schemeClr val="tx1"/>
+              </a:fontRef>
+            </p:style>
+          </p:cxnSp>
+          <p:cxnSp>
+            <p:nvCxnSpPr>
+              <p:cNvPr id="80" name="Straight Connector 79">
+                <a:extLst>
+                  <a:ext uri="{FF2B5EF4-FFF2-40B4-BE49-F238E27FC236}">
+                    <a16:creationId xmlns:a16="http://schemas.microsoft.com/office/drawing/2014/main" id="{EB022FCE-F8F3-478A-053D-6419FE39F986}"/>
+                  </a:ext>
+                </a:extLst>
+              </p:cNvPr>
+              <p:cNvCxnSpPr>
+                <a:cxnSpLocks/>
+              </p:cNvCxnSpPr>
+              <p:nvPr/>
+            </p:nvCxnSpPr>
+            <p:spPr>
+              <a:xfrm>
+                <a:off x="626289" y="1668923"/>
+                <a:ext cx="9144" cy="0"/>
+              </a:xfrm>
+              <a:prstGeom prst="line">
+                <a:avLst/>
+              </a:prstGeom>
+              <a:ln w="38100"/>
+            </p:spPr>
+            <p:style>
+              <a:lnRef idx="1">
+                <a:schemeClr val="accent1"/>
+              </a:lnRef>
+              <a:fillRef idx="0">
+                <a:schemeClr val="accent1"/>
+              </a:fillRef>
+              <a:effectRef idx="0">
+                <a:schemeClr val="accent1"/>
+              </a:effectRef>
+              <a:fontRef idx="minor">
+                <a:schemeClr val="tx1"/>
+              </a:fontRef>
+            </p:style>
+          </p:cxnSp>
+          <p:cxnSp>
+            <p:nvCxnSpPr>
+              <p:cNvPr id="81" name="Straight Connector 80">
+                <a:extLst>
+                  <a:ext uri="{FF2B5EF4-FFF2-40B4-BE49-F238E27FC236}">
+                    <a16:creationId xmlns:a16="http://schemas.microsoft.com/office/drawing/2014/main" id="{FAF37C8E-8EB6-F670-8548-11F23F46AFCB}"/>
+                  </a:ext>
+                </a:extLst>
+              </p:cNvPr>
+              <p:cNvCxnSpPr>
+                <a:cxnSpLocks/>
+              </p:cNvCxnSpPr>
+              <p:nvPr/>
+            </p:nvCxnSpPr>
+            <p:spPr>
+              <a:xfrm>
+                <a:off x="626289" y="1723659"/>
+                <a:ext cx="9144" cy="0"/>
+              </a:xfrm>
+              <a:prstGeom prst="line">
+                <a:avLst/>
+              </a:prstGeom>
+              <a:ln w="38100"/>
+            </p:spPr>
+            <p:style>
+              <a:lnRef idx="1">
+                <a:schemeClr val="accent1"/>
+              </a:lnRef>
+              <a:fillRef idx="0">
+                <a:schemeClr val="accent1"/>
+              </a:fillRef>
+              <a:effectRef idx="0">
+                <a:schemeClr val="accent1"/>
+              </a:effectRef>
+              <a:fontRef idx="minor">
+                <a:schemeClr val="tx1"/>
+              </a:fontRef>
+            </p:style>
+          </p:cxnSp>
+          <p:cxnSp>
+            <p:nvCxnSpPr>
+              <p:cNvPr id="82" name="Straight Connector 81">
+                <a:extLst>
+                  <a:ext uri="{FF2B5EF4-FFF2-40B4-BE49-F238E27FC236}">
+                    <a16:creationId xmlns:a16="http://schemas.microsoft.com/office/drawing/2014/main" id="{4844AA84-7031-EE8A-98DA-8949E93B79D7}"/>
+                  </a:ext>
+                </a:extLst>
+              </p:cNvPr>
+              <p:cNvCxnSpPr>
+                <a:cxnSpLocks/>
+              </p:cNvCxnSpPr>
+              <p:nvPr/>
+            </p:nvCxnSpPr>
+            <p:spPr>
+              <a:xfrm>
+                <a:off x="626289" y="1778396"/>
+                <a:ext cx="301752" cy="0"/>
+              </a:xfrm>
+              <a:prstGeom prst="line">
+                <a:avLst/>
+              </a:prstGeom>
+              <a:ln w="38100"/>
+            </p:spPr>
+            <p:style>
+              <a:lnRef idx="1">
+                <a:schemeClr val="accent1"/>
+              </a:lnRef>
+              <a:fillRef idx="0">
+                <a:schemeClr val="accent1"/>
+              </a:fillRef>
+              <a:effectRef idx="0">
+                <a:schemeClr val="accent1"/>
+              </a:effectRef>
+              <a:fontRef idx="minor">
+                <a:schemeClr val="tx1"/>
+              </a:fontRef>
+            </p:style>
+          </p:cxnSp>
+          <p:sp>
+            <p:nvSpPr>
+              <p:cNvPr id="87" name="TextBox 86">
+                <a:extLst>
+                  <a:ext uri="{FF2B5EF4-FFF2-40B4-BE49-F238E27FC236}">
+                    <a16:creationId xmlns:a16="http://schemas.microsoft.com/office/drawing/2014/main" id="{FFF78A47-1A7F-08D9-22F5-67AFE2AC9C18}"/>
+                  </a:ext>
+                </a:extLst>
+              </p:cNvPr>
+              <p:cNvSpPr txBox="1"/>
+              <p:nvPr/>
+            </p:nvSpPr>
+            <p:spPr>
+              <a:xfrm>
+                <a:off x="538834" y="1736642"/>
+                <a:ext cx="247184" cy="184666"/>
+              </a:xfrm>
+              <a:prstGeom prst="rect">
+                <a:avLst/>
+              </a:prstGeom>
+              <a:noFill/>
+            </p:spPr>
+            <p:txBody>
+              <a:bodyPr wrap="none" rtlCol="0">
+                <a:spAutoFit/>
+              </a:bodyPr>
+              <a:lstStyle/>
+              <a:p>
+                <a:r>
+                  <a:rPr lang="en-US" sz="600" b="1" dirty="0">
+                    <a:solidFill>
+                      <a:srgbClr val="4472C4"/>
+                    </a:solidFill>
+                  </a:rPr>
+                  <a:t>…</a:t>
+                </a:r>
+              </a:p>
+            </p:txBody>
+          </p:sp>
+        </p:grpSp>
+      </p:grpSp>
+    </p:spTree>
+    <p:extLst>
+      <p:ext uri="{BB962C8B-B14F-4D97-AF65-F5344CB8AC3E}">
+        <p14:creationId xmlns:p14="http://schemas.microsoft.com/office/powerpoint/2010/main" val="1879124640"/>
+      </p:ext>
+    </p:extLst>
+  </p:cSld>
+  <p:clrMapOvr>
+    <a:masterClrMapping/>
+  </p:clrMapOvr>
+</p:sld>
+</file>
+
+<file path=ppt/slides/slide6.xml><?xml version="1.0" encoding="utf-8"?>
+<p:sld xmlns:a="http://schemas.openxmlformats.org/drawingml/2006/main" xmlns:r="http://schemas.openxmlformats.org/officeDocument/2006/relationships" xmlns:p="http://schemas.openxmlformats.org/presentationml/2006/main">
+  <p:cSld>
+    <p:spTree>
+      <p:nvGrpSpPr>
+        <p:cNvPr id="1" name=""/>
+        <p:cNvGrpSpPr/>
+        <p:nvPr/>
+      </p:nvGrpSpPr>
+      <p:grpSpPr>
+        <a:xfrm>
+          <a:off x="0" y="0"/>
+          <a:ext cx="0" cy="0"/>
+          <a:chOff x="0" y="0"/>
+          <a:chExt cx="0" cy="0"/>
+        </a:xfrm>
+      </p:grpSpPr>
+      <p:sp>
+        <p:nvSpPr>
+          <p:cNvPr id="2" name="Title 1">
+            <a:extLst>
+              <a:ext uri="{FF2B5EF4-FFF2-40B4-BE49-F238E27FC236}">
+                <a16:creationId xmlns:a16="http://schemas.microsoft.com/office/drawing/2014/main" id="{9CBEB24B-7DA1-A61A-7D9C-646BD9D602CA}"/>
+              </a:ext>
+            </a:extLst>
+          </p:cNvPr>
+          <p:cNvSpPr>
+            <a:spLocks noGrp="1"/>
+          </p:cNvSpPr>
+          <p:nvPr>
+            <p:ph type="title"/>
+          </p:nvPr>
+        </p:nvSpPr>
+        <p:spPr/>
+        <p:txBody>
+          <a:bodyPr/>
+          <a:lstStyle/>
+          <a:p>
+            <a:endParaRPr lang="en-US"/>
+          </a:p>
+        </p:txBody>
+      </p:sp>
+    </p:spTree>
+    <p:extLst>
+      <p:ext uri="{BB962C8B-B14F-4D97-AF65-F5344CB8AC3E}">
+        <p14:creationId xmlns:p14="http://schemas.microsoft.com/office/powerpoint/2010/main" val="3987568230"/>
+      </p:ext>
+    </p:extLst>
+  </p:cSld>
+  <p:clrMapOvr>
+    <a:masterClrMapping/>
+  </p:clrMapOvr>
+</p:sld>
+</file>
+
+<file path=ppt/slides/slide7.xml><?xml version="1.0" encoding="utf-8"?>
+<p:sld xmlns:a="http://schemas.openxmlformats.org/drawingml/2006/main" xmlns:r="http://schemas.openxmlformats.org/officeDocument/2006/relationships" xmlns:p="http://schemas.openxmlformats.org/presentationml/2006/main">
+  <p:cSld>
+    <p:spTree>
+      <p:nvGrpSpPr>
+        <p:cNvPr id="1" name=""/>
+        <p:cNvGrpSpPr/>
+        <p:nvPr/>
+      </p:nvGrpSpPr>
+      <p:grpSpPr>
+        <a:xfrm>
+          <a:off x="0" y="0"/>
+          <a:ext cx="0" cy="0"/>
+          <a:chOff x="0" y="0"/>
+          <a:chExt cx="0" cy="0"/>
+        </a:xfrm>
+      </p:grpSpPr>
+      <p:sp>
+        <p:nvSpPr>
+          <p:cNvPr id="2" name="Title 1">
+            <a:extLst>
+              <a:ext uri="{FF2B5EF4-FFF2-40B4-BE49-F238E27FC236}">
+                <a16:creationId xmlns:a16="http://schemas.microsoft.com/office/drawing/2014/main" id="{9CBEB24B-7DA1-A61A-7D9C-646BD9D602CA}"/>
+              </a:ext>
+            </a:extLst>
+          </p:cNvPr>
+          <p:cNvSpPr>
+            <a:spLocks noGrp="1"/>
+          </p:cNvSpPr>
+          <p:nvPr>
+            <p:ph type="title"/>
+          </p:nvPr>
+        </p:nvSpPr>
+        <p:spPr/>
+        <p:txBody>
+          <a:bodyPr/>
+          <a:lstStyle/>
+          <a:p>
+            <a:endParaRPr lang="en-US"/>
+          </a:p>
+        </p:txBody>
+      </p:sp>
+    </p:spTree>
+    <p:extLst>
+      <p:ext uri="{BB962C8B-B14F-4D97-AF65-F5344CB8AC3E}">
+        <p14:creationId xmlns:p14="http://schemas.microsoft.com/office/powerpoint/2010/main" val="3928179406"/>
+      </p:ext>
+    </p:extLst>
+  </p:cSld>
+  <p:clrMapOvr>
+    <a:masterClrMapping/>
+  </p:clrMapOvr>
+</p:sld>
+</file>
+
+<file path=ppt/slides/slide8.xml><?xml version="1.0" encoding="utf-8"?>
+<p:sld xmlns:a="http://schemas.openxmlformats.org/drawingml/2006/main" xmlns:r="http://schemas.openxmlformats.org/officeDocument/2006/relationships" xmlns:p="http://schemas.openxmlformats.org/presentationml/2006/main">
+  <p:cSld>
+    <p:spTree>
+      <p:nvGrpSpPr>
+        <p:cNvPr id="1" name=""/>
+        <p:cNvGrpSpPr/>
+        <p:nvPr/>
+      </p:nvGrpSpPr>
+      <p:grpSpPr>
+        <a:xfrm>
+          <a:off x="0" y="0"/>
+          <a:ext cx="0" cy="0"/>
+          <a:chOff x="0" y="0"/>
+          <a:chExt cx="0" cy="0"/>
+        </a:xfrm>
+      </p:grpSpPr>
+      <p:sp>
+        <p:nvSpPr>
+          <p:cNvPr id="2" name="Title 1">
+            <a:extLst>
+              <a:ext uri="{FF2B5EF4-FFF2-40B4-BE49-F238E27FC236}">
+                <a16:creationId xmlns:a16="http://schemas.microsoft.com/office/drawing/2014/main" id="{9CBEB24B-7DA1-A61A-7D9C-646BD9D602CA}"/>
+              </a:ext>
+            </a:extLst>
+          </p:cNvPr>
+          <p:cNvSpPr>
+            <a:spLocks noGrp="1"/>
+          </p:cNvSpPr>
+          <p:nvPr>
+            <p:ph type="title"/>
+          </p:nvPr>
+        </p:nvSpPr>
+        <p:spPr/>
+        <p:txBody>
+          <a:bodyPr/>
+          <a:lstStyle/>
+          <a:p>
+            <a:endParaRPr lang="en-US"/>
+          </a:p>
+        </p:txBody>
+      </p:sp>
+    </p:spTree>
+    <p:extLst>
+      <p:ext uri="{BB962C8B-B14F-4D97-AF65-F5344CB8AC3E}">
+        <p14:creationId xmlns:p14="http://schemas.microsoft.com/office/powerpoint/2010/main" val="1032093300"/>
       </p:ext>
     </p:extLst>
   </p:cSld>

--- a/M3_Seurat_Processing/M3_Seurat_Processing.pptx
+++ b/M3_Seurat_Processing/M3_Seurat_Processing.pptx
@@ -5,29 +5,27 @@
     <p:sldMasterId id="2147483656" r:id="rId1"/>
   </p:sldMasterIdLst>
   <p:notesMasterIdLst>
-    <p:notesMasterId r:id="rId22"/>
+    <p:notesMasterId r:id="rId20"/>
   </p:notesMasterIdLst>
   <p:sldIdLst>
     <p:sldId id="256" r:id="rId2"/>
-    <p:sldId id="261" r:id="rId3"/>
-    <p:sldId id="267" r:id="rId4"/>
-    <p:sldId id="278" r:id="rId5"/>
-    <p:sldId id="266" r:id="rId6"/>
-    <p:sldId id="269" r:id="rId7"/>
-    <p:sldId id="268" r:id="rId8"/>
-    <p:sldId id="270" r:id="rId9"/>
-    <p:sldId id="275" r:id="rId10"/>
-    <p:sldId id="271" r:id="rId11"/>
-    <p:sldId id="277" r:id="rId12"/>
-    <p:sldId id="272" r:id="rId13"/>
-    <p:sldId id="279" r:id="rId14"/>
-    <p:sldId id="273" r:id="rId15"/>
-    <p:sldId id="274" r:id="rId16"/>
-    <p:sldId id="280" r:id="rId17"/>
-    <p:sldId id="263" r:id="rId18"/>
-    <p:sldId id="257" r:id="rId19"/>
-    <p:sldId id="264" r:id="rId20"/>
-    <p:sldId id="265" r:id="rId21"/>
+    <p:sldId id="267" r:id="rId3"/>
+    <p:sldId id="278" r:id="rId4"/>
+    <p:sldId id="266" r:id="rId5"/>
+    <p:sldId id="269" r:id="rId6"/>
+    <p:sldId id="268" r:id="rId7"/>
+    <p:sldId id="270" r:id="rId8"/>
+    <p:sldId id="275" r:id="rId9"/>
+    <p:sldId id="271" r:id="rId10"/>
+    <p:sldId id="277" r:id="rId11"/>
+    <p:sldId id="272" r:id="rId12"/>
+    <p:sldId id="279" r:id="rId13"/>
+    <p:sldId id="273" r:id="rId14"/>
+    <p:sldId id="274" r:id="rId15"/>
+    <p:sldId id="280" r:id="rId16"/>
+    <p:sldId id="263" r:id="rId17"/>
+    <p:sldId id="257" r:id="rId18"/>
+    <p:sldId id="261" r:id="rId19"/>
   </p:sldIdLst>
   <p:sldSz cx="12192000" cy="6858000"/>
   <p:notesSz cx="6858000" cy="9144000"/>
@@ -572,7 +570,7 @@
     </p:spTree>
     <p:extLst>
       <p:ext uri="{BB962C8B-B14F-4D97-AF65-F5344CB8AC3E}">
-        <p14:creationId xmlns:p14="http://schemas.microsoft.com/office/powerpoint/2010/main" val="2712886879"/>
+        <p14:creationId xmlns:p14="http://schemas.microsoft.com/office/powerpoint/2010/main" val="191940356"/>
       </p:ext>
     </p:extLst>
   </p:cSld>
@@ -671,7 +669,7 @@
     </p:spTree>
     <p:extLst>
       <p:ext uri="{BB962C8B-B14F-4D97-AF65-F5344CB8AC3E}">
-        <p14:creationId xmlns:p14="http://schemas.microsoft.com/office/powerpoint/2010/main" val="785609978"/>
+        <p14:creationId xmlns:p14="http://schemas.microsoft.com/office/powerpoint/2010/main" val="3159024535"/>
       </p:ext>
     </p:extLst>
   </p:cSld>
@@ -770,7 +768,7 @@
     </p:spTree>
     <p:extLst>
       <p:ext uri="{BB962C8B-B14F-4D97-AF65-F5344CB8AC3E}">
-        <p14:creationId xmlns:p14="http://schemas.microsoft.com/office/powerpoint/2010/main" val="3159024535"/>
+        <p14:creationId xmlns:p14="http://schemas.microsoft.com/office/powerpoint/2010/main" val="1563561889"/>
       </p:ext>
     </p:extLst>
   </p:cSld>
@@ -869,7 +867,7 @@
     </p:spTree>
     <p:extLst>
       <p:ext uri="{BB962C8B-B14F-4D97-AF65-F5344CB8AC3E}">
-        <p14:creationId xmlns:p14="http://schemas.microsoft.com/office/powerpoint/2010/main" val="1563561889"/>
+        <p14:creationId xmlns:p14="http://schemas.microsoft.com/office/powerpoint/2010/main" val="2098758532"/>
       </p:ext>
     </p:extLst>
   </p:cSld>
@@ -968,7 +966,7 @@
     </p:spTree>
     <p:extLst>
       <p:ext uri="{BB962C8B-B14F-4D97-AF65-F5344CB8AC3E}">
-        <p14:creationId xmlns:p14="http://schemas.microsoft.com/office/powerpoint/2010/main" val="2098758532"/>
+        <p14:creationId xmlns:p14="http://schemas.microsoft.com/office/powerpoint/2010/main" val="3330340515"/>
       </p:ext>
     </p:extLst>
   </p:cSld>
@@ -1022,21 +1020,17 @@
           <a:bodyPr/>
           <a:lstStyle/>
           <a:p>
-            <a:endParaRPr lang="en-US" dirty="0"/>
-          </a:p>
-          <a:p>
-            <a:endParaRPr lang="en-US" dirty="0"/>
-          </a:p>
-          <a:p>
-            <a:endParaRPr lang="en-US" dirty="0"/>
-          </a:p>
-          <a:p>
-            <a:endParaRPr lang="en-US" dirty="0"/>
-          </a:p>
-          <a:p>
             <a:r>
               <a:rPr lang="en-US" dirty="0"/>
-              <a:t>https://www.dreamstime.com/stock-illustration-dna-vector-illustration-human-structure-image49975743</a:t>
+              <a:t>https://</a:t>
+            </a:r>
+            <a:r>
+              <a:rPr lang="en-US" dirty="0" err="1"/>
+              <a:t>www.oaepublish.com</a:t>
+            </a:r>
+            <a:r>
+              <a:rPr lang="en-US" dirty="0"/>
+              <a:t>/articles/jtgg.2020.48</a:t>
             </a:r>
           </a:p>
         </p:txBody>
@@ -1058,7 +1052,7 @@
           <a:p>
             <a:fld id="{121E9C32-9AD5-4F50-8DB4-01491388DC2B}" type="slidenum">
               <a:rPr lang="en-US" smtClean="0"/>
-              <a:t>15</a:t>
+              <a:t>17</a:t>
             </a:fld>
             <a:endParaRPr lang="en-US"/>
           </a:p>
@@ -1067,7 +1061,7 @@
     </p:spTree>
     <p:extLst>
       <p:ext uri="{BB962C8B-B14F-4D97-AF65-F5344CB8AC3E}">
-        <p14:creationId xmlns:p14="http://schemas.microsoft.com/office/powerpoint/2010/main" val="3330340515"/>
+        <p14:creationId xmlns:p14="http://schemas.microsoft.com/office/powerpoint/2010/main" val="4222755057"/>
       </p:ext>
     </p:extLst>
   </p:cSld>
@@ -1121,17 +1115,21 @@
           <a:bodyPr/>
           <a:lstStyle/>
           <a:p>
+            <a:endParaRPr lang="en-US" dirty="0"/>
+          </a:p>
+          <a:p>
+            <a:endParaRPr lang="en-US" dirty="0"/>
+          </a:p>
+          <a:p>
+            <a:endParaRPr lang="en-US" dirty="0"/>
+          </a:p>
+          <a:p>
+            <a:endParaRPr lang="en-US" dirty="0"/>
+          </a:p>
+          <a:p>
             <a:r>
               <a:rPr lang="en-US" dirty="0"/>
-              <a:t>https://</a:t>
-            </a:r>
-            <a:r>
-              <a:rPr lang="en-US" dirty="0" err="1"/>
-              <a:t>www.oaepublish.com</a:t>
-            </a:r>
-            <a:r>
-              <a:rPr lang="en-US" dirty="0"/>
-              <a:t>/articles/jtgg.2020.48</a:t>
+              <a:t>https://www.dreamstime.com/stock-illustration-dna-vector-illustration-human-structure-image49975743</a:t>
             </a:r>
           </a:p>
         </p:txBody>
@@ -1162,7 +1160,7 @@
     </p:spTree>
     <p:extLst>
       <p:ext uri="{BB962C8B-B14F-4D97-AF65-F5344CB8AC3E}">
-        <p14:creationId xmlns:p14="http://schemas.microsoft.com/office/powerpoint/2010/main" val="4222755057"/>
+        <p14:creationId xmlns:p14="http://schemas.microsoft.com/office/powerpoint/2010/main" val="2712886879"/>
       </p:ext>
     </p:extLst>
   </p:cSld>
@@ -1261,7 +1259,7 @@
     </p:spTree>
     <p:extLst>
       <p:ext uri="{BB962C8B-B14F-4D97-AF65-F5344CB8AC3E}">
-        <p14:creationId xmlns:p14="http://schemas.microsoft.com/office/powerpoint/2010/main" val="191940356"/>
+        <p14:creationId xmlns:p14="http://schemas.microsoft.com/office/powerpoint/2010/main" val="1373686853"/>
       </p:ext>
     </p:extLst>
   </p:cSld>
@@ -1360,7 +1358,7 @@
     </p:spTree>
     <p:extLst>
       <p:ext uri="{BB962C8B-B14F-4D97-AF65-F5344CB8AC3E}">
-        <p14:creationId xmlns:p14="http://schemas.microsoft.com/office/powerpoint/2010/main" val="1373686853"/>
+        <p14:creationId xmlns:p14="http://schemas.microsoft.com/office/powerpoint/2010/main" val="3530663239"/>
       </p:ext>
     </p:extLst>
   </p:cSld>
@@ -1459,7 +1457,7 @@
     </p:spTree>
     <p:extLst>
       <p:ext uri="{BB962C8B-B14F-4D97-AF65-F5344CB8AC3E}">
-        <p14:creationId xmlns:p14="http://schemas.microsoft.com/office/powerpoint/2010/main" val="3530663239"/>
+        <p14:creationId xmlns:p14="http://schemas.microsoft.com/office/powerpoint/2010/main" val="4130375173"/>
       </p:ext>
     </p:extLst>
   </p:cSld>
@@ -1558,7 +1556,7 @@
     </p:spTree>
     <p:extLst>
       <p:ext uri="{BB962C8B-B14F-4D97-AF65-F5344CB8AC3E}">
-        <p14:creationId xmlns:p14="http://schemas.microsoft.com/office/powerpoint/2010/main" val="4130375173"/>
+        <p14:creationId xmlns:p14="http://schemas.microsoft.com/office/powerpoint/2010/main" val="2322733423"/>
       </p:ext>
     </p:extLst>
   </p:cSld>
@@ -1657,7 +1655,7 @@
     </p:spTree>
     <p:extLst>
       <p:ext uri="{BB962C8B-B14F-4D97-AF65-F5344CB8AC3E}">
-        <p14:creationId xmlns:p14="http://schemas.microsoft.com/office/powerpoint/2010/main" val="2322733423"/>
+        <p14:creationId xmlns:p14="http://schemas.microsoft.com/office/powerpoint/2010/main" val="448654101"/>
       </p:ext>
     </p:extLst>
   </p:cSld>
@@ -1756,7 +1754,7 @@
     </p:spTree>
     <p:extLst>
       <p:ext uri="{BB962C8B-B14F-4D97-AF65-F5344CB8AC3E}">
-        <p14:creationId xmlns:p14="http://schemas.microsoft.com/office/powerpoint/2010/main" val="448654101"/>
+        <p14:creationId xmlns:p14="http://schemas.microsoft.com/office/powerpoint/2010/main" val="2112383739"/>
       </p:ext>
     </p:extLst>
   </p:cSld>
@@ -1855,7 +1853,7 @@
     </p:spTree>
     <p:extLst>
       <p:ext uri="{BB962C8B-B14F-4D97-AF65-F5344CB8AC3E}">
-        <p14:creationId xmlns:p14="http://schemas.microsoft.com/office/powerpoint/2010/main" val="2112383739"/>
+        <p14:creationId xmlns:p14="http://schemas.microsoft.com/office/powerpoint/2010/main" val="2241871208"/>
       </p:ext>
     </p:extLst>
   </p:cSld>
@@ -1954,7 +1952,7 @@
     </p:spTree>
     <p:extLst>
       <p:ext uri="{BB962C8B-B14F-4D97-AF65-F5344CB8AC3E}">
-        <p14:creationId xmlns:p14="http://schemas.microsoft.com/office/powerpoint/2010/main" val="2241871208"/>
+        <p14:creationId xmlns:p14="http://schemas.microsoft.com/office/powerpoint/2010/main" val="785609978"/>
       </p:ext>
     </p:extLst>
   </p:cSld>
@@ -3964,2541 +3962,6 @@
       </p:sp>
       <p:pic>
         <p:nvPicPr>
-          <p:cNvPr id="10" name="Picture 9">
-            <a:extLst>
-              <a:ext uri="{FF2B5EF4-FFF2-40B4-BE49-F238E27FC236}">
-                <a16:creationId xmlns:a16="http://schemas.microsoft.com/office/drawing/2014/main" id="{455F2C3F-72FC-70DC-DA75-B07B250D9894}"/>
-              </a:ext>
-            </a:extLst>
-          </p:cNvPr>
-          <p:cNvPicPr>
-            <a:picLocks noChangeAspect="1"/>
-          </p:cNvPicPr>
-          <p:nvPr/>
-        </p:nvPicPr>
-        <p:blipFill rotWithShape="1">
-          <a:blip r:embed="rId3"/>
-          <a:srcRect l="-1151"/>
-          <a:stretch/>
-        </p:blipFill>
-        <p:spPr>
-          <a:xfrm>
-            <a:off x="2201425" y="925294"/>
-            <a:ext cx="6186302" cy="828791"/>
-          </a:xfrm>
-          <a:prstGeom prst="rect">
-            <a:avLst/>
-          </a:prstGeom>
-        </p:spPr>
-      </p:pic>
-      <p:pic>
-        <p:nvPicPr>
-          <p:cNvPr id="14" name="Picture 13">
-            <a:extLst>
-              <a:ext uri="{FF2B5EF4-FFF2-40B4-BE49-F238E27FC236}">
-                <a16:creationId xmlns:a16="http://schemas.microsoft.com/office/drawing/2014/main" id="{C1D23BA8-DD41-186C-D459-EA327A50E7C4}"/>
-              </a:ext>
-            </a:extLst>
-          </p:cNvPr>
-          <p:cNvPicPr>
-            <a:picLocks noChangeAspect="1"/>
-          </p:cNvPicPr>
-          <p:nvPr/>
-        </p:nvPicPr>
-        <p:blipFill rotWithShape="1">
-          <a:blip r:embed="rId4"/>
-          <a:srcRect l="166" r="4029" b="12220"/>
-          <a:stretch/>
-        </p:blipFill>
-        <p:spPr>
-          <a:xfrm>
-            <a:off x="8475119" y="2679576"/>
-            <a:ext cx="3668941" cy="1572093"/>
-          </a:xfrm>
-          <a:prstGeom prst="rect">
-            <a:avLst/>
-          </a:prstGeom>
-          <a:ln>
-            <a:solidFill>
-              <a:schemeClr val="bg1">
-                <a:lumMod val="85000"/>
-              </a:schemeClr>
-            </a:solidFill>
-          </a:ln>
-        </p:spPr>
-      </p:pic>
-      <p:sp>
-        <p:nvSpPr>
-          <p:cNvPr id="22" name="Rectangle 21">
-            <a:extLst>
-              <a:ext uri="{FF2B5EF4-FFF2-40B4-BE49-F238E27FC236}">
-                <a16:creationId xmlns:a16="http://schemas.microsoft.com/office/drawing/2014/main" id="{1F93DA63-1F23-A6D9-598E-57C926F19B67}"/>
-              </a:ext>
-            </a:extLst>
-          </p:cNvPr>
-          <p:cNvSpPr/>
-          <p:nvPr/>
-        </p:nvSpPr>
-        <p:spPr>
-          <a:xfrm>
-            <a:off x="9748341" y="6430178"/>
-            <a:ext cx="1887101" cy="387476"/>
-          </a:xfrm>
-          <a:prstGeom prst="rect">
-            <a:avLst/>
-          </a:prstGeom>
-          <a:solidFill>
-            <a:schemeClr val="bg1"/>
-          </a:solidFill>
-          <a:ln>
-            <a:noFill/>
-          </a:ln>
-        </p:spPr>
-        <p:style>
-          <a:lnRef idx="2">
-            <a:schemeClr val="accent1">
-              <a:shade val="15000"/>
-            </a:schemeClr>
-          </a:lnRef>
-          <a:fillRef idx="1">
-            <a:schemeClr val="accent1"/>
-          </a:fillRef>
-          <a:effectRef idx="0">
-            <a:schemeClr val="accent1"/>
-          </a:effectRef>
-          <a:fontRef idx="minor">
-            <a:schemeClr val="lt1"/>
-          </a:fontRef>
-        </p:style>
-        <p:txBody>
-          <a:bodyPr rtlCol="0" anchor="ctr"/>
-          <a:lstStyle/>
-          <a:p>
-            <a:pPr algn="ctr"/>
-            <a:endParaRPr lang="en-US"/>
-          </a:p>
-        </p:txBody>
-      </p:sp>
-      <p:pic>
-        <p:nvPicPr>
-          <p:cNvPr id="18" name="Picture 17">
-            <a:extLst>
-              <a:ext uri="{FF2B5EF4-FFF2-40B4-BE49-F238E27FC236}">
-                <a16:creationId xmlns:a16="http://schemas.microsoft.com/office/drawing/2014/main" id="{4370BBB5-B155-D388-75A8-A7340331C805}"/>
-              </a:ext>
-            </a:extLst>
-          </p:cNvPr>
-          <p:cNvPicPr>
-            <a:picLocks noChangeAspect="1"/>
-          </p:cNvPicPr>
-          <p:nvPr/>
-        </p:nvPicPr>
-        <p:blipFill rotWithShape="1">
-          <a:blip r:embed="rId5"/>
-          <a:srcRect l="381" r="4620"/>
-          <a:stretch/>
-        </p:blipFill>
-        <p:spPr>
-          <a:xfrm>
-            <a:off x="8495076" y="4994975"/>
-            <a:ext cx="3629025" cy="1781424"/>
-          </a:xfrm>
-          <a:prstGeom prst="rect">
-            <a:avLst/>
-          </a:prstGeom>
-          <a:ln>
-            <a:solidFill>
-              <a:schemeClr val="bg1">
-                <a:lumMod val="85000"/>
-              </a:schemeClr>
-            </a:solidFill>
-          </a:ln>
-        </p:spPr>
-      </p:pic>
-      <p:sp>
-        <p:nvSpPr>
-          <p:cNvPr id="32" name="TextBox 31">
-            <a:extLst>
-              <a:ext uri="{FF2B5EF4-FFF2-40B4-BE49-F238E27FC236}">
-                <a16:creationId xmlns:a16="http://schemas.microsoft.com/office/drawing/2014/main" id="{D89AA0E2-2AC1-27E5-929A-624F726B796B}"/>
-              </a:ext>
-            </a:extLst>
-          </p:cNvPr>
-          <p:cNvSpPr txBox="1"/>
-          <p:nvPr/>
-        </p:nvSpPr>
-        <p:spPr>
-          <a:xfrm>
-            <a:off x="2250608" y="1724231"/>
-            <a:ext cx="8709473" cy="830997"/>
-          </a:xfrm>
-          <a:prstGeom prst="rect">
-            <a:avLst/>
-          </a:prstGeom>
-          <a:noFill/>
-        </p:spPr>
-        <p:txBody>
-          <a:bodyPr wrap="square">
-            <a:spAutoFit/>
-          </a:bodyPr>
-          <a:lstStyle/>
-          <a:p>
-            <a:pPr marL="342900" indent="-342900">
-              <a:buAutoNum type="arabicPeriod"/>
-            </a:pPr>
-            <a:r>
-              <a:rPr lang="en-US" sz="1600" b="1" dirty="0">
-                <a:solidFill>
-                  <a:srgbClr val="2C3E50"/>
-                </a:solidFill>
-                <a:latin typeface="Lato" panose="020F0502020204030203" pitchFamily="34" charset="0"/>
-              </a:rPr>
-              <a:t>C</a:t>
-            </a:r>
-            <a:r>
-              <a:rPr lang="en-US" sz="1600" b="1" i="0" dirty="0">
-                <a:solidFill>
-                  <a:srgbClr val="2C3E50"/>
-                </a:solidFill>
-                <a:effectLst/>
-                <a:latin typeface="Lato" panose="020F0502020204030203" pitchFamily="34" charset="0"/>
-              </a:rPr>
-              <a:t>enters</a:t>
-            </a:r>
-            <a:r>
-              <a:rPr lang="en-US" sz="1600" b="0" i="0" dirty="0">
-                <a:solidFill>
-                  <a:srgbClr val="2C3E50"/>
-                </a:solidFill>
-                <a:effectLst/>
-                <a:latin typeface="Lato" panose="020F0502020204030203" pitchFamily="34" charset="0"/>
-              </a:rPr>
-              <a:t> gene expression by </a:t>
-            </a:r>
-            <a:r>
-              <a:rPr lang="en-US" sz="1600" b="0" i="1" u="sng" dirty="0">
-                <a:solidFill>
-                  <a:srgbClr val="2C3E50"/>
-                </a:solidFill>
-                <a:effectLst/>
-                <a:latin typeface="Lato" panose="020F0502020204030203" pitchFamily="34" charset="0"/>
-              </a:rPr>
-              <a:t>subtracting the average</a:t>
-            </a:r>
-            <a:r>
-              <a:rPr lang="en-US" sz="1600" b="0" i="1" dirty="0">
-                <a:solidFill>
-                  <a:srgbClr val="2C3E50"/>
-                </a:solidFill>
-                <a:effectLst/>
-                <a:latin typeface="Lato" panose="020F0502020204030203" pitchFamily="34" charset="0"/>
-              </a:rPr>
-              <a:t> </a:t>
-            </a:r>
-            <a:r>
-              <a:rPr lang="en-US" sz="1600" b="0" i="0" dirty="0">
-                <a:solidFill>
-                  <a:srgbClr val="2C3E50"/>
-                </a:solidFill>
-                <a:effectLst/>
-                <a:latin typeface="Lato" panose="020F0502020204030203" pitchFamily="34" charset="0"/>
-              </a:rPr>
-              <a:t>expression for that gene. </a:t>
-            </a:r>
-          </a:p>
-          <a:p>
-            <a:pPr marL="342900" indent="-342900">
-              <a:buAutoNum type="arabicPeriod"/>
-            </a:pPr>
-            <a:r>
-              <a:rPr lang="en-US" sz="1600" b="1" dirty="0">
-                <a:solidFill>
-                  <a:srgbClr val="2C3E50"/>
-                </a:solidFill>
-                <a:latin typeface="Lato" panose="020F0502020204030203" pitchFamily="34" charset="0"/>
-              </a:rPr>
-              <a:t>S</a:t>
-            </a:r>
-            <a:r>
-              <a:rPr lang="en-US" sz="1600" b="1" i="0" dirty="0">
-                <a:solidFill>
-                  <a:srgbClr val="2C3E50"/>
-                </a:solidFill>
-                <a:effectLst/>
-                <a:latin typeface="Lato" panose="020F0502020204030203" pitchFamily="34" charset="0"/>
-              </a:rPr>
-              <a:t>cale</a:t>
-            </a:r>
-            <a:r>
-              <a:rPr lang="en-US" sz="1600" b="1" dirty="0">
-                <a:solidFill>
-                  <a:srgbClr val="2C3E50"/>
-                </a:solidFill>
-                <a:latin typeface="Lato" panose="020F0502020204030203" pitchFamily="34" charset="0"/>
-              </a:rPr>
-              <a:t>s </a:t>
-            </a:r>
-            <a:r>
-              <a:rPr lang="en-US" sz="1600" b="1" i="0" dirty="0">
-                <a:solidFill>
-                  <a:srgbClr val="2C3E50"/>
-                </a:solidFill>
-                <a:effectLst/>
-                <a:latin typeface="Lato" panose="020F0502020204030203" pitchFamily="34" charset="0"/>
-              </a:rPr>
-              <a:t>expression</a:t>
-            </a:r>
-            <a:r>
-              <a:rPr lang="en-US" sz="1600" b="0" i="0" dirty="0">
-                <a:solidFill>
-                  <a:srgbClr val="2C3E50"/>
-                </a:solidFill>
-                <a:effectLst/>
-                <a:latin typeface="Lato" panose="020F0502020204030203" pitchFamily="34" charset="0"/>
-              </a:rPr>
-              <a:t> for each gene by </a:t>
-            </a:r>
-            <a:r>
-              <a:rPr lang="en-US" sz="1600" b="0" i="1" u="sng" dirty="0">
-                <a:solidFill>
-                  <a:srgbClr val="2C3E50"/>
-                </a:solidFill>
-                <a:effectLst/>
-                <a:latin typeface="Lato" panose="020F0502020204030203" pitchFamily="34" charset="0"/>
-              </a:rPr>
-              <a:t>dividing the centered gene expression </a:t>
-            </a:r>
-            <a:r>
-              <a:rPr lang="en-US" sz="1600" b="0" i="0" dirty="0">
-                <a:solidFill>
-                  <a:srgbClr val="2C3E50"/>
-                </a:solidFill>
-                <a:effectLst/>
-                <a:latin typeface="Lato" panose="020F0502020204030203" pitchFamily="34" charset="0"/>
-              </a:rPr>
-              <a:t>by their </a:t>
-            </a:r>
-            <a:r>
-              <a:rPr lang="en-US" sz="1600" b="0" i="1" u="sng" dirty="0">
-                <a:solidFill>
-                  <a:srgbClr val="2C3E50"/>
-                </a:solidFill>
-                <a:effectLst/>
-                <a:latin typeface="Lato" panose="020F0502020204030203" pitchFamily="34" charset="0"/>
-              </a:rPr>
-              <a:t>standard deviations</a:t>
-            </a:r>
-            <a:r>
-              <a:rPr lang="en-US" sz="1600" b="0" i="0" dirty="0">
-                <a:solidFill>
-                  <a:srgbClr val="2C3E50"/>
-                </a:solidFill>
-                <a:effectLst/>
-                <a:latin typeface="Lato" panose="020F0502020204030203" pitchFamily="34" charset="0"/>
-              </a:rPr>
-              <a:t>.</a:t>
-            </a:r>
-            <a:endParaRPr lang="en-US" sz="1600" dirty="0"/>
-          </a:p>
-        </p:txBody>
-      </p:sp>
-      <p:sp>
-        <p:nvSpPr>
-          <p:cNvPr id="1033" name="TextBox 1032">
-            <a:extLst>
-              <a:ext uri="{FF2B5EF4-FFF2-40B4-BE49-F238E27FC236}">
-                <a16:creationId xmlns:a16="http://schemas.microsoft.com/office/drawing/2014/main" id="{2BC0E9DB-1969-D1EC-AB60-0236744EB67E}"/>
-              </a:ext>
-            </a:extLst>
-          </p:cNvPr>
-          <p:cNvSpPr txBox="1"/>
-          <p:nvPr/>
-        </p:nvSpPr>
-        <p:spPr>
-          <a:xfrm>
-            <a:off x="2194985" y="594558"/>
-            <a:ext cx="6812762" cy="369332"/>
-          </a:xfrm>
-          <a:prstGeom prst="rect">
-            <a:avLst/>
-          </a:prstGeom>
-          <a:noFill/>
-        </p:spPr>
-        <p:txBody>
-          <a:bodyPr wrap="none" rtlCol="0">
-            <a:spAutoFit/>
-          </a:bodyPr>
-          <a:lstStyle/>
-          <a:p>
-            <a:r>
-              <a:rPr lang="en-US" dirty="0"/>
-              <a:t>Gene expression is scaled (row wise z-scored) to compare across genes</a:t>
-            </a:r>
-          </a:p>
-        </p:txBody>
-      </p:sp>
-      <p:sp>
-        <p:nvSpPr>
-          <p:cNvPr id="33" name="TextBox 32">
-            <a:extLst>
-              <a:ext uri="{FF2B5EF4-FFF2-40B4-BE49-F238E27FC236}">
-                <a16:creationId xmlns:a16="http://schemas.microsoft.com/office/drawing/2014/main" id="{3355AABB-4215-772A-1DB7-55FB766820C1}"/>
-              </a:ext>
-            </a:extLst>
-          </p:cNvPr>
-          <p:cNvSpPr txBox="1"/>
-          <p:nvPr/>
-        </p:nvSpPr>
-        <p:spPr>
-          <a:xfrm>
-            <a:off x="9112884" y="934465"/>
-            <a:ext cx="2811924" cy="369332"/>
-          </a:xfrm>
-          <a:prstGeom prst="rect">
-            <a:avLst/>
-          </a:prstGeom>
-          <a:noFill/>
-        </p:spPr>
-        <p:txBody>
-          <a:bodyPr wrap="none" rtlCol="0">
-            <a:spAutoFit/>
-          </a:bodyPr>
-          <a:lstStyle/>
-          <a:p>
-            <a:r>
-              <a:rPr lang="en-US" dirty="0"/>
-              <a:t>Z-score = (x-mean(x))/std(x)</a:t>
-            </a:r>
-          </a:p>
-        </p:txBody>
-      </p:sp>
-      <p:sp>
-        <p:nvSpPr>
-          <p:cNvPr id="1385" name="Arrow: Right 1384">
-            <a:extLst>
-              <a:ext uri="{FF2B5EF4-FFF2-40B4-BE49-F238E27FC236}">
-                <a16:creationId xmlns:a16="http://schemas.microsoft.com/office/drawing/2014/main" id="{1A052473-BEF7-A2BC-6322-D5EA0B18BF3F}"/>
-              </a:ext>
-            </a:extLst>
-          </p:cNvPr>
-          <p:cNvSpPr/>
-          <p:nvPr/>
-        </p:nvSpPr>
-        <p:spPr>
-          <a:xfrm rot="5400000">
-            <a:off x="10109705" y="4418652"/>
-            <a:ext cx="399765" cy="386089"/>
-          </a:xfrm>
-          <a:prstGeom prst="rightArrow">
-            <a:avLst/>
-          </a:prstGeom>
-          <a:solidFill>
-            <a:srgbClr val="CBCBCB"/>
-          </a:solidFill>
-          <a:ln>
-            <a:noFill/>
-          </a:ln>
-        </p:spPr>
-        <p:style>
-          <a:lnRef idx="2">
-            <a:schemeClr val="accent1">
-              <a:shade val="15000"/>
-            </a:schemeClr>
-          </a:lnRef>
-          <a:fillRef idx="1">
-            <a:schemeClr val="accent1"/>
-          </a:fillRef>
-          <a:effectRef idx="0">
-            <a:schemeClr val="accent1"/>
-          </a:effectRef>
-          <a:fontRef idx="minor">
-            <a:schemeClr val="lt1"/>
-          </a:fontRef>
-        </p:style>
-        <p:txBody>
-          <a:bodyPr rtlCol="0" anchor="ctr"/>
-          <a:lstStyle/>
-          <a:p>
-            <a:pPr algn="ctr"/>
-            <a:endParaRPr lang="en-US"/>
-          </a:p>
-        </p:txBody>
-      </p:sp>
-      <p:sp>
-        <p:nvSpPr>
-          <p:cNvPr id="1386" name="Arrow: Right 1385">
-            <a:extLst>
-              <a:ext uri="{FF2B5EF4-FFF2-40B4-BE49-F238E27FC236}">
-                <a16:creationId xmlns:a16="http://schemas.microsoft.com/office/drawing/2014/main" id="{AF1C1C1D-FA5E-BCCD-478A-D3CB59BA4791}"/>
-              </a:ext>
-            </a:extLst>
-          </p:cNvPr>
-          <p:cNvSpPr/>
-          <p:nvPr/>
-        </p:nvSpPr>
-        <p:spPr>
-          <a:xfrm rot="5400000">
-            <a:off x="5184653" y="4513346"/>
-            <a:ext cx="399765" cy="386089"/>
-          </a:xfrm>
-          <a:prstGeom prst="rightArrow">
-            <a:avLst/>
-          </a:prstGeom>
-          <a:solidFill>
-            <a:srgbClr val="CBCBCB"/>
-          </a:solidFill>
-          <a:ln>
-            <a:noFill/>
-          </a:ln>
-        </p:spPr>
-        <p:style>
-          <a:lnRef idx="2">
-            <a:schemeClr val="accent1">
-              <a:shade val="15000"/>
-            </a:schemeClr>
-          </a:lnRef>
-          <a:fillRef idx="1">
-            <a:schemeClr val="accent1"/>
-          </a:fillRef>
-          <a:effectRef idx="0">
-            <a:schemeClr val="accent1"/>
-          </a:effectRef>
-          <a:fontRef idx="minor">
-            <a:schemeClr val="lt1"/>
-          </a:fontRef>
-        </p:style>
-        <p:txBody>
-          <a:bodyPr rtlCol="0" anchor="ctr"/>
-          <a:lstStyle/>
-          <a:p>
-            <a:pPr algn="ctr"/>
-            <a:endParaRPr lang="en-US" dirty="0"/>
-          </a:p>
-        </p:txBody>
-      </p:sp>
-      <p:sp>
-        <p:nvSpPr>
-          <p:cNvPr id="1387" name="TextBox 1386">
-            <a:extLst>
-              <a:ext uri="{FF2B5EF4-FFF2-40B4-BE49-F238E27FC236}">
-                <a16:creationId xmlns:a16="http://schemas.microsoft.com/office/drawing/2014/main" id="{293A4A1E-D84A-85AE-AB4B-37E7540C6632}"/>
-              </a:ext>
-            </a:extLst>
-          </p:cNvPr>
-          <p:cNvSpPr txBox="1"/>
-          <p:nvPr/>
-        </p:nvSpPr>
-        <p:spPr>
-          <a:xfrm>
-            <a:off x="9620233" y="1225062"/>
-            <a:ext cx="1937838" cy="369332"/>
-          </a:xfrm>
-          <a:prstGeom prst="rect">
-            <a:avLst/>
-          </a:prstGeom>
-          <a:noFill/>
-        </p:spPr>
-        <p:txBody>
-          <a:bodyPr wrap="none" rtlCol="0">
-            <a:spAutoFit/>
-          </a:bodyPr>
-          <a:lstStyle/>
-          <a:p>
-            <a:r>
-              <a:rPr lang="en-US" dirty="0"/>
-              <a:t># of SD from mean</a:t>
-            </a:r>
-          </a:p>
-        </p:txBody>
-      </p:sp>
-      <p:pic>
-        <p:nvPicPr>
-          <p:cNvPr id="1668" name="Picture 1667" descr="A screenshot of a graph&#10;&#10;Description automatically generated">
-            <a:extLst>
-              <a:ext uri="{FF2B5EF4-FFF2-40B4-BE49-F238E27FC236}">
-                <a16:creationId xmlns:a16="http://schemas.microsoft.com/office/drawing/2014/main" id="{9CDD5EF5-722E-315B-EE2E-256919B41468}"/>
-              </a:ext>
-            </a:extLst>
-          </p:cNvPr>
-          <p:cNvPicPr>
-            <a:picLocks noChangeAspect="1"/>
-          </p:cNvPicPr>
-          <p:nvPr/>
-        </p:nvPicPr>
-        <p:blipFill>
-          <a:blip r:embed="rId6">
-            <a:extLst>
-              <a:ext uri="{28A0092B-C50C-407E-A947-70E740481C1C}">
-                <a14:useLocalDpi xmlns:a14="http://schemas.microsoft.com/office/drawing/2010/main" val="0"/>
-              </a:ext>
-            </a:extLst>
-          </a:blip>
-          <a:stretch>
-            <a:fillRect/>
-          </a:stretch>
-        </p:blipFill>
-        <p:spPr>
-          <a:xfrm>
-            <a:off x="2054839" y="4953800"/>
-            <a:ext cx="6400813" cy="1828804"/>
-          </a:xfrm>
-          <a:prstGeom prst="rect">
-            <a:avLst/>
-          </a:prstGeom>
-        </p:spPr>
-      </p:pic>
-      <p:pic>
-        <p:nvPicPr>
-          <p:cNvPr id="1670" name="Picture 1669" descr="A graph of a bar chart&#10;&#10;Description automatically generated with medium confidence">
-            <a:extLst>
-              <a:ext uri="{FF2B5EF4-FFF2-40B4-BE49-F238E27FC236}">
-                <a16:creationId xmlns:a16="http://schemas.microsoft.com/office/drawing/2014/main" id="{89489A54-51A3-CC7F-3F1E-9D77C345D037}"/>
-              </a:ext>
-            </a:extLst>
-          </p:cNvPr>
-          <p:cNvPicPr>
-            <a:picLocks noChangeAspect="1"/>
-          </p:cNvPicPr>
-          <p:nvPr/>
-        </p:nvPicPr>
-        <p:blipFill>
-          <a:blip r:embed="rId7">
-            <a:extLst>
-              <a:ext uri="{28A0092B-C50C-407E-A947-70E740481C1C}">
-                <a14:useLocalDpi xmlns:a14="http://schemas.microsoft.com/office/drawing/2010/main" val="0"/>
-              </a:ext>
-            </a:extLst>
-          </a:blip>
-          <a:stretch>
-            <a:fillRect/>
-          </a:stretch>
-        </p:blipFill>
-        <p:spPr>
-          <a:xfrm>
-            <a:off x="2054839" y="2646652"/>
-            <a:ext cx="6400813" cy="1828804"/>
-          </a:xfrm>
-          <a:prstGeom prst="rect">
-            <a:avLst/>
-          </a:prstGeom>
-        </p:spPr>
-      </p:pic>
-      <p:sp>
-        <p:nvSpPr>
-          <p:cNvPr id="1672" name="Rectangle 1671">
-            <a:extLst>
-              <a:ext uri="{FF2B5EF4-FFF2-40B4-BE49-F238E27FC236}">
-                <a16:creationId xmlns:a16="http://schemas.microsoft.com/office/drawing/2014/main" id="{639452C2-81BF-B2DE-FC07-23067F0AE389}"/>
-              </a:ext>
-            </a:extLst>
-          </p:cNvPr>
-          <p:cNvSpPr/>
-          <p:nvPr/>
-        </p:nvSpPr>
-        <p:spPr>
-          <a:xfrm>
-            <a:off x="8495076" y="6532443"/>
-            <a:ext cx="3629025" cy="250161"/>
-          </a:xfrm>
-          <a:prstGeom prst="rect">
-            <a:avLst/>
-          </a:prstGeom>
-          <a:noFill/>
-          <a:ln>
-            <a:solidFill>
-              <a:srgbClr val="FFC000"/>
-            </a:solidFill>
-          </a:ln>
-        </p:spPr>
-        <p:style>
-          <a:lnRef idx="2">
-            <a:schemeClr val="accent1">
-              <a:shade val="15000"/>
-            </a:schemeClr>
-          </a:lnRef>
-          <a:fillRef idx="1">
-            <a:schemeClr val="accent1"/>
-          </a:fillRef>
-          <a:effectRef idx="0">
-            <a:schemeClr val="accent1"/>
-          </a:effectRef>
-          <a:fontRef idx="minor">
-            <a:schemeClr val="lt1"/>
-          </a:fontRef>
-        </p:style>
-        <p:txBody>
-          <a:bodyPr rtlCol="0" anchor="ctr"/>
-          <a:lstStyle/>
-          <a:p>
-            <a:pPr algn="ctr"/>
-            <a:endParaRPr lang="en-US"/>
-          </a:p>
-        </p:txBody>
-      </p:sp>
-      <p:sp>
-        <p:nvSpPr>
-          <p:cNvPr id="1364" name="Arrow: Right 1363">
-            <a:extLst>
-              <a:ext uri="{FF2B5EF4-FFF2-40B4-BE49-F238E27FC236}">
-                <a16:creationId xmlns:a16="http://schemas.microsoft.com/office/drawing/2014/main" id="{3AC0F6CE-F909-0A28-7711-97056237B67D}"/>
-              </a:ext>
-            </a:extLst>
-          </p:cNvPr>
-          <p:cNvSpPr/>
-          <p:nvPr/>
-        </p:nvSpPr>
-        <p:spPr>
-          <a:xfrm rot="5400000">
-            <a:off x="954582" y="999393"/>
-            <a:ext cx="125415" cy="386089"/>
-          </a:xfrm>
-          <a:prstGeom prst="rightArrow">
-            <a:avLst/>
-          </a:prstGeom>
-          <a:solidFill>
-            <a:srgbClr val="CBCBCB"/>
-          </a:solidFill>
-          <a:ln>
-            <a:noFill/>
-          </a:ln>
-        </p:spPr>
-        <p:style>
-          <a:lnRef idx="2">
-            <a:schemeClr val="accent1">
-              <a:shade val="15000"/>
-            </a:schemeClr>
-          </a:lnRef>
-          <a:fillRef idx="1">
-            <a:schemeClr val="accent1"/>
-          </a:fillRef>
-          <a:effectRef idx="0">
-            <a:schemeClr val="accent1"/>
-          </a:effectRef>
-          <a:fontRef idx="minor">
-            <a:schemeClr val="lt1"/>
-          </a:fontRef>
-        </p:style>
-        <p:txBody>
-          <a:bodyPr rtlCol="0" anchor="ctr"/>
-          <a:lstStyle/>
-          <a:p>
-            <a:pPr algn="ctr"/>
-            <a:endParaRPr lang="en-US"/>
-          </a:p>
-        </p:txBody>
-      </p:sp>
-      <p:grpSp>
-        <p:nvGrpSpPr>
-          <p:cNvPr id="1365" name="Group 1364">
-            <a:extLst>
-              <a:ext uri="{FF2B5EF4-FFF2-40B4-BE49-F238E27FC236}">
-                <a16:creationId xmlns:a16="http://schemas.microsoft.com/office/drawing/2014/main" id="{9BD0442E-B0C7-AF57-D230-0A707B7374E9}"/>
-              </a:ext>
-            </a:extLst>
-          </p:cNvPr>
-          <p:cNvGrpSpPr/>
-          <p:nvPr/>
-        </p:nvGrpSpPr>
-        <p:grpSpPr>
-          <a:xfrm>
-            <a:off x="259881" y="615983"/>
-            <a:ext cx="1514816" cy="338554"/>
-            <a:chOff x="-69645" y="698949"/>
-            <a:chExt cx="2178751" cy="338554"/>
-          </a:xfrm>
-        </p:grpSpPr>
-        <p:sp>
-          <p:nvSpPr>
-            <p:cNvPr id="1366" name="Rectangle 1365">
-              <a:extLst>
-                <a:ext uri="{FF2B5EF4-FFF2-40B4-BE49-F238E27FC236}">
-                  <a16:creationId xmlns:a16="http://schemas.microsoft.com/office/drawing/2014/main" id="{52145859-C182-45FF-9C56-8EC9109C339E}"/>
-                </a:ext>
-              </a:extLst>
-            </p:cNvPr>
-            <p:cNvSpPr/>
-            <p:nvPr/>
-          </p:nvSpPr>
-          <p:spPr>
-            <a:xfrm>
-              <a:off x="113942" y="750352"/>
-              <a:ext cx="1834757" cy="256032"/>
-            </a:xfrm>
-            <a:prstGeom prst="rect">
-              <a:avLst/>
-            </a:prstGeom>
-            <a:solidFill>
-              <a:schemeClr val="bg1"/>
-            </a:solidFill>
-            <a:ln>
-              <a:solidFill>
-                <a:schemeClr val="tx1"/>
-              </a:solidFill>
-            </a:ln>
-          </p:spPr>
-          <p:style>
-            <a:lnRef idx="2">
-              <a:schemeClr val="accent1">
-                <a:shade val="15000"/>
-              </a:schemeClr>
-            </a:lnRef>
-            <a:fillRef idx="1">
-              <a:schemeClr val="accent1"/>
-            </a:fillRef>
-            <a:effectRef idx="0">
-              <a:schemeClr val="accent1"/>
-            </a:effectRef>
-            <a:fontRef idx="minor">
-              <a:schemeClr val="lt1"/>
-            </a:fontRef>
-          </p:style>
-          <p:txBody>
-            <a:bodyPr rtlCol="0" anchor="ctr"/>
-            <a:lstStyle/>
-            <a:p>
-              <a:pPr algn="ctr"/>
-              <a:endParaRPr lang="en-US" sz="1600">
-                <a:solidFill>
-                  <a:schemeClr val="tx1"/>
-                </a:solidFill>
-              </a:endParaRPr>
-            </a:p>
-          </p:txBody>
-        </p:sp>
-        <p:sp>
-          <p:nvSpPr>
-            <p:cNvPr id="1367" name="TextBox 1366">
-              <a:extLst>
-                <a:ext uri="{FF2B5EF4-FFF2-40B4-BE49-F238E27FC236}">
-                  <a16:creationId xmlns:a16="http://schemas.microsoft.com/office/drawing/2014/main" id="{9FA13F2F-06AB-D843-E33C-707EDA5BFC6A}"/>
-                </a:ext>
-              </a:extLst>
-            </p:cNvPr>
-            <p:cNvSpPr txBox="1"/>
-            <p:nvPr/>
-          </p:nvSpPr>
-          <p:spPr>
-            <a:xfrm>
-              <a:off x="-69645" y="698949"/>
-              <a:ext cx="2178751" cy="338554"/>
-            </a:xfrm>
-            <a:prstGeom prst="rect">
-              <a:avLst/>
-            </a:prstGeom>
-            <a:noFill/>
-          </p:spPr>
-          <p:txBody>
-            <a:bodyPr wrap="square" rtlCol="0">
-              <a:spAutoFit/>
-            </a:bodyPr>
-            <a:lstStyle/>
-            <a:p>
-              <a:pPr algn="ctr"/>
-              <a:r>
-                <a:rPr lang="en-US" sz="1600" b="1" dirty="0"/>
-                <a:t>Importation</a:t>
-              </a:r>
-            </a:p>
-          </p:txBody>
-        </p:sp>
-      </p:grpSp>
-      <p:grpSp>
-        <p:nvGrpSpPr>
-          <p:cNvPr id="1368" name="Group 1367">
-            <a:extLst>
-              <a:ext uri="{FF2B5EF4-FFF2-40B4-BE49-F238E27FC236}">
-                <a16:creationId xmlns:a16="http://schemas.microsoft.com/office/drawing/2014/main" id="{244E61F3-4F5F-0468-B91C-BFD12D2C9B11}"/>
-              </a:ext>
-            </a:extLst>
-          </p:cNvPr>
-          <p:cNvGrpSpPr/>
-          <p:nvPr/>
-        </p:nvGrpSpPr>
-        <p:grpSpPr>
-          <a:xfrm>
-            <a:off x="129591" y="2495739"/>
-            <a:ext cx="1775396" cy="338554"/>
-            <a:chOff x="-11289" y="2786494"/>
-            <a:chExt cx="2170520" cy="338554"/>
-          </a:xfrm>
-        </p:grpSpPr>
-        <p:sp>
-          <p:nvSpPr>
-            <p:cNvPr id="1369" name="Rectangle 1368">
-              <a:extLst>
-                <a:ext uri="{FF2B5EF4-FFF2-40B4-BE49-F238E27FC236}">
-                  <a16:creationId xmlns:a16="http://schemas.microsoft.com/office/drawing/2014/main" id="{DEBBC858-49DA-F9EA-00F2-0CC7F2AA82D3}"/>
-                </a:ext>
-              </a:extLst>
-            </p:cNvPr>
-            <p:cNvSpPr/>
-            <p:nvPr/>
-          </p:nvSpPr>
-          <p:spPr>
-            <a:xfrm>
-              <a:off x="176908" y="2814116"/>
-              <a:ext cx="1835101" cy="256032"/>
-            </a:xfrm>
-            <a:prstGeom prst="rect">
-              <a:avLst/>
-            </a:prstGeom>
-            <a:solidFill>
-              <a:schemeClr val="bg1"/>
-            </a:solidFill>
-            <a:ln>
-              <a:solidFill>
-                <a:schemeClr val="tx1"/>
-              </a:solidFill>
-            </a:ln>
-          </p:spPr>
-          <p:style>
-            <a:lnRef idx="2">
-              <a:schemeClr val="accent1">
-                <a:shade val="15000"/>
-              </a:schemeClr>
-            </a:lnRef>
-            <a:fillRef idx="1">
-              <a:schemeClr val="accent1"/>
-            </a:fillRef>
-            <a:effectRef idx="0">
-              <a:schemeClr val="accent1"/>
-            </a:effectRef>
-            <a:fontRef idx="minor">
-              <a:schemeClr val="lt1"/>
-            </a:fontRef>
-          </p:style>
-          <p:txBody>
-            <a:bodyPr rtlCol="0" anchor="ctr"/>
-            <a:lstStyle/>
-            <a:p>
-              <a:pPr algn="ctr"/>
-              <a:endParaRPr lang="en-US">
-                <a:solidFill>
-                  <a:schemeClr val="tx1"/>
-                </a:solidFill>
-              </a:endParaRPr>
-            </a:p>
-          </p:txBody>
-        </p:sp>
-        <p:sp>
-          <p:nvSpPr>
-            <p:cNvPr id="1370" name="TextBox 1369">
-              <a:extLst>
-                <a:ext uri="{FF2B5EF4-FFF2-40B4-BE49-F238E27FC236}">
-                  <a16:creationId xmlns:a16="http://schemas.microsoft.com/office/drawing/2014/main" id="{364C0C8C-C879-9040-BBF5-F56525E8D36D}"/>
-                </a:ext>
-              </a:extLst>
-            </p:cNvPr>
-            <p:cNvSpPr txBox="1"/>
-            <p:nvPr/>
-          </p:nvSpPr>
-          <p:spPr>
-            <a:xfrm>
-              <a:off x="-11289" y="2786494"/>
-              <a:ext cx="2170520" cy="338554"/>
-            </a:xfrm>
-            <a:prstGeom prst="rect">
-              <a:avLst/>
-            </a:prstGeom>
-            <a:noFill/>
-          </p:spPr>
-          <p:txBody>
-            <a:bodyPr wrap="square" rtlCol="0">
-              <a:spAutoFit/>
-            </a:bodyPr>
-            <a:lstStyle/>
-            <a:p>
-              <a:pPr algn="ctr"/>
-              <a:r>
-                <a:rPr lang="en-US" sz="1600" b="1" dirty="0"/>
-                <a:t>Normalization</a:t>
-              </a:r>
-            </a:p>
-          </p:txBody>
-        </p:sp>
-      </p:grpSp>
-      <p:grpSp>
-        <p:nvGrpSpPr>
-          <p:cNvPr id="1371" name="Group 1370">
-            <a:extLst>
-              <a:ext uri="{FF2B5EF4-FFF2-40B4-BE49-F238E27FC236}">
-                <a16:creationId xmlns:a16="http://schemas.microsoft.com/office/drawing/2014/main" id="{57156304-C56E-D2A5-F38A-66B6825A4C2C}"/>
-              </a:ext>
-            </a:extLst>
-          </p:cNvPr>
-          <p:cNvGrpSpPr/>
-          <p:nvPr/>
-        </p:nvGrpSpPr>
-        <p:grpSpPr>
-          <a:xfrm>
-            <a:off x="126166" y="3893924"/>
-            <a:ext cx="1782247" cy="830997"/>
-            <a:chOff x="27906" y="5317845"/>
-            <a:chExt cx="2185416" cy="830997"/>
-          </a:xfrm>
-        </p:grpSpPr>
-        <p:sp>
-          <p:nvSpPr>
-            <p:cNvPr id="1372" name="Rectangle 1371">
-              <a:extLst>
-                <a:ext uri="{FF2B5EF4-FFF2-40B4-BE49-F238E27FC236}">
-                  <a16:creationId xmlns:a16="http://schemas.microsoft.com/office/drawing/2014/main" id="{1A18FAD4-5848-9BEF-E1A2-2E16E6009058}"/>
-                </a:ext>
-              </a:extLst>
-            </p:cNvPr>
-            <p:cNvSpPr/>
-            <p:nvPr/>
-          </p:nvSpPr>
-          <p:spPr>
-            <a:xfrm>
-              <a:off x="292267" y="5372080"/>
-              <a:ext cx="1658952" cy="729608"/>
-            </a:xfrm>
-            <a:prstGeom prst="rect">
-              <a:avLst/>
-            </a:prstGeom>
-            <a:solidFill>
-              <a:schemeClr val="bg1"/>
-            </a:solidFill>
-            <a:ln>
-              <a:solidFill>
-                <a:schemeClr val="tx1"/>
-              </a:solidFill>
-            </a:ln>
-          </p:spPr>
-          <p:style>
-            <a:lnRef idx="2">
-              <a:schemeClr val="accent1">
-                <a:shade val="15000"/>
-              </a:schemeClr>
-            </a:lnRef>
-            <a:fillRef idx="1">
-              <a:schemeClr val="accent1"/>
-            </a:fillRef>
-            <a:effectRef idx="0">
-              <a:schemeClr val="accent1"/>
-            </a:effectRef>
-            <a:fontRef idx="minor">
-              <a:schemeClr val="lt1"/>
-            </a:fontRef>
-          </p:style>
-          <p:txBody>
-            <a:bodyPr rtlCol="0" anchor="ctr"/>
-            <a:lstStyle/>
-            <a:p>
-              <a:pPr algn="ctr"/>
-              <a:endParaRPr lang="en-US">
-                <a:solidFill>
-                  <a:schemeClr val="tx1"/>
-                </a:solidFill>
-              </a:endParaRPr>
-            </a:p>
-          </p:txBody>
-        </p:sp>
-        <p:sp>
-          <p:nvSpPr>
-            <p:cNvPr id="1373" name="TextBox 1372">
-              <a:extLst>
-                <a:ext uri="{FF2B5EF4-FFF2-40B4-BE49-F238E27FC236}">
-                  <a16:creationId xmlns:a16="http://schemas.microsoft.com/office/drawing/2014/main" id="{32FE405E-E645-BAC1-3F64-7177B0078243}"/>
-                </a:ext>
-              </a:extLst>
-            </p:cNvPr>
-            <p:cNvSpPr txBox="1"/>
-            <p:nvPr/>
-          </p:nvSpPr>
-          <p:spPr>
-            <a:xfrm>
-              <a:off x="27906" y="5317845"/>
-              <a:ext cx="2185416" cy="830997"/>
-            </a:xfrm>
-            <a:prstGeom prst="rect">
-              <a:avLst/>
-            </a:prstGeom>
-            <a:noFill/>
-          </p:spPr>
-          <p:txBody>
-            <a:bodyPr wrap="square" rtlCol="0">
-              <a:spAutoFit/>
-            </a:bodyPr>
-            <a:lstStyle/>
-            <a:p>
-              <a:pPr algn="ctr"/>
-              <a:r>
-                <a:rPr lang="en-US" sz="1600" b="1" dirty="0"/>
-                <a:t>Linear Dimensional </a:t>
-              </a:r>
-            </a:p>
-            <a:p>
-              <a:pPr algn="ctr"/>
-              <a:r>
-                <a:rPr lang="en-US" sz="1600" b="1" dirty="0"/>
-                <a:t>Reduction </a:t>
-              </a:r>
-            </a:p>
-          </p:txBody>
-        </p:sp>
-      </p:grpSp>
-      <p:grpSp>
-        <p:nvGrpSpPr>
-          <p:cNvPr id="1374" name="Group 1373">
-            <a:extLst>
-              <a:ext uri="{FF2B5EF4-FFF2-40B4-BE49-F238E27FC236}">
-                <a16:creationId xmlns:a16="http://schemas.microsoft.com/office/drawing/2014/main" id="{13EE33EA-D2BC-606A-EDE3-48B96A112BDD}"/>
-              </a:ext>
-            </a:extLst>
-          </p:cNvPr>
-          <p:cNvGrpSpPr/>
-          <p:nvPr/>
-        </p:nvGrpSpPr>
-        <p:grpSpPr>
-          <a:xfrm>
-            <a:off x="297313" y="5068440"/>
-            <a:ext cx="1439952" cy="338554"/>
-            <a:chOff x="154851" y="5720670"/>
-            <a:chExt cx="2215538" cy="338554"/>
-          </a:xfrm>
-        </p:grpSpPr>
-        <p:sp>
-          <p:nvSpPr>
-            <p:cNvPr id="1375" name="Rectangle 1374">
-              <a:extLst>
-                <a:ext uri="{FF2B5EF4-FFF2-40B4-BE49-F238E27FC236}">
-                  <a16:creationId xmlns:a16="http://schemas.microsoft.com/office/drawing/2014/main" id="{506A4FAF-4B24-8841-F8CA-3554E4A6E2D1}"/>
-                </a:ext>
-              </a:extLst>
-            </p:cNvPr>
-            <p:cNvSpPr/>
-            <p:nvPr/>
-          </p:nvSpPr>
-          <p:spPr>
-            <a:xfrm>
-              <a:off x="199869" y="5754457"/>
-              <a:ext cx="2170520" cy="282928"/>
-            </a:xfrm>
-            <a:prstGeom prst="rect">
-              <a:avLst/>
-            </a:prstGeom>
-            <a:solidFill>
-              <a:schemeClr val="bg1"/>
-            </a:solidFill>
-            <a:ln>
-              <a:solidFill>
-                <a:schemeClr val="tx1"/>
-              </a:solidFill>
-            </a:ln>
-          </p:spPr>
-          <p:style>
-            <a:lnRef idx="2">
-              <a:schemeClr val="accent1">
-                <a:shade val="15000"/>
-              </a:schemeClr>
-            </a:lnRef>
-            <a:fillRef idx="1">
-              <a:schemeClr val="accent1"/>
-            </a:fillRef>
-            <a:effectRef idx="0">
-              <a:schemeClr val="accent1"/>
-            </a:effectRef>
-            <a:fontRef idx="minor">
-              <a:schemeClr val="lt1"/>
-            </a:fontRef>
-          </p:style>
-          <p:txBody>
-            <a:bodyPr rtlCol="0" anchor="ctr"/>
-            <a:lstStyle/>
-            <a:p>
-              <a:pPr algn="ctr"/>
-              <a:endParaRPr lang="en-US">
-                <a:solidFill>
-                  <a:schemeClr val="tx1"/>
-                </a:solidFill>
-              </a:endParaRPr>
-            </a:p>
-          </p:txBody>
-        </p:sp>
-        <p:sp>
-          <p:nvSpPr>
-            <p:cNvPr id="1376" name="TextBox 1375">
-              <a:extLst>
-                <a:ext uri="{FF2B5EF4-FFF2-40B4-BE49-F238E27FC236}">
-                  <a16:creationId xmlns:a16="http://schemas.microsoft.com/office/drawing/2014/main" id="{91921D07-DF43-215F-B7A3-F54C57834D68}"/>
-                </a:ext>
-              </a:extLst>
-            </p:cNvPr>
-            <p:cNvSpPr txBox="1"/>
-            <p:nvPr/>
-          </p:nvSpPr>
-          <p:spPr>
-            <a:xfrm>
-              <a:off x="154851" y="5720670"/>
-              <a:ext cx="2170520" cy="338554"/>
-            </a:xfrm>
-            <a:prstGeom prst="rect">
-              <a:avLst/>
-            </a:prstGeom>
-            <a:noFill/>
-          </p:spPr>
-          <p:txBody>
-            <a:bodyPr wrap="square" rtlCol="0">
-              <a:spAutoFit/>
-            </a:bodyPr>
-            <a:lstStyle/>
-            <a:p>
-              <a:pPr algn="ctr"/>
-              <a:r>
-                <a:rPr lang="en-US" sz="1600" b="1" dirty="0"/>
-                <a:t>Clustering</a:t>
-              </a:r>
-            </a:p>
-          </p:txBody>
-        </p:sp>
-      </p:grpSp>
-      <p:grpSp>
-        <p:nvGrpSpPr>
-          <p:cNvPr id="1377" name="Group 1376">
-            <a:extLst>
-              <a:ext uri="{FF2B5EF4-FFF2-40B4-BE49-F238E27FC236}">
-                <a16:creationId xmlns:a16="http://schemas.microsoft.com/office/drawing/2014/main" id="{1EBF1FF2-8F68-F54C-A759-AC79E7B11C2C}"/>
-              </a:ext>
-            </a:extLst>
-          </p:cNvPr>
-          <p:cNvGrpSpPr/>
-          <p:nvPr/>
-        </p:nvGrpSpPr>
-        <p:grpSpPr>
-          <a:xfrm>
-            <a:off x="497860" y="1868568"/>
-            <a:ext cx="1038858" cy="338554"/>
-            <a:chOff x="59136" y="2068190"/>
-            <a:chExt cx="2233557" cy="338554"/>
-          </a:xfrm>
-        </p:grpSpPr>
-        <p:sp>
-          <p:nvSpPr>
-            <p:cNvPr id="1378" name="Rectangle 1377">
-              <a:extLst>
-                <a:ext uri="{FF2B5EF4-FFF2-40B4-BE49-F238E27FC236}">
-                  <a16:creationId xmlns:a16="http://schemas.microsoft.com/office/drawing/2014/main" id="{1F189752-6BE2-2AE9-9D8B-A1A3BCC337A5}"/>
-                </a:ext>
-              </a:extLst>
-            </p:cNvPr>
-            <p:cNvSpPr/>
-            <p:nvPr/>
-          </p:nvSpPr>
-          <p:spPr>
-            <a:xfrm>
-              <a:off x="113938" y="2120893"/>
-              <a:ext cx="2178755" cy="256032"/>
-            </a:xfrm>
-            <a:prstGeom prst="rect">
-              <a:avLst/>
-            </a:prstGeom>
-            <a:solidFill>
-              <a:schemeClr val="bg1"/>
-            </a:solidFill>
-            <a:ln>
-              <a:solidFill>
-                <a:schemeClr val="tx1"/>
-              </a:solidFill>
-            </a:ln>
-          </p:spPr>
-          <p:style>
-            <a:lnRef idx="2">
-              <a:schemeClr val="accent1">
-                <a:shade val="15000"/>
-              </a:schemeClr>
-            </a:lnRef>
-            <a:fillRef idx="1">
-              <a:schemeClr val="accent1"/>
-            </a:fillRef>
-            <a:effectRef idx="0">
-              <a:schemeClr val="accent1"/>
-            </a:effectRef>
-            <a:fontRef idx="minor">
-              <a:schemeClr val="lt1"/>
-            </a:fontRef>
-          </p:style>
-          <p:txBody>
-            <a:bodyPr rtlCol="0" anchor="ctr"/>
-            <a:lstStyle/>
-            <a:p>
-              <a:pPr algn="ctr"/>
-              <a:endParaRPr lang="en-US" sz="1600" b="1" dirty="0">
-                <a:solidFill>
-                  <a:schemeClr val="tx1"/>
-                </a:solidFill>
-              </a:endParaRPr>
-            </a:p>
-          </p:txBody>
-        </p:sp>
-        <p:sp>
-          <p:nvSpPr>
-            <p:cNvPr id="1379" name="TextBox 1378">
-              <a:extLst>
-                <a:ext uri="{FF2B5EF4-FFF2-40B4-BE49-F238E27FC236}">
-                  <a16:creationId xmlns:a16="http://schemas.microsoft.com/office/drawing/2014/main" id="{33829BD9-7F42-416F-7DD7-341E6A1837C7}"/>
-                </a:ext>
-              </a:extLst>
-            </p:cNvPr>
-            <p:cNvSpPr txBox="1"/>
-            <p:nvPr/>
-          </p:nvSpPr>
-          <p:spPr>
-            <a:xfrm>
-              <a:off x="59136" y="2068190"/>
-              <a:ext cx="2204989" cy="338554"/>
-            </a:xfrm>
-            <a:prstGeom prst="rect">
-              <a:avLst/>
-            </a:prstGeom>
-            <a:noFill/>
-          </p:spPr>
-          <p:txBody>
-            <a:bodyPr wrap="square" rtlCol="0">
-              <a:spAutoFit/>
-            </a:bodyPr>
-            <a:lstStyle/>
-            <a:p>
-              <a:pPr algn="ctr"/>
-              <a:r>
-                <a:rPr lang="en-US" sz="1600" b="1" dirty="0"/>
-                <a:t>Filtering</a:t>
-              </a:r>
-            </a:p>
-          </p:txBody>
-        </p:sp>
-      </p:grpSp>
-      <p:grpSp>
-        <p:nvGrpSpPr>
-          <p:cNvPr id="1380" name="Group 1379">
-            <a:extLst>
-              <a:ext uri="{FF2B5EF4-FFF2-40B4-BE49-F238E27FC236}">
-                <a16:creationId xmlns:a16="http://schemas.microsoft.com/office/drawing/2014/main" id="{C60935D0-EB1B-D16B-4F6A-BF1522733D2D}"/>
-              </a:ext>
-            </a:extLst>
-          </p:cNvPr>
-          <p:cNvGrpSpPr/>
-          <p:nvPr/>
-        </p:nvGrpSpPr>
-        <p:grpSpPr>
-          <a:xfrm>
-            <a:off x="10652" y="1251183"/>
-            <a:ext cx="2013275" cy="338554"/>
-            <a:chOff x="97343" y="1300458"/>
-            <a:chExt cx="2194560" cy="338554"/>
-          </a:xfrm>
-        </p:grpSpPr>
-        <p:sp>
-          <p:nvSpPr>
-            <p:cNvPr id="1381" name="Rectangle 1380">
-              <a:extLst>
-                <a:ext uri="{FF2B5EF4-FFF2-40B4-BE49-F238E27FC236}">
-                  <a16:creationId xmlns:a16="http://schemas.microsoft.com/office/drawing/2014/main" id="{1985F2A3-20C7-10AC-F1CC-FD1524861584}"/>
-                </a:ext>
-              </a:extLst>
-            </p:cNvPr>
-            <p:cNvSpPr/>
-            <p:nvPr/>
-          </p:nvSpPr>
-          <p:spPr>
-            <a:xfrm>
-              <a:off x="179627" y="1332386"/>
-              <a:ext cx="2062017" cy="256032"/>
-            </a:xfrm>
-            <a:prstGeom prst="rect">
-              <a:avLst/>
-            </a:prstGeom>
-            <a:solidFill>
-              <a:schemeClr val="bg1"/>
-            </a:solidFill>
-            <a:ln>
-              <a:solidFill>
-                <a:schemeClr val="tx1"/>
-              </a:solidFill>
-            </a:ln>
-          </p:spPr>
-          <p:style>
-            <a:lnRef idx="2">
-              <a:schemeClr val="accent1">
-                <a:shade val="15000"/>
-              </a:schemeClr>
-            </a:lnRef>
-            <a:fillRef idx="1">
-              <a:schemeClr val="accent1"/>
-            </a:fillRef>
-            <a:effectRef idx="0">
-              <a:schemeClr val="accent1"/>
-            </a:effectRef>
-            <a:fontRef idx="minor">
-              <a:schemeClr val="lt1"/>
-            </a:fontRef>
-          </p:style>
-          <p:txBody>
-            <a:bodyPr rtlCol="0" anchor="ctr"/>
-            <a:lstStyle/>
-            <a:p>
-              <a:pPr algn="ctr"/>
-              <a:endParaRPr lang="en-US">
-                <a:solidFill>
-                  <a:schemeClr val="tx1"/>
-                </a:solidFill>
-              </a:endParaRPr>
-            </a:p>
-          </p:txBody>
-        </p:sp>
-        <p:sp>
-          <p:nvSpPr>
-            <p:cNvPr id="1382" name="TextBox 1381">
-              <a:extLst>
-                <a:ext uri="{FF2B5EF4-FFF2-40B4-BE49-F238E27FC236}">
-                  <a16:creationId xmlns:a16="http://schemas.microsoft.com/office/drawing/2014/main" id="{B1536E7B-F574-6FF8-FFAD-6F46AF51195A}"/>
-                </a:ext>
-              </a:extLst>
-            </p:cNvPr>
-            <p:cNvSpPr txBox="1"/>
-            <p:nvPr/>
-          </p:nvSpPr>
-          <p:spPr>
-            <a:xfrm>
-              <a:off x="97343" y="1300458"/>
-              <a:ext cx="2194560" cy="338554"/>
-            </a:xfrm>
-            <a:prstGeom prst="rect">
-              <a:avLst/>
-            </a:prstGeom>
-            <a:noFill/>
-          </p:spPr>
-          <p:txBody>
-            <a:bodyPr wrap="square" rtlCol="0">
-              <a:spAutoFit/>
-            </a:bodyPr>
-            <a:lstStyle/>
-            <a:p>
-              <a:pPr algn="ctr"/>
-              <a:r>
-                <a:rPr lang="en-US" sz="1600" b="1" dirty="0"/>
-                <a:t>Metadata Curation</a:t>
-              </a:r>
-            </a:p>
-          </p:txBody>
-        </p:sp>
-      </p:grpSp>
-      <p:grpSp>
-        <p:nvGrpSpPr>
-          <p:cNvPr id="1383" name="Group 1382">
-            <a:extLst>
-              <a:ext uri="{FF2B5EF4-FFF2-40B4-BE49-F238E27FC236}">
-                <a16:creationId xmlns:a16="http://schemas.microsoft.com/office/drawing/2014/main" id="{EC7F45D4-380D-646F-393F-8FD54EAFE87D}"/>
-              </a:ext>
-            </a:extLst>
-          </p:cNvPr>
-          <p:cNvGrpSpPr/>
-          <p:nvPr/>
-        </p:nvGrpSpPr>
-        <p:grpSpPr>
-          <a:xfrm>
-            <a:off x="442419" y="3286428"/>
-            <a:ext cx="1149740" cy="338554"/>
-            <a:chOff x="-63988" y="3721744"/>
-            <a:chExt cx="2170519" cy="338554"/>
-          </a:xfrm>
-        </p:grpSpPr>
-        <p:sp>
-          <p:nvSpPr>
-            <p:cNvPr id="1384" name="Rectangle 1383">
-              <a:extLst>
-                <a:ext uri="{FF2B5EF4-FFF2-40B4-BE49-F238E27FC236}">
-                  <a16:creationId xmlns:a16="http://schemas.microsoft.com/office/drawing/2014/main" id="{6DD0EA8B-CBB4-1B54-3DEB-C193CFB59757}"/>
-                </a:ext>
-              </a:extLst>
-            </p:cNvPr>
-            <p:cNvSpPr/>
-            <p:nvPr/>
-          </p:nvSpPr>
-          <p:spPr>
-            <a:xfrm>
-              <a:off x="87705" y="3760558"/>
-              <a:ext cx="1918995" cy="281534"/>
-            </a:xfrm>
-            <a:prstGeom prst="rect">
-              <a:avLst/>
-            </a:prstGeom>
-            <a:solidFill>
-              <a:schemeClr val="bg1"/>
-            </a:solidFill>
-            <a:ln>
-              <a:solidFill>
-                <a:schemeClr val="tx1"/>
-              </a:solidFill>
-            </a:ln>
-          </p:spPr>
-          <p:style>
-            <a:lnRef idx="2">
-              <a:schemeClr val="accent1">
-                <a:shade val="15000"/>
-              </a:schemeClr>
-            </a:lnRef>
-            <a:fillRef idx="1">
-              <a:schemeClr val="accent1"/>
-            </a:fillRef>
-            <a:effectRef idx="0">
-              <a:schemeClr val="accent1"/>
-            </a:effectRef>
-            <a:fontRef idx="minor">
-              <a:schemeClr val="lt1"/>
-            </a:fontRef>
-          </p:style>
-          <p:txBody>
-            <a:bodyPr rtlCol="0" anchor="ctr"/>
-            <a:lstStyle/>
-            <a:p>
-              <a:pPr algn="ctr"/>
-              <a:endParaRPr lang="en-US">
-                <a:solidFill>
-                  <a:schemeClr val="tx1"/>
-                </a:solidFill>
-              </a:endParaRPr>
-            </a:p>
-          </p:txBody>
-        </p:sp>
-        <p:sp>
-          <p:nvSpPr>
-            <p:cNvPr id="1388" name="TextBox 1387">
-              <a:extLst>
-                <a:ext uri="{FF2B5EF4-FFF2-40B4-BE49-F238E27FC236}">
-                  <a16:creationId xmlns:a16="http://schemas.microsoft.com/office/drawing/2014/main" id="{BC185B3E-F252-ACED-19DF-045F14B5809F}"/>
-                </a:ext>
-              </a:extLst>
-            </p:cNvPr>
-            <p:cNvSpPr txBox="1"/>
-            <p:nvPr/>
-          </p:nvSpPr>
-          <p:spPr>
-            <a:xfrm>
-              <a:off x="-63988" y="3721744"/>
-              <a:ext cx="2170519" cy="338554"/>
-            </a:xfrm>
-            <a:prstGeom prst="rect">
-              <a:avLst/>
-            </a:prstGeom>
-            <a:noFill/>
-          </p:spPr>
-          <p:txBody>
-            <a:bodyPr wrap="square" rtlCol="0">
-              <a:spAutoFit/>
-            </a:bodyPr>
-            <a:lstStyle/>
-            <a:p>
-              <a:pPr algn="ctr"/>
-              <a:r>
-                <a:rPr lang="en-US" sz="1600" b="1" dirty="0"/>
-                <a:t>Scaling</a:t>
-              </a:r>
-            </a:p>
-          </p:txBody>
-        </p:sp>
-      </p:grpSp>
-      <p:sp>
-        <p:nvSpPr>
-          <p:cNvPr id="1389" name="TextBox 1388">
-            <a:extLst>
-              <a:ext uri="{FF2B5EF4-FFF2-40B4-BE49-F238E27FC236}">
-                <a16:creationId xmlns:a16="http://schemas.microsoft.com/office/drawing/2014/main" id="{08BDF508-13C8-48F9-2943-5F2311D295AD}"/>
-              </a:ext>
-            </a:extLst>
-          </p:cNvPr>
-          <p:cNvSpPr txBox="1"/>
-          <p:nvPr/>
-        </p:nvSpPr>
-        <p:spPr>
-          <a:xfrm>
-            <a:off x="116204" y="872289"/>
-            <a:ext cx="1802171" cy="276999"/>
-          </a:xfrm>
-          <a:prstGeom prst="rect">
-            <a:avLst/>
-          </a:prstGeom>
-          <a:noFill/>
-        </p:spPr>
-        <p:txBody>
-          <a:bodyPr wrap="square">
-            <a:spAutoFit/>
-          </a:bodyPr>
-          <a:lstStyle/>
-          <a:p>
-            <a:pPr algn="ctr"/>
-            <a:r>
-              <a:rPr lang="en-US" sz="1200" i="1" dirty="0" err="1"/>
-              <a:t>CreateSeuratObject</a:t>
-            </a:r>
-            <a:r>
-              <a:rPr lang="en-US" sz="1200" i="1" dirty="0"/>
-              <a:t>()</a:t>
-            </a:r>
-          </a:p>
-        </p:txBody>
-      </p:sp>
-      <p:sp>
-        <p:nvSpPr>
-          <p:cNvPr id="1390" name="TextBox 1389">
-            <a:extLst>
-              <a:ext uri="{FF2B5EF4-FFF2-40B4-BE49-F238E27FC236}">
-                <a16:creationId xmlns:a16="http://schemas.microsoft.com/office/drawing/2014/main" id="{2DCD85CC-A7B5-0DE9-F042-51D3D0C1F43B}"/>
-              </a:ext>
-            </a:extLst>
-          </p:cNvPr>
-          <p:cNvSpPr txBox="1"/>
-          <p:nvPr/>
-        </p:nvSpPr>
-        <p:spPr>
-          <a:xfrm>
-            <a:off x="95851" y="1480009"/>
-            <a:ext cx="1842877" cy="276999"/>
-          </a:xfrm>
-          <a:prstGeom prst="rect">
-            <a:avLst/>
-          </a:prstGeom>
-          <a:noFill/>
-        </p:spPr>
-        <p:txBody>
-          <a:bodyPr wrap="square">
-            <a:spAutoFit/>
-          </a:bodyPr>
-          <a:lstStyle/>
-          <a:p>
-            <a:pPr algn="ctr"/>
-            <a:r>
-              <a:rPr lang="en-US" sz="1200" i="1" dirty="0" err="1"/>
-              <a:t>PercentageFeatureSet</a:t>
-            </a:r>
-            <a:r>
-              <a:rPr lang="en-US" sz="1200" i="1" dirty="0"/>
-              <a:t>()</a:t>
-            </a:r>
-          </a:p>
-        </p:txBody>
-      </p:sp>
-      <p:sp>
-        <p:nvSpPr>
-          <p:cNvPr id="1391" name="TextBox 1390">
-            <a:extLst>
-              <a:ext uri="{FF2B5EF4-FFF2-40B4-BE49-F238E27FC236}">
-                <a16:creationId xmlns:a16="http://schemas.microsoft.com/office/drawing/2014/main" id="{632B9F3A-4FD3-DC85-FBAB-85B7F13B1BAC}"/>
-              </a:ext>
-            </a:extLst>
-          </p:cNvPr>
-          <p:cNvSpPr txBox="1"/>
-          <p:nvPr/>
-        </p:nvSpPr>
-        <p:spPr>
-          <a:xfrm>
-            <a:off x="599219" y="2119187"/>
-            <a:ext cx="836140" cy="276999"/>
-          </a:xfrm>
-          <a:prstGeom prst="rect">
-            <a:avLst/>
-          </a:prstGeom>
-          <a:noFill/>
-        </p:spPr>
-        <p:txBody>
-          <a:bodyPr wrap="square">
-            <a:spAutoFit/>
-          </a:bodyPr>
-          <a:lstStyle/>
-          <a:p>
-            <a:pPr algn="ctr"/>
-            <a:r>
-              <a:rPr lang="en-US" sz="1200" i="1" dirty="0"/>
-              <a:t>subset()</a:t>
-            </a:r>
-          </a:p>
-        </p:txBody>
-      </p:sp>
-      <p:sp>
-        <p:nvSpPr>
-          <p:cNvPr id="1392" name="TextBox 1391">
-            <a:extLst>
-              <a:ext uri="{FF2B5EF4-FFF2-40B4-BE49-F238E27FC236}">
-                <a16:creationId xmlns:a16="http://schemas.microsoft.com/office/drawing/2014/main" id="{C6389F6A-60A3-3666-0C10-94644D938BF8}"/>
-              </a:ext>
-            </a:extLst>
-          </p:cNvPr>
-          <p:cNvSpPr txBox="1"/>
-          <p:nvPr/>
-        </p:nvSpPr>
-        <p:spPr>
-          <a:xfrm>
-            <a:off x="278254" y="2741589"/>
-            <a:ext cx="1478071" cy="276999"/>
-          </a:xfrm>
-          <a:prstGeom prst="rect">
-            <a:avLst/>
-          </a:prstGeom>
-          <a:noFill/>
-        </p:spPr>
-        <p:txBody>
-          <a:bodyPr wrap="square">
-            <a:spAutoFit/>
-          </a:bodyPr>
-          <a:lstStyle/>
-          <a:p>
-            <a:pPr algn="ctr"/>
-            <a:r>
-              <a:rPr lang="en-US" sz="1200" i="1" dirty="0" err="1"/>
-              <a:t>NormalizeData</a:t>
-            </a:r>
-            <a:r>
-              <a:rPr lang="en-US" sz="1200" i="1" dirty="0"/>
-              <a:t>()</a:t>
-            </a:r>
-          </a:p>
-        </p:txBody>
-      </p:sp>
-      <p:sp>
-        <p:nvSpPr>
-          <p:cNvPr id="1393" name="TextBox 1392">
-            <a:extLst>
-              <a:ext uri="{FF2B5EF4-FFF2-40B4-BE49-F238E27FC236}">
-                <a16:creationId xmlns:a16="http://schemas.microsoft.com/office/drawing/2014/main" id="{8712BB4C-F7C6-80D7-2AEF-B4C7F85236B4}"/>
-              </a:ext>
-            </a:extLst>
-          </p:cNvPr>
-          <p:cNvSpPr txBox="1"/>
-          <p:nvPr/>
-        </p:nvSpPr>
-        <p:spPr>
-          <a:xfrm>
-            <a:off x="230288" y="2911408"/>
-            <a:ext cx="1574002" cy="276999"/>
-          </a:xfrm>
-          <a:prstGeom prst="rect">
-            <a:avLst/>
-          </a:prstGeom>
-          <a:noFill/>
-        </p:spPr>
-        <p:txBody>
-          <a:bodyPr wrap="square">
-            <a:spAutoFit/>
-          </a:bodyPr>
-          <a:lstStyle/>
-          <a:p>
-            <a:pPr algn="ctr"/>
-            <a:r>
-              <a:rPr lang="en-US" sz="1200" i="1" dirty="0" err="1"/>
-              <a:t>FindVariableFeatures</a:t>
-            </a:r>
-            <a:r>
-              <a:rPr lang="en-US" sz="1200" i="1" dirty="0"/>
-              <a:t>()</a:t>
-            </a:r>
-          </a:p>
-        </p:txBody>
-      </p:sp>
-      <p:sp>
-        <p:nvSpPr>
-          <p:cNvPr id="1394" name="TextBox 1393">
-            <a:extLst>
-              <a:ext uri="{FF2B5EF4-FFF2-40B4-BE49-F238E27FC236}">
-                <a16:creationId xmlns:a16="http://schemas.microsoft.com/office/drawing/2014/main" id="{4DDA4506-6C73-4A3D-7CE1-1AB501BCAB56}"/>
-              </a:ext>
-            </a:extLst>
-          </p:cNvPr>
-          <p:cNvSpPr txBox="1"/>
-          <p:nvPr/>
-        </p:nvSpPr>
-        <p:spPr>
-          <a:xfrm>
-            <a:off x="548026" y="3551210"/>
-            <a:ext cx="938526" cy="276999"/>
-          </a:xfrm>
-          <a:prstGeom prst="rect">
-            <a:avLst/>
-          </a:prstGeom>
-          <a:noFill/>
-        </p:spPr>
-        <p:txBody>
-          <a:bodyPr wrap="square">
-            <a:spAutoFit/>
-          </a:bodyPr>
-          <a:lstStyle/>
-          <a:p>
-            <a:pPr algn="ctr"/>
-            <a:r>
-              <a:rPr lang="en-US" sz="1200" i="1" dirty="0" err="1"/>
-              <a:t>ScaleData</a:t>
-            </a:r>
-            <a:r>
-              <a:rPr lang="en-US" sz="1200" i="1" dirty="0"/>
-              <a:t>()</a:t>
-            </a:r>
-          </a:p>
-        </p:txBody>
-      </p:sp>
-      <p:sp>
-        <p:nvSpPr>
-          <p:cNvPr id="1395" name="TextBox 1394">
-            <a:extLst>
-              <a:ext uri="{FF2B5EF4-FFF2-40B4-BE49-F238E27FC236}">
-                <a16:creationId xmlns:a16="http://schemas.microsoft.com/office/drawing/2014/main" id="{BFA7F341-8D71-E3C2-E7F9-2BCC3C2E6575}"/>
-              </a:ext>
-            </a:extLst>
-          </p:cNvPr>
-          <p:cNvSpPr txBox="1"/>
-          <p:nvPr/>
-        </p:nvSpPr>
-        <p:spPr>
-          <a:xfrm>
-            <a:off x="132240" y="4654161"/>
-            <a:ext cx="1770098" cy="276999"/>
-          </a:xfrm>
-          <a:prstGeom prst="rect">
-            <a:avLst/>
-          </a:prstGeom>
-          <a:noFill/>
-        </p:spPr>
-        <p:txBody>
-          <a:bodyPr wrap="square">
-            <a:spAutoFit/>
-          </a:bodyPr>
-          <a:lstStyle/>
-          <a:p>
-            <a:pPr algn="ctr"/>
-            <a:r>
-              <a:rPr lang="en-US" sz="1200" i="1" dirty="0" err="1"/>
-              <a:t>RunPCA</a:t>
-            </a:r>
-            <a:r>
-              <a:rPr lang="en-US" sz="1200" i="1" dirty="0"/>
-              <a:t>(),   </a:t>
-            </a:r>
-            <a:r>
-              <a:rPr lang="en-US" sz="1200" i="1" dirty="0" err="1"/>
-              <a:t>ElbowPlot</a:t>
-            </a:r>
-            <a:r>
-              <a:rPr lang="en-US" sz="1200" i="1" dirty="0"/>
-              <a:t>() </a:t>
-            </a:r>
-          </a:p>
-        </p:txBody>
-      </p:sp>
-      <p:sp>
-        <p:nvSpPr>
-          <p:cNvPr id="1396" name="TextBox 1395">
-            <a:extLst>
-              <a:ext uri="{FF2B5EF4-FFF2-40B4-BE49-F238E27FC236}">
-                <a16:creationId xmlns:a16="http://schemas.microsoft.com/office/drawing/2014/main" id="{55F7EB5A-AE48-8C16-E040-F08809C56F69}"/>
-              </a:ext>
-            </a:extLst>
-          </p:cNvPr>
-          <p:cNvSpPr txBox="1"/>
-          <p:nvPr/>
-        </p:nvSpPr>
-        <p:spPr>
-          <a:xfrm>
-            <a:off x="121397" y="6514655"/>
-            <a:ext cx="1791785" cy="276999"/>
-          </a:xfrm>
-          <a:prstGeom prst="rect">
-            <a:avLst/>
-          </a:prstGeom>
-          <a:noFill/>
-        </p:spPr>
-        <p:txBody>
-          <a:bodyPr wrap="square">
-            <a:spAutoFit/>
-          </a:bodyPr>
-          <a:lstStyle/>
-          <a:p>
-            <a:pPr algn="ctr"/>
-            <a:r>
-              <a:rPr lang="en-US" sz="1200" i="1" dirty="0" err="1"/>
-              <a:t>RunUMAP</a:t>
-            </a:r>
-            <a:r>
-              <a:rPr lang="en-US" sz="1200" i="1" dirty="0"/>
-              <a:t>(), </a:t>
-            </a:r>
-            <a:r>
-              <a:rPr lang="en-US" sz="1200" i="1" dirty="0" err="1"/>
-              <a:t>DimPlot</a:t>
-            </a:r>
-            <a:r>
-              <a:rPr lang="en-US" sz="1200" i="1" dirty="0"/>
-              <a:t>()</a:t>
-            </a:r>
-          </a:p>
-        </p:txBody>
-      </p:sp>
-      <p:grpSp>
-        <p:nvGrpSpPr>
-          <p:cNvPr id="1397" name="Group 1396">
-            <a:extLst>
-              <a:ext uri="{FF2B5EF4-FFF2-40B4-BE49-F238E27FC236}">
-                <a16:creationId xmlns:a16="http://schemas.microsoft.com/office/drawing/2014/main" id="{7C6D8CE5-9104-67F8-7B14-C9A50577E12E}"/>
-              </a:ext>
-            </a:extLst>
-          </p:cNvPr>
-          <p:cNvGrpSpPr/>
-          <p:nvPr/>
-        </p:nvGrpSpPr>
-        <p:grpSpPr>
-          <a:xfrm>
-            <a:off x="311331" y="5752796"/>
-            <a:ext cx="1411916" cy="830997"/>
-            <a:chOff x="136544" y="5759803"/>
-            <a:chExt cx="2172401" cy="830997"/>
-          </a:xfrm>
-        </p:grpSpPr>
-        <p:sp>
-          <p:nvSpPr>
-            <p:cNvPr id="1398" name="Rectangle 1397">
-              <a:extLst>
-                <a:ext uri="{FF2B5EF4-FFF2-40B4-BE49-F238E27FC236}">
-                  <a16:creationId xmlns:a16="http://schemas.microsoft.com/office/drawing/2014/main" id="{C759B5A0-1727-DA56-7A58-B369C81D6C7E}"/>
-                </a:ext>
-              </a:extLst>
-            </p:cNvPr>
-            <p:cNvSpPr/>
-            <p:nvPr/>
-          </p:nvSpPr>
-          <p:spPr>
-            <a:xfrm>
-              <a:off x="138426" y="5810056"/>
-              <a:ext cx="2170519" cy="730198"/>
-            </a:xfrm>
-            <a:prstGeom prst="rect">
-              <a:avLst/>
-            </a:prstGeom>
-            <a:solidFill>
-              <a:schemeClr val="bg1"/>
-            </a:solidFill>
-            <a:ln>
-              <a:solidFill>
-                <a:schemeClr val="tx1"/>
-              </a:solidFill>
-            </a:ln>
-          </p:spPr>
-          <p:style>
-            <a:lnRef idx="2">
-              <a:schemeClr val="accent1">
-                <a:shade val="15000"/>
-              </a:schemeClr>
-            </a:lnRef>
-            <a:fillRef idx="1">
-              <a:schemeClr val="accent1"/>
-            </a:fillRef>
-            <a:effectRef idx="0">
-              <a:schemeClr val="accent1"/>
-            </a:effectRef>
-            <a:fontRef idx="minor">
-              <a:schemeClr val="lt1"/>
-            </a:fontRef>
-          </p:style>
-          <p:txBody>
-            <a:bodyPr rtlCol="0" anchor="ctr"/>
-            <a:lstStyle/>
-            <a:p>
-              <a:pPr algn="ctr"/>
-              <a:endParaRPr lang="en-US">
-                <a:solidFill>
-                  <a:schemeClr val="tx1"/>
-                </a:solidFill>
-              </a:endParaRPr>
-            </a:p>
-          </p:txBody>
-        </p:sp>
-        <p:sp>
-          <p:nvSpPr>
-            <p:cNvPr id="1399" name="TextBox 1398">
-              <a:extLst>
-                <a:ext uri="{FF2B5EF4-FFF2-40B4-BE49-F238E27FC236}">
-                  <a16:creationId xmlns:a16="http://schemas.microsoft.com/office/drawing/2014/main" id="{49BFAE3F-A0DC-E1FB-8940-CE229234F3C4}"/>
-                </a:ext>
-              </a:extLst>
-            </p:cNvPr>
-            <p:cNvSpPr txBox="1"/>
-            <p:nvPr/>
-          </p:nvSpPr>
-          <p:spPr>
-            <a:xfrm>
-              <a:off x="136544" y="5759803"/>
-              <a:ext cx="2170519" cy="830997"/>
-            </a:xfrm>
-            <a:prstGeom prst="rect">
-              <a:avLst/>
-            </a:prstGeom>
-            <a:noFill/>
-          </p:spPr>
-          <p:txBody>
-            <a:bodyPr wrap="square" rtlCol="0">
-              <a:spAutoFit/>
-            </a:bodyPr>
-            <a:lstStyle/>
-            <a:p>
-              <a:pPr algn="ctr"/>
-              <a:r>
-                <a:rPr lang="en-US" sz="1600" b="1" dirty="0"/>
-                <a:t>Nonlinear Dimension Reduction</a:t>
-              </a:r>
-            </a:p>
-          </p:txBody>
-        </p:sp>
-      </p:grpSp>
-      <p:sp>
-        <p:nvSpPr>
-          <p:cNvPr id="1400" name="Arrow: Right 1399">
-            <a:extLst>
-              <a:ext uri="{FF2B5EF4-FFF2-40B4-BE49-F238E27FC236}">
-                <a16:creationId xmlns:a16="http://schemas.microsoft.com/office/drawing/2014/main" id="{36151EE1-B0A9-C16F-143D-C394CC57BA59}"/>
-              </a:ext>
-            </a:extLst>
-          </p:cNvPr>
-          <p:cNvSpPr/>
-          <p:nvPr/>
-        </p:nvSpPr>
-        <p:spPr>
-          <a:xfrm rot="5400000">
-            <a:off x="949027" y="1629598"/>
-            <a:ext cx="136524" cy="386089"/>
-          </a:xfrm>
-          <a:prstGeom prst="rightArrow">
-            <a:avLst/>
-          </a:prstGeom>
-          <a:solidFill>
-            <a:srgbClr val="CBCBCB"/>
-          </a:solidFill>
-          <a:ln>
-            <a:noFill/>
-          </a:ln>
-        </p:spPr>
-        <p:style>
-          <a:lnRef idx="2">
-            <a:schemeClr val="accent1">
-              <a:shade val="15000"/>
-            </a:schemeClr>
-          </a:lnRef>
-          <a:fillRef idx="1">
-            <a:schemeClr val="accent1"/>
-          </a:fillRef>
-          <a:effectRef idx="0">
-            <a:schemeClr val="accent1"/>
-          </a:effectRef>
-          <a:fontRef idx="minor">
-            <a:schemeClr val="lt1"/>
-          </a:fontRef>
-        </p:style>
-        <p:txBody>
-          <a:bodyPr rtlCol="0" anchor="ctr"/>
-          <a:lstStyle/>
-          <a:p>
-            <a:pPr algn="ctr"/>
-            <a:endParaRPr lang="en-US"/>
-          </a:p>
-        </p:txBody>
-      </p:sp>
-      <p:sp>
-        <p:nvSpPr>
-          <p:cNvPr id="1401" name="Arrow: Right 1400">
-            <a:extLst>
-              <a:ext uri="{FF2B5EF4-FFF2-40B4-BE49-F238E27FC236}">
-                <a16:creationId xmlns:a16="http://schemas.microsoft.com/office/drawing/2014/main" id="{7DE04D48-E79F-6FFA-CA1D-D5FB4F999EF6}"/>
-              </a:ext>
-            </a:extLst>
-          </p:cNvPr>
-          <p:cNvSpPr/>
-          <p:nvPr/>
-        </p:nvSpPr>
-        <p:spPr>
-          <a:xfrm rot="5400000">
-            <a:off x="959855" y="2237326"/>
-            <a:ext cx="114868" cy="386089"/>
-          </a:xfrm>
-          <a:prstGeom prst="rightArrow">
-            <a:avLst/>
-          </a:prstGeom>
-          <a:solidFill>
-            <a:srgbClr val="CBCBCB"/>
-          </a:solidFill>
-          <a:ln>
-            <a:noFill/>
-          </a:ln>
-        </p:spPr>
-        <p:style>
-          <a:lnRef idx="2">
-            <a:schemeClr val="accent1">
-              <a:shade val="15000"/>
-            </a:schemeClr>
-          </a:lnRef>
-          <a:fillRef idx="1">
-            <a:schemeClr val="accent1"/>
-          </a:fillRef>
-          <a:effectRef idx="0">
-            <a:schemeClr val="accent1"/>
-          </a:effectRef>
-          <a:fontRef idx="minor">
-            <a:schemeClr val="lt1"/>
-          </a:fontRef>
-        </p:style>
-        <p:txBody>
-          <a:bodyPr rtlCol="0" anchor="ctr"/>
-          <a:lstStyle/>
-          <a:p>
-            <a:pPr algn="ctr"/>
-            <a:endParaRPr lang="en-US"/>
-          </a:p>
-        </p:txBody>
-      </p:sp>
-      <p:sp>
-        <p:nvSpPr>
-          <p:cNvPr id="1402" name="Arrow: Right 1401">
-            <a:extLst>
-              <a:ext uri="{FF2B5EF4-FFF2-40B4-BE49-F238E27FC236}">
-                <a16:creationId xmlns:a16="http://schemas.microsoft.com/office/drawing/2014/main" id="{1C3356BA-3634-B14E-A7B0-B7660C374117}"/>
-              </a:ext>
-            </a:extLst>
-          </p:cNvPr>
-          <p:cNvSpPr/>
-          <p:nvPr/>
-        </p:nvSpPr>
-        <p:spPr>
-          <a:xfrm rot="5400000">
-            <a:off x="964387" y="3041195"/>
-            <a:ext cx="105805" cy="386089"/>
-          </a:xfrm>
-          <a:prstGeom prst="rightArrow">
-            <a:avLst/>
-          </a:prstGeom>
-          <a:solidFill>
-            <a:srgbClr val="CBCBCB"/>
-          </a:solidFill>
-          <a:ln>
-            <a:noFill/>
-          </a:ln>
-        </p:spPr>
-        <p:style>
-          <a:lnRef idx="2">
-            <a:schemeClr val="accent1">
-              <a:shade val="15000"/>
-            </a:schemeClr>
-          </a:lnRef>
-          <a:fillRef idx="1">
-            <a:schemeClr val="accent1"/>
-          </a:fillRef>
-          <a:effectRef idx="0">
-            <a:schemeClr val="accent1"/>
-          </a:effectRef>
-          <a:fontRef idx="minor">
-            <a:schemeClr val="lt1"/>
-          </a:fontRef>
-        </p:style>
-        <p:txBody>
-          <a:bodyPr rtlCol="0" anchor="ctr"/>
-          <a:lstStyle/>
-          <a:p>
-            <a:pPr algn="ctr"/>
-            <a:endParaRPr lang="en-US"/>
-          </a:p>
-        </p:txBody>
-      </p:sp>
-      <p:sp>
-        <p:nvSpPr>
-          <p:cNvPr id="1403" name="Arrow: Right 1402">
-            <a:extLst>
-              <a:ext uri="{FF2B5EF4-FFF2-40B4-BE49-F238E27FC236}">
-                <a16:creationId xmlns:a16="http://schemas.microsoft.com/office/drawing/2014/main" id="{EF332B99-A936-A173-E27D-1CF3D7C9D4EC}"/>
-              </a:ext>
-            </a:extLst>
-          </p:cNvPr>
-          <p:cNvSpPr/>
-          <p:nvPr/>
-        </p:nvSpPr>
-        <p:spPr>
-          <a:xfrm rot="5400000">
-            <a:off x="957539" y="3673785"/>
-            <a:ext cx="119500" cy="386089"/>
-          </a:xfrm>
-          <a:prstGeom prst="rightArrow">
-            <a:avLst/>
-          </a:prstGeom>
-          <a:solidFill>
-            <a:srgbClr val="CBCBCB"/>
-          </a:solidFill>
-          <a:ln>
-            <a:noFill/>
-          </a:ln>
-        </p:spPr>
-        <p:style>
-          <a:lnRef idx="2">
-            <a:schemeClr val="accent1">
-              <a:shade val="15000"/>
-            </a:schemeClr>
-          </a:lnRef>
-          <a:fillRef idx="1">
-            <a:schemeClr val="accent1"/>
-          </a:fillRef>
-          <a:effectRef idx="0">
-            <a:schemeClr val="accent1"/>
-          </a:effectRef>
-          <a:fontRef idx="minor">
-            <a:schemeClr val="lt1"/>
-          </a:fontRef>
-        </p:style>
-        <p:txBody>
-          <a:bodyPr rtlCol="0" anchor="ctr"/>
-          <a:lstStyle/>
-          <a:p>
-            <a:pPr algn="ctr"/>
-            <a:endParaRPr lang="en-US"/>
-          </a:p>
-        </p:txBody>
-      </p:sp>
-      <p:sp>
-        <p:nvSpPr>
-          <p:cNvPr id="1404" name="Arrow: Right 1403">
-            <a:extLst>
-              <a:ext uri="{FF2B5EF4-FFF2-40B4-BE49-F238E27FC236}">
-                <a16:creationId xmlns:a16="http://schemas.microsoft.com/office/drawing/2014/main" id="{6C08FABF-63E1-524C-2FCB-92AD6A230CCA}"/>
-              </a:ext>
-            </a:extLst>
-          </p:cNvPr>
-          <p:cNvSpPr/>
-          <p:nvPr/>
-        </p:nvSpPr>
-        <p:spPr>
-          <a:xfrm rot="5400000">
-            <a:off x="940804" y="4805633"/>
-            <a:ext cx="152971" cy="386089"/>
-          </a:xfrm>
-          <a:prstGeom prst="rightArrow">
-            <a:avLst/>
-          </a:prstGeom>
-          <a:solidFill>
-            <a:srgbClr val="CBCBCB"/>
-          </a:solidFill>
-          <a:ln>
-            <a:noFill/>
-          </a:ln>
-        </p:spPr>
-        <p:style>
-          <a:lnRef idx="2">
-            <a:schemeClr val="accent1">
-              <a:shade val="15000"/>
-            </a:schemeClr>
-          </a:lnRef>
-          <a:fillRef idx="1">
-            <a:schemeClr val="accent1"/>
-          </a:fillRef>
-          <a:effectRef idx="0">
-            <a:schemeClr val="accent1"/>
-          </a:effectRef>
-          <a:fontRef idx="minor">
-            <a:schemeClr val="lt1"/>
-          </a:fontRef>
-        </p:style>
-        <p:txBody>
-          <a:bodyPr rtlCol="0" anchor="ctr"/>
-          <a:lstStyle/>
-          <a:p>
-            <a:pPr algn="ctr"/>
-            <a:endParaRPr lang="en-US"/>
-          </a:p>
-        </p:txBody>
-      </p:sp>
-      <p:sp>
-        <p:nvSpPr>
-          <p:cNvPr id="1405" name="Arrow: Right 1404">
-            <a:extLst>
-              <a:ext uri="{FF2B5EF4-FFF2-40B4-BE49-F238E27FC236}">
-                <a16:creationId xmlns:a16="http://schemas.microsoft.com/office/drawing/2014/main" id="{D23A4638-06EF-298A-5009-A424762624D5}"/>
-              </a:ext>
-            </a:extLst>
-          </p:cNvPr>
-          <p:cNvSpPr/>
-          <p:nvPr/>
-        </p:nvSpPr>
-        <p:spPr>
-          <a:xfrm rot="5400000">
-            <a:off x="940804" y="5501332"/>
-            <a:ext cx="152971" cy="386089"/>
-          </a:xfrm>
-          <a:prstGeom prst="rightArrow">
-            <a:avLst/>
-          </a:prstGeom>
-          <a:solidFill>
-            <a:srgbClr val="CBCBCB"/>
-          </a:solidFill>
-          <a:ln>
-            <a:noFill/>
-          </a:ln>
-        </p:spPr>
-        <p:style>
-          <a:lnRef idx="2">
-            <a:schemeClr val="accent1">
-              <a:shade val="15000"/>
-            </a:schemeClr>
-          </a:lnRef>
-          <a:fillRef idx="1">
-            <a:schemeClr val="accent1"/>
-          </a:fillRef>
-          <a:effectRef idx="0">
-            <a:schemeClr val="accent1"/>
-          </a:effectRef>
-          <a:fontRef idx="minor">
-            <a:schemeClr val="lt1"/>
-          </a:fontRef>
-        </p:style>
-        <p:txBody>
-          <a:bodyPr rtlCol="0" anchor="ctr"/>
-          <a:lstStyle/>
-          <a:p>
-            <a:pPr algn="ctr"/>
-            <a:endParaRPr lang="en-US"/>
-          </a:p>
-        </p:txBody>
-      </p:sp>
-      <p:sp>
-        <p:nvSpPr>
-          <p:cNvPr id="1406" name="TextBox 1405">
-            <a:extLst>
-              <a:ext uri="{FF2B5EF4-FFF2-40B4-BE49-F238E27FC236}">
-                <a16:creationId xmlns:a16="http://schemas.microsoft.com/office/drawing/2014/main" id="{6F24B186-1C45-51A9-9DC0-46064791E99F}"/>
-              </a:ext>
-            </a:extLst>
-          </p:cNvPr>
-          <p:cNvSpPr txBox="1"/>
-          <p:nvPr/>
-        </p:nvSpPr>
-        <p:spPr>
-          <a:xfrm>
-            <a:off x="-79991" y="5334143"/>
-            <a:ext cx="2194560" cy="276999"/>
-          </a:xfrm>
-          <a:prstGeom prst="rect">
-            <a:avLst/>
-          </a:prstGeom>
-          <a:noFill/>
-        </p:spPr>
-        <p:txBody>
-          <a:bodyPr wrap="square">
-            <a:spAutoFit/>
-          </a:bodyPr>
-          <a:lstStyle/>
-          <a:p>
-            <a:pPr algn="ctr"/>
-            <a:r>
-              <a:rPr lang="en-US" sz="1200" i="1" dirty="0"/>
-              <a:t> </a:t>
-            </a:r>
-            <a:r>
-              <a:rPr lang="en-US" sz="1200" i="1" dirty="0" err="1"/>
-              <a:t>FindNeighbors</a:t>
-            </a:r>
-            <a:r>
-              <a:rPr lang="en-US" sz="1200" i="1" dirty="0"/>
-              <a:t>(),  </a:t>
-            </a:r>
-            <a:r>
-              <a:rPr lang="en-US" sz="1200" i="1" dirty="0" err="1"/>
-              <a:t>FindClusters</a:t>
-            </a:r>
-            <a:r>
-              <a:rPr lang="en-US" sz="1200" i="1" dirty="0"/>
-              <a:t>()</a:t>
-            </a:r>
-          </a:p>
-        </p:txBody>
-      </p:sp>
-      <p:grpSp>
-        <p:nvGrpSpPr>
-          <p:cNvPr id="1407" name="Group 1406">
-            <a:extLst>
-              <a:ext uri="{FF2B5EF4-FFF2-40B4-BE49-F238E27FC236}">
-                <a16:creationId xmlns:a16="http://schemas.microsoft.com/office/drawing/2014/main" id="{A85375FF-701F-4F83-76B0-A768D22337B8}"/>
-              </a:ext>
-            </a:extLst>
-          </p:cNvPr>
-          <p:cNvGrpSpPr/>
-          <p:nvPr/>
-        </p:nvGrpSpPr>
-        <p:grpSpPr>
-          <a:xfrm>
-            <a:off x="0" y="612918"/>
-            <a:ext cx="2073593" cy="6261585"/>
-            <a:chOff x="0" y="612918"/>
-            <a:chExt cx="2073593" cy="6261585"/>
-          </a:xfrm>
-        </p:grpSpPr>
-        <p:sp>
-          <p:nvSpPr>
-            <p:cNvPr id="1311" name="Rectangle 1310">
-              <a:extLst>
-                <a:ext uri="{FF2B5EF4-FFF2-40B4-BE49-F238E27FC236}">
-                  <a16:creationId xmlns:a16="http://schemas.microsoft.com/office/drawing/2014/main" id="{105B82B3-0B0D-0FC1-9CF3-F0BA7A5CD2FE}"/>
-                </a:ext>
-              </a:extLst>
-            </p:cNvPr>
-            <p:cNvSpPr/>
-            <p:nvPr/>
-          </p:nvSpPr>
-          <p:spPr>
-            <a:xfrm>
-              <a:off x="6260" y="3788229"/>
-              <a:ext cx="2067333" cy="3086274"/>
-            </a:xfrm>
-            <a:prstGeom prst="rect">
-              <a:avLst/>
-            </a:prstGeom>
-            <a:solidFill>
-              <a:srgbClr val="FFFFFF">
-                <a:alpha val="76863"/>
-              </a:srgbClr>
-            </a:solidFill>
-            <a:ln>
-              <a:noFill/>
-            </a:ln>
-          </p:spPr>
-          <p:style>
-            <a:lnRef idx="2">
-              <a:schemeClr val="accent1">
-                <a:shade val="15000"/>
-              </a:schemeClr>
-            </a:lnRef>
-            <a:fillRef idx="1">
-              <a:schemeClr val="accent1"/>
-            </a:fillRef>
-            <a:effectRef idx="0">
-              <a:schemeClr val="accent1"/>
-            </a:effectRef>
-            <a:fontRef idx="minor">
-              <a:schemeClr val="lt1"/>
-            </a:fontRef>
-          </p:style>
-          <p:txBody>
-            <a:bodyPr rtlCol="0" anchor="ctr"/>
-            <a:lstStyle/>
-            <a:p>
-              <a:pPr algn="ctr"/>
-              <a:endParaRPr lang="en-US" dirty="0"/>
-            </a:p>
-          </p:txBody>
-        </p:sp>
-        <p:sp>
-          <p:nvSpPr>
-            <p:cNvPr id="6" name="Rectangle 5">
-              <a:extLst>
-                <a:ext uri="{FF2B5EF4-FFF2-40B4-BE49-F238E27FC236}">
-                  <a16:creationId xmlns:a16="http://schemas.microsoft.com/office/drawing/2014/main" id="{DF381EA7-5230-745C-1314-B0B12BE2BED0}"/>
-                </a:ext>
-              </a:extLst>
-            </p:cNvPr>
-            <p:cNvSpPr/>
-            <p:nvPr/>
-          </p:nvSpPr>
-          <p:spPr>
-            <a:xfrm>
-              <a:off x="0" y="612918"/>
-              <a:ext cx="2067333" cy="2688422"/>
-            </a:xfrm>
-            <a:prstGeom prst="rect">
-              <a:avLst/>
-            </a:prstGeom>
-            <a:solidFill>
-              <a:srgbClr val="FFFFFF">
-                <a:alpha val="76863"/>
-              </a:srgbClr>
-            </a:solidFill>
-            <a:ln>
-              <a:noFill/>
-            </a:ln>
-          </p:spPr>
-          <p:style>
-            <a:lnRef idx="2">
-              <a:schemeClr val="accent1">
-                <a:shade val="15000"/>
-              </a:schemeClr>
-            </a:lnRef>
-            <a:fillRef idx="1">
-              <a:schemeClr val="accent1"/>
-            </a:fillRef>
-            <a:effectRef idx="0">
-              <a:schemeClr val="accent1"/>
-            </a:effectRef>
-            <a:fontRef idx="minor">
-              <a:schemeClr val="lt1"/>
-            </a:fontRef>
-          </p:style>
-          <p:txBody>
-            <a:bodyPr rtlCol="0" anchor="ctr"/>
-            <a:lstStyle/>
-            <a:p>
-              <a:pPr algn="ctr"/>
-              <a:endParaRPr lang="en-US" dirty="0"/>
-            </a:p>
-          </p:txBody>
-        </p:sp>
-      </p:grpSp>
-    </p:spTree>
-    <p:extLst>
-      <p:ext uri="{BB962C8B-B14F-4D97-AF65-F5344CB8AC3E}">
-        <p14:creationId xmlns:p14="http://schemas.microsoft.com/office/powerpoint/2010/main" val="2321374968"/>
-      </p:ext>
-    </p:extLst>
-  </p:cSld>
-  <p:clrMapOvr>
-    <a:masterClrMapping/>
-  </p:clrMapOvr>
-</p:sld>
-</file>
-
-<file path=ppt/slides/slide11.xml><?xml version="1.0" encoding="utf-8"?>
-<p:sld xmlns:a="http://schemas.openxmlformats.org/drawingml/2006/main" xmlns:r="http://schemas.openxmlformats.org/officeDocument/2006/relationships" xmlns:p="http://schemas.openxmlformats.org/presentationml/2006/main">
-  <p:cSld>
-    <p:spTree>
-      <p:nvGrpSpPr>
-        <p:cNvPr id="1" name=""/>
-        <p:cNvGrpSpPr/>
-        <p:nvPr/>
-      </p:nvGrpSpPr>
-      <p:grpSpPr>
-        <a:xfrm>
-          <a:off x="0" y="0"/>
-          <a:ext cx="0" cy="0"/>
-          <a:chOff x="0" y="0"/>
-          <a:chExt cx="0" cy="0"/>
-        </a:xfrm>
-      </p:grpSpPr>
-      <p:sp>
-        <p:nvSpPr>
-          <p:cNvPr id="2" name="Title 1">
-            <a:extLst>
-              <a:ext uri="{FF2B5EF4-FFF2-40B4-BE49-F238E27FC236}">
-                <a16:creationId xmlns:a16="http://schemas.microsoft.com/office/drawing/2014/main" id="{ADF8E6B8-8A1F-CBA5-E3BB-A814E8D6E4F7}"/>
-              </a:ext>
-            </a:extLst>
-          </p:cNvPr>
-          <p:cNvSpPr>
-            <a:spLocks noGrp="1"/>
-          </p:cNvSpPr>
-          <p:nvPr>
-            <p:ph type="title"/>
-          </p:nvPr>
-        </p:nvSpPr>
-        <p:spPr/>
-        <p:txBody>
-          <a:bodyPr/>
-          <a:lstStyle/>
-          <a:p>
-            <a:r>
-              <a:rPr lang="en-US" dirty="0"/>
-              <a:t>Count Matrix Importation</a:t>
-            </a:r>
-          </a:p>
-        </p:txBody>
-      </p:sp>
-      <p:pic>
-        <p:nvPicPr>
           <p:cNvPr id="20" name="Picture 19">
             <a:extLst>
               <a:ext uri="{FF2B5EF4-FFF2-40B4-BE49-F238E27FC236}">
@@ -8664,7 +6127,7 @@
 </p:sld>
 </file>
 
-<file path=ppt/slides/slide12.xml><?xml version="1.0" encoding="utf-8"?>
+<file path=ppt/slides/slide11.xml><?xml version="1.0" encoding="utf-8"?>
 <p:sld xmlns:a="http://schemas.openxmlformats.org/drawingml/2006/main" xmlns:r="http://schemas.openxmlformats.org/officeDocument/2006/relationships" xmlns:p="http://schemas.openxmlformats.org/presentationml/2006/main">
   <p:cSld>
     <p:spTree>
@@ -10888,7 +8351,7 @@
 </p:sld>
 </file>
 
-<file path=ppt/slides/slide13.xml><?xml version="1.0" encoding="utf-8"?>
+<file path=ppt/slides/slide12.xml><?xml version="1.0" encoding="utf-8"?>
 <p:sld xmlns:a="http://schemas.openxmlformats.org/drawingml/2006/main" xmlns:r="http://schemas.openxmlformats.org/officeDocument/2006/relationships" xmlns:p="http://schemas.openxmlformats.org/presentationml/2006/main">
   <p:cSld>
     <p:spTree>
@@ -13629,7 +11092,7 @@
 </p:sld>
 </file>
 
-<file path=ppt/slides/slide14.xml><?xml version="1.0" encoding="utf-8"?>
+<file path=ppt/slides/slide13.xml><?xml version="1.0" encoding="utf-8"?>
 <p:sld xmlns:a="http://schemas.openxmlformats.org/drawingml/2006/main" xmlns:r="http://schemas.openxmlformats.org/officeDocument/2006/relationships" xmlns:p="http://schemas.openxmlformats.org/presentationml/2006/main">
   <p:cSld>
     <p:spTree>
@@ -17165,7 +14628,7 @@
 </p:sld>
 </file>
 
-<file path=ppt/slides/slide15.xml><?xml version="1.0" encoding="utf-8"?>
+<file path=ppt/slides/slide14.xml><?xml version="1.0" encoding="utf-8"?>
 <p:sld xmlns:a="http://schemas.openxmlformats.org/drawingml/2006/main" xmlns:r="http://schemas.openxmlformats.org/officeDocument/2006/relationships" xmlns:p="http://schemas.openxmlformats.org/presentationml/2006/main">
   <p:cSld>
     <p:spTree>
@@ -19232,6 +16695,106 @@
 </p:sld>
 </file>
 
+<file path=ppt/slides/slide15.xml><?xml version="1.0" encoding="utf-8"?>
+<p:sld xmlns:a="http://schemas.openxmlformats.org/drawingml/2006/main" xmlns:r="http://schemas.openxmlformats.org/officeDocument/2006/relationships" xmlns:p="http://schemas.openxmlformats.org/presentationml/2006/main">
+  <p:cSld>
+    <p:spTree>
+      <p:nvGrpSpPr>
+        <p:cNvPr id="1" name=""/>
+        <p:cNvGrpSpPr/>
+        <p:nvPr/>
+      </p:nvGrpSpPr>
+      <p:grpSpPr>
+        <a:xfrm>
+          <a:off x="0" y="0"/>
+          <a:ext cx="0" cy="0"/>
+          <a:chOff x="0" y="0"/>
+          <a:chExt cx="0" cy="0"/>
+        </a:xfrm>
+      </p:grpSpPr>
+      <p:sp>
+        <p:nvSpPr>
+          <p:cNvPr id="2" name="Title 1">
+            <a:extLst>
+              <a:ext uri="{FF2B5EF4-FFF2-40B4-BE49-F238E27FC236}">
+                <a16:creationId xmlns:a16="http://schemas.microsoft.com/office/drawing/2014/main" id="{B884295A-653A-B857-8889-1160F2122235}"/>
+              </a:ext>
+            </a:extLst>
+          </p:cNvPr>
+          <p:cNvSpPr>
+            <a:spLocks noGrp="1"/>
+          </p:cNvSpPr>
+          <p:nvPr>
+            <p:ph type="title"/>
+          </p:nvPr>
+        </p:nvSpPr>
+        <p:spPr/>
+        <p:txBody>
+          <a:bodyPr/>
+          <a:lstStyle/>
+          <a:p>
+            <a:r>
+              <a:rPr lang="en-US" dirty="0"/>
+              <a:t>UMAP versus t-SNE</a:t>
+            </a:r>
+          </a:p>
+        </p:txBody>
+      </p:sp>
+      <p:sp>
+        <p:nvSpPr>
+          <p:cNvPr id="4" name="TextBox 3">
+            <a:extLst>
+              <a:ext uri="{FF2B5EF4-FFF2-40B4-BE49-F238E27FC236}">
+                <a16:creationId xmlns:a16="http://schemas.microsoft.com/office/drawing/2014/main" id="{12D6A8B9-58CD-B8A1-3A35-01ED76F96AAA}"/>
+              </a:ext>
+            </a:extLst>
+          </p:cNvPr>
+          <p:cNvSpPr txBox="1"/>
+          <p:nvPr/>
+        </p:nvSpPr>
+        <p:spPr>
+          <a:xfrm>
+            <a:off x="2910078" y="3041827"/>
+            <a:ext cx="6185916" cy="646331"/>
+          </a:xfrm>
+          <a:prstGeom prst="rect">
+            <a:avLst/>
+          </a:prstGeom>
+          <a:noFill/>
+        </p:spPr>
+        <p:txBody>
+          <a:bodyPr wrap="square">
+            <a:spAutoFit/>
+          </a:bodyPr>
+          <a:lstStyle/>
+          <a:p>
+            <a:r>
+              <a:rPr lang="en-US" b="0" i="0" dirty="0">
+                <a:solidFill>
+                  <a:srgbClr val="333333"/>
+                </a:solidFill>
+                <a:effectLst/>
+                <a:latin typeface="-apple-system"/>
+              </a:rPr>
+              <a:t>notably increased speed and better preservation of the data's global structure</a:t>
+            </a:r>
+            <a:endParaRPr lang="en-US" dirty="0"/>
+          </a:p>
+        </p:txBody>
+      </p:sp>
+    </p:spTree>
+    <p:extLst>
+      <p:ext uri="{BB962C8B-B14F-4D97-AF65-F5344CB8AC3E}">
+        <p14:creationId xmlns:p14="http://schemas.microsoft.com/office/powerpoint/2010/main" val="778707146"/>
+      </p:ext>
+    </p:extLst>
+  </p:cSld>
+  <p:clrMapOvr>
+    <a:masterClrMapping/>
+  </p:clrMapOvr>
+</p:sld>
+</file>
+
 <file path=ppt/slides/slide16.xml><?xml version="1.0" encoding="utf-8"?>
 <p:sld xmlns:a="http://schemas.openxmlformats.org/drawingml/2006/main" xmlns:r="http://schemas.openxmlformats.org/officeDocument/2006/relationships" xmlns:p="http://schemas.openxmlformats.org/presentationml/2006/main">
   <p:cSld>
@@ -19254,7 +16817,7 @@
           <p:cNvPr id="2" name="Title 1">
             <a:extLst>
               <a:ext uri="{FF2B5EF4-FFF2-40B4-BE49-F238E27FC236}">
-                <a16:creationId xmlns:a16="http://schemas.microsoft.com/office/drawing/2014/main" id="{B884295A-653A-B857-8889-1160F2122235}"/>
+                <a16:creationId xmlns:a16="http://schemas.microsoft.com/office/drawing/2014/main" id="{9CBEB24B-7DA1-A61A-7D9C-646BD9D602CA}"/>
               </a:ext>
             </a:extLst>
           </p:cNvPr>
@@ -19272,17 +16835,17 @@
           <a:p>
             <a:r>
               <a:rPr lang="en-US" dirty="0"/>
-              <a:t>UMAP versus t-SNE</a:t>
+              <a:t>Questions</a:t>
             </a:r>
           </a:p>
         </p:txBody>
       </p:sp>
       <p:sp>
         <p:nvSpPr>
-          <p:cNvPr id="4" name="TextBox 3">
-            <a:extLst>
-              <a:ext uri="{FF2B5EF4-FFF2-40B4-BE49-F238E27FC236}">
-                <a16:creationId xmlns:a16="http://schemas.microsoft.com/office/drawing/2014/main" id="{12D6A8B9-58CD-B8A1-3A35-01ED76F96AAA}"/>
+          <p:cNvPr id="3" name="TextBox 2">
+            <a:extLst>
+              <a:ext uri="{FF2B5EF4-FFF2-40B4-BE49-F238E27FC236}">
+                <a16:creationId xmlns:a16="http://schemas.microsoft.com/office/drawing/2014/main" id="{4792A6E5-8648-565A-29D5-669EE8A8741F}"/>
               </a:ext>
             </a:extLst>
           </p:cNvPr>
@@ -19291,8 +16854,8 @@
         </p:nvSpPr>
         <p:spPr>
           <a:xfrm>
-            <a:off x="2910078" y="3041827"/>
-            <a:ext cx="6185916" cy="646331"/>
+            <a:off x="4775200" y="3077029"/>
+            <a:ext cx="3334824" cy="923330"/>
           </a:xfrm>
           <a:prstGeom prst="rect">
             <a:avLst/>
@@ -19300,77 +16863,15 @@
           <a:noFill/>
         </p:spPr>
         <p:txBody>
-          <a:bodyPr wrap="square">
+          <a:bodyPr wrap="none" rtlCol="0">
             <a:spAutoFit/>
           </a:bodyPr>
           <a:lstStyle/>
           <a:p>
             <a:r>
-              <a:rPr lang="en-US" b="0" i="0" dirty="0">
-                <a:solidFill>
-                  <a:srgbClr val="333333"/>
-                </a:solidFill>
-                <a:effectLst/>
-                <a:latin typeface="-apple-system"/>
-              </a:rPr>
-              <a:t>notably increased speed and better preservation of the data's global structure</a:t>
-            </a:r>
-            <a:endParaRPr lang="en-US" dirty="0"/>
-          </a:p>
-        </p:txBody>
-      </p:sp>
-    </p:spTree>
-    <p:extLst>
-      <p:ext uri="{BB962C8B-B14F-4D97-AF65-F5344CB8AC3E}">
-        <p14:creationId xmlns:p14="http://schemas.microsoft.com/office/powerpoint/2010/main" val="778707146"/>
-      </p:ext>
-    </p:extLst>
-  </p:cSld>
-  <p:clrMapOvr>
-    <a:masterClrMapping/>
-  </p:clrMapOvr>
-</p:sld>
-</file>
-
-<file path=ppt/slides/slide17.xml><?xml version="1.0" encoding="utf-8"?>
-<p:sld xmlns:a="http://schemas.openxmlformats.org/drawingml/2006/main" xmlns:r="http://schemas.openxmlformats.org/officeDocument/2006/relationships" xmlns:p="http://schemas.openxmlformats.org/presentationml/2006/main">
-  <p:cSld>
-    <p:spTree>
-      <p:nvGrpSpPr>
-        <p:cNvPr id="1" name=""/>
-        <p:cNvGrpSpPr/>
-        <p:nvPr/>
-      </p:nvGrpSpPr>
-      <p:grpSpPr>
-        <a:xfrm>
-          <a:off x="0" y="0"/>
-          <a:ext cx="0" cy="0"/>
-          <a:chOff x="0" y="0"/>
-          <a:chExt cx="0" cy="0"/>
-        </a:xfrm>
-      </p:grpSpPr>
-      <p:sp>
-        <p:nvSpPr>
-          <p:cNvPr id="2" name="Title 1">
-            <a:extLst>
-              <a:ext uri="{FF2B5EF4-FFF2-40B4-BE49-F238E27FC236}">
-                <a16:creationId xmlns:a16="http://schemas.microsoft.com/office/drawing/2014/main" id="{9CBEB24B-7DA1-A61A-7D9C-646BD9D602CA}"/>
-              </a:ext>
-            </a:extLst>
-          </p:cNvPr>
-          <p:cNvSpPr>
-            <a:spLocks noGrp="1"/>
-          </p:cNvSpPr>
-          <p:nvPr>
-            <p:ph type="title"/>
-          </p:nvPr>
-        </p:nvSpPr>
-        <p:spPr/>
-        <p:txBody>
-          <a:bodyPr/>
-          <a:lstStyle/>
-          <a:p>
-            <a:endParaRPr lang="en-US"/>
+              <a:rPr lang="en-US" sz="5400" dirty="0"/>
+              <a:t>Questions?</a:t>
+            </a:r>
           </a:p>
         </p:txBody>
       </p:sp>
@@ -19387,7 +16888,7 @@
 </p:sld>
 </file>
 
-<file path=ppt/slides/slide18.xml><?xml version="1.0" encoding="utf-8"?>
+<file path=ppt/slides/slide17.xml><?xml version="1.0" encoding="utf-8"?>
 <p:sld xmlns:a="http://schemas.openxmlformats.org/drawingml/2006/main" xmlns:r="http://schemas.openxmlformats.org/officeDocument/2006/relationships" xmlns:p="http://schemas.openxmlformats.org/presentationml/2006/main">
   <p:cSld>
     <p:spTree>
@@ -21410,62 +18911,7 @@
 </p:sld>
 </file>
 
-<file path=ppt/slides/slide19.xml><?xml version="1.0" encoding="utf-8"?>
-<p:sld xmlns:a="http://schemas.openxmlformats.org/drawingml/2006/main" xmlns:r="http://schemas.openxmlformats.org/officeDocument/2006/relationships" xmlns:p="http://schemas.openxmlformats.org/presentationml/2006/main">
-  <p:cSld>
-    <p:spTree>
-      <p:nvGrpSpPr>
-        <p:cNvPr id="1" name=""/>
-        <p:cNvGrpSpPr/>
-        <p:nvPr/>
-      </p:nvGrpSpPr>
-      <p:grpSpPr>
-        <a:xfrm>
-          <a:off x="0" y="0"/>
-          <a:ext cx="0" cy="0"/>
-          <a:chOff x="0" y="0"/>
-          <a:chExt cx="0" cy="0"/>
-        </a:xfrm>
-      </p:grpSpPr>
-      <p:sp>
-        <p:nvSpPr>
-          <p:cNvPr id="2" name="Title 1">
-            <a:extLst>
-              <a:ext uri="{FF2B5EF4-FFF2-40B4-BE49-F238E27FC236}">
-                <a16:creationId xmlns:a16="http://schemas.microsoft.com/office/drawing/2014/main" id="{9CBEB24B-7DA1-A61A-7D9C-646BD9D602CA}"/>
-              </a:ext>
-            </a:extLst>
-          </p:cNvPr>
-          <p:cNvSpPr>
-            <a:spLocks noGrp="1"/>
-          </p:cNvSpPr>
-          <p:nvPr>
-            <p:ph type="title"/>
-          </p:nvPr>
-        </p:nvSpPr>
-        <p:spPr/>
-        <p:txBody>
-          <a:bodyPr/>
-          <a:lstStyle/>
-          <a:p>
-            <a:endParaRPr lang="en-US"/>
-          </a:p>
-        </p:txBody>
-      </p:sp>
-    </p:spTree>
-    <p:extLst>
-      <p:ext uri="{BB962C8B-B14F-4D97-AF65-F5344CB8AC3E}">
-        <p14:creationId xmlns:p14="http://schemas.microsoft.com/office/powerpoint/2010/main" val="3928179406"/>
-      </p:ext>
-    </p:extLst>
-  </p:cSld>
-  <p:clrMapOvr>
-    <a:masterClrMapping/>
-  </p:clrMapOvr>
-</p:sld>
-</file>
-
-<file path=ppt/slides/slide2.xml><?xml version="1.0" encoding="utf-8"?>
+<file path=ppt/slides/slide18.xml><?xml version="1.0" encoding="utf-8"?>
 <p:sld xmlns:a="http://schemas.openxmlformats.org/drawingml/2006/main" xmlns:r="http://schemas.openxmlformats.org/officeDocument/2006/relationships" xmlns:p="http://schemas.openxmlformats.org/presentationml/2006/main">
   <p:cSld>
     <p:spTree>
@@ -24870,62 +22316,7 @@
 </p:sld>
 </file>
 
-<file path=ppt/slides/slide20.xml><?xml version="1.0" encoding="utf-8"?>
-<p:sld xmlns:a="http://schemas.openxmlformats.org/drawingml/2006/main" xmlns:r="http://schemas.openxmlformats.org/officeDocument/2006/relationships" xmlns:p="http://schemas.openxmlformats.org/presentationml/2006/main">
-  <p:cSld>
-    <p:spTree>
-      <p:nvGrpSpPr>
-        <p:cNvPr id="1" name=""/>
-        <p:cNvGrpSpPr/>
-        <p:nvPr/>
-      </p:nvGrpSpPr>
-      <p:grpSpPr>
-        <a:xfrm>
-          <a:off x="0" y="0"/>
-          <a:ext cx="0" cy="0"/>
-          <a:chOff x="0" y="0"/>
-          <a:chExt cx="0" cy="0"/>
-        </a:xfrm>
-      </p:grpSpPr>
-      <p:sp>
-        <p:nvSpPr>
-          <p:cNvPr id="2" name="Title 1">
-            <a:extLst>
-              <a:ext uri="{FF2B5EF4-FFF2-40B4-BE49-F238E27FC236}">
-                <a16:creationId xmlns:a16="http://schemas.microsoft.com/office/drawing/2014/main" id="{9CBEB24B-7DA1-A61A-7D9C-646BD9D602CA}"/>
-              </a:ext>
-            </a:extLst>
-          </p:cNvPr>
-          <p:cNvSpPr>
-            <a:spLocks noGrp="1"/>
-          </p:cNvSpPr>
-          <p:nvPr>
-            <p:ph type="title"/>
-          </p:nvPr>
-        </p:nvSpPr>
-        <p:spPr/>
-        <p:txBody>
-          <a:bodyPr/>
-          <a:lstStyle/>
-          <a:p>
-            <a:endParaRPr lang="en-US"/>
-          </a:p>
-        </p:txBody>
-      </p:sp>
-    </p:spTree>
-    <p:extLst>
-      <p:ext uri="{BB962C8B-B14F-4D97-AF65-F5344CB8AC3E}">
-        <p14:creationId xmlns:p14="http://schemas.microsoft.com/office/powerpoint/2010/main" val="1032093300"/>
-      </p:ext>
-    </p:extLst>
-  </p:cSld>
-  <p:clrMapOvr>
-    <a:masterClrMapping/>
-  </p:clrMapOvr>
-</p:sld>
-</file>
-
-<file path=ppt/slides/slide3.xml><?xml version="1.0" encoding="utf-8"?>
+<file path=ppt/slides/slide2.xml><?xml version="1.0" encoding="utf-8"?>
 <p:sld xmlns:a="http://schemas.openxmlformats.org/drawingml/2006/main" xmlns:r="http://schemas.openxmlformats.org/officeDocument/2006/relationships" xmlns:p="http://schemas.openxmlformats.org/presentationml/2006/main">
   <p:cSld>
     <p:spTree>
@@ -26693,7 +24084,7 @@
 </p:sld>
 </file>
 
-<file path=ppt/slides/slide4.xml><?xml version="1.0" encoding="utf-8"?>
+<file path=ppt/slides/slide3.xml><?xml version="1.0" encoding="utf-8"?>
 <p:sld xmlns:a="http://schemas.openxmlformats.org/drawingml/2006/main" xmlns:r="http://schemas.openxmlformats.org/officeDocument/2006/relationships" xmlns:p="http://schemas.openxmlformats.org/presentationml/2006/main">
   <p:cSld>
     <p:spTree>
@@ -26785,7 +24176,7 @@
           <a:p>
             <a:r>
               <a:rPr lang="en-US" dirty="0"/>
-              <a:t>Seurat S4 Class Object Stores Pipeline Intermediate Outputs</a:t>
+              <a:t>Seurat S4 Class Object</a:t>
             </a:r>
           </a:p>
         </p:txBody>
@@ -32912,7 +30303,7 @@
 </p:sld>
 </file>
 
-<file path=ppt/slides/slide5.xml><?xml version="1.0" encoding="utf-8"?>
+<file path=ppt/slides/slide4.xml><?xml version="1.0" encoding="utf-8"?>
 <p:sld xmlns:a="http://schemas.openxmlformats.org/drawingml/2006/main" xmlns:r="http://schemas.openxmlformats.org/officeDocument/2006/relationships" xmlns:p="http://schemas.openxmlformats.org/presentationml/2006/main">
   <p:cSld>
     <p:spTree>
@@ -43694,7 +41085,7 @@
 </p:sld>
 </file>
 
-<file path=ppt/slides/slide6.xml><?xml version="1.0" encoding="utf-8"?>
+<file path=ppt/slides/slide5.xml><?xml version="1.0" encoding="utf-8"?>
 <p:sld xmlns:a="http://schemas.openxmlformats.org/drawingml/2006/main" xmlns:r="http://schemas.openxmlformats.org/officeDocument/2006/relationships" xmlns:p="http://schemas.openxmlformats.org/presentationml/2006/main">
   <p:cSld>
     <p:spTree>
@@ -46154,7 +43545,7 @@
 </p:sld>
 </file>
 
-<file path=ppt/slides/slide7.xml><?xml version="1.0" encoding="utf-8"?>
+<file path=ppt/slides/slide6.xml><?xml version="1.0" encoding="utf-8"?>
 <p:sld xmlns:a="http://schemas.openxmlformats.org/drawingml/2006/main" xmlns:r="http://schemas.openxmlformats.org/officeDocument/2006/relationships" xmlns:p="http://schemas.openxmlformats.org/presentationml/2006/main">
   <p:cSld>
     <p:spTree>
@@ -48726,7 +46117,7 @@
 </p:sld>
 </file>
 
-<file path=ppt/slides/slide8.xml><?xml version="1.0" encoding="utf-8"?>
+<file path=ppt/slides/slide7.xml><?xml version="1.0" encoding="utf-8"?>
 <p:sld xmlns:a="http://schemas.openxmlformats.org/drawingml/2006/main" xmlns:r="http://schemas.openxmlformats.org/officeDocument/2006/relationships" xmlns:p="http://schemas.openxmlformats.org/presentationml/2006/main">
   <p:cSld>
     <p:spTree>
@@ -51139,7 +48530,7 @@
 </p:sld>
 </file>
 
-<file path=ppt/slides/slide9.xml><?xml version="1.0" encoding="utf-8"?>
+<file path=ppt/slides/slide8.xml><?xml version="1.0" encoding="utf-8"?>
 <p:sld xmlns:a="http://schemas.openxmlformats.org/drawingml/2006/main" xmlns:r="http://schemas.openxmlformats.org/officeDocument/2006/relationships" xmlns:p="http://schemas.openxmlformats.org/presentationml/2006/main">
   <p:cSld>
     <p:spTree>
@@ -51672,7 +49063,7 @@
         </p:nvSpPr>
         <p:spPr>
           <a:xfrm>
-            <a:off x="2346317" y="1882442"/>
+            <a:off x="2347675" y="2073020"/>
             <a:ext cx="8122391" cy="646331"/>
           </a:xfrm>
           <a:prstGeom prst="rect">
@@ -51713,7 +49104,7 @@
         </p:nvSpPr>
         <p:spPr>
           <a:xfrm>
-            <a:off x="2380052" y="2729843"/>
+            <a:off x="2367015" y="3005482"/>
             <a:ext cx="6185916" cy="923330"/>
           </a:xfrm>
           <a:prstGeom prst="rect">
@@ -53580,6 +50971,2541 @@
     <p:extLst>
       <p:ext uri="{BB962C8B-B14F-4D97-AF65-F5344CB8AC3E}">
         <p14:creationId xmlns:p14="http://schemas.microsoft.com/office/powerpoint/2010/main" val="3109176831"/>
+      </p:ext>
+    </p:extLst>
+  </p:cSld>
+  <p:clrMapOvr>
+    <a:masterClrMapping/>
+  </p:clrMapOvr>
+</p:sld>
+</file>
+
+<file path=ppt/slides/slide9.xml><?xml version="1.0" encoding="utf-8"?>
+<p:sld xmlns:a="http://schemas.openxmlformats.org/drawingml/2006/main" xmlns:r="http://schemas.openxmlformats.org/officeDocument/2006/relationships" xmlns:p="http://schemas.openxmlformats.org/presentationml/2006/main">
+  <p:cSld>
+    <p:spTree>
+      <p:nvGrpSpPr>
+        <p:cNvPr id="1" name=""/>
+        <p:cNvGrpSpPr/>
+        <p:nvPr/>
+      </p:nvGrpSpPr>
+      <p:grpSpPr>
+        <a:xfrm>
+          <a:off x="0" y="0"/>
+          <a:ext cx="0" cy="0"/>
+          <a:chOff x="0" y="0"/>
+          <a:chExt cx="0" cy="0"/>
+        </a:xfrm>
+      </p:grpSpPr>
+      <p:sp>
+        <p:nvSpPr>
+          <p:cNvPr id="2" name="Title 1">
+            <a:extLst>
+              <a:ext uri="{FF2B5EF4-FFF2-40B4-BE49-F238E27FC236}">
+                <a16:creationId xmlns:a16="http://schemas.microsoft.com/office/drawing/2014/main" id="{ADF8E6B8-8A1F-CBA5-E3BB-A814E8D6E4F7}"/>
+              </a:ext>
+            </a:extLst>
+          </p:cNvPr>
+          <p:cNvSpPr>
+            <a:spLocks noGrp="1"/>
+          </p:cNvSpPr>
+          <p:nvPr>
+            <p:ph type="title"/>
+          </p:nvPr>
+        </p:nvSpPr>
+        <p:spPr/>
+        <p:txBody>
+          <a:bodyPr/>
+          <a:lstStyle/>
+          <a:p>
+            <a:r>
+              <a:rPr lang="en-US" dirty="0"/>
+              <a:t>Count Matrix Importation</a:t>
+            </a:r>
+          </a:p>
+        </p:txBody>
+      </p:sp>
+      <p:pic>
+        <p:nvPicPr>
+          <p:cNvPr id="10" name="Picture 9">
+            <a:extLst>
+              <a:ext uri="{FF2B5EF4-FFF2-40B4-BE49-F238E27FC236}">
+                <a16:creationId xmlns:a16="http://schemas.microsoft.com/office/drawing/2014/main" id="{455F2C3F-72FC-70DC-DA75-B07B250D9894}"/>
+              </a:ext>
+            </a:extLst>
+          </p:cNvPr>
+          <p:cNvPicPr>
+            <a:picLocks noChangeAspect="1"/>
+          </p:cNvPicPr>
+          <p:nvPr/>
+        </p:nvPicPr>
+        <p:blipFill rotWithShape="1">
+          <a:blip r:embed="rId3"/>
+          <a:srcRect l="-1151"/>
+          <a:stretch/>
+        </p:blipFill>
+        <p:spPr>
+          <a:xfrm>
+            <a:off x="2201425" y="925294"/>
+            <a:ext cx="6186302" cy="828791"/>
+          </a:xfrm>
+          <a:prstGeom prst="rect">
+            <a:avLst/>
+          </a:prstGeom>
+        </p:spPr>
+      </p:pic>
+      <p:pic>
+        <p:nvPicPr>
+          <p:cNvPr id="14" name="Picture 13">
+            <a:extLst>
+              <a:ext uri="{FF2B5EF4-FFF2-40B4-BE49-F238E27FC236}">
+                <a16:creationId xmlns:a16="http://schemas.microsoft.com/office/drawing/2014/main" id="{C1D23BA8-DD41-186C-D459-EA327A50E7C4}"/>
+              </a:ext>
+            </a:extLst>
+          </p:cNvPr>
+          <p:cNvPicPr>
+            <a:picLocks noChangeAspect="1"/>
+          </p:cNvPicPr>
+          <p:nvPr/>
+        </p:nvPicPr>
+        <p:blipFill rotWithShape="1">
+          <a:blip r:embed="rId4"/>
+          <a:srcRect l="166" r="4029" b="12220"/>
+          <a:stretch/>
+        </p:blipFill>
+        <p:spPr>
+          <a:xfrm>
+            <a:off x="8475119" y="2679576"/>
+            <a:ext cx="3668941" cy="1572093"/>
+          </a:xfrm>
+          <a:prstGeom prst="rect">
+            <a:avLst/>
+          </a:prstGeom>
+          <a:ln>
+            <a:solidFill>
+              <a:schemeClr val="bg1">
+                <a:lumMod val="85000"/>
+              </a:schemeClr>
+            </a:solidFill>
+          </a:ln>
+        </p:spPr>
+      </p:pic>
+      <p:sp>
+        <p:nvSpPr>
+          <p:cNvPr id="22" name="Rectangle 21">
+            <a:extLst>
+              <a:ext uri="{FF2B5EF4-FFF2-40B4-BE49-F238E27FC236}">
+                <a16:creationId xmlns:a16="http://schemas.microsoft.com/office/drawing/2014/main" id="{1F93DA63-1F23-A6D9-598E-57C926F19B67}"/>
+              </a:ext>
+            </a:extLst>
+          </p:cNvPr>
+          <p:cNvSpPr/>
+          <p:nvPr/>
+        </p:nvSpPr>
+        <p:spPr>
+          <a:xfrm>
+            <a:off x="9748341" y="6430178"/>
+            <a:ext cx="1887101" cy="387476"/>
+          </a:xfrm>
+          <a:prstGeom prst="rect">
+            <a:avLst/>
+          </a:prstGeom>
+          <a:solidFill>
+            <a:schemeClr val="bg1"/>
+          </a:solidFill>
+          <a:ln>
+            <a:noFill/>
+          </a:ln>
+        </p:spPr>
+        <p:style>
+          <a:lnRef idx="2">
+            <a:schemeClr val="accent1">
+              <a:shade val="15000"/>
+            </a:schemeClr>
+          </a:lnRef>
+          <a:fillRef idx="1">
+            <a:schemeClr val="accent1"/>
+          </a:fillRef>
+          <a:effectRef idx="0">
+            <a:schemeClr val="accent1"/>
+          </a:effectRef>
+          <a:fontRef idx="minor">
+            <a:schemeClr val="lt1"/>
+          </a:fontRef>
+        </p:style>
+        <p:txBody>
+          <a:bodyPr rtlCol="0" anchor="ctr"/>
+          <a:lstStyle/>
+          <a:p>
+            <a:pPr algn="ctr"/>
+            <a:endParaRPr lang="en-US"/>
+          </a:p>
+        </p:txBody>
+      </p:sp>
+      <p:pic>
+        <p:nvPicPr>
+          <p:cNvPr id="18" name="Picture 17">
+            <a:extLst>
+              <a:ext uri="{FF2B5EF4-FFF2-40B4-BE49-F238E27FC236}">
+                <a16:creationId xmlns:a16="http://schemas.microsoft.com/office/drawing/2014/main" id="{4370BBB5-B155-D388-75A8-A7340331C805}"/>
+              </a:ext>
+            </a:extLst>
+          </p:cNvPr>
+          <p:cNvPicPr>
+            <a:picLocks noChangeAspect="1"/>
+          </p:cNvPicPr>
+          <p:nvPr/>
+        </p:nvPicPr>
+        <p:blipFill rotWithShape="1">
+          <a:blip r:embed="rId5"/>
+          <a:srcRect l="381" r="4620"/>
+          <a:stretch/>
+        </p:blipFill>
+        <p:spPr>
+          <a:xfrm>
+            <a:off x="8495076" y="4994975"/>
+            <a:ext cx="3629025" cy="1781424"/>
+          </a:xfrm>
+          <a:prstGeom prst="rect">
+            <a:avLst/>
+          </a:prstGeom>
+          <a:ln>
+            <a:solidFill>
+              <a:schemeClr val="bg1">
+                <a:lumMod val="85000"/>
+              </a:schemeClr>
+            </a:solidFill>
+          </a:ln>
+        </p:spPr>
+      </p:pic>
+      <p:sp>
+        <p:nvSpPr>
+          <p:cNvPr id="32" name="TextBox 31">
+            <a:extLst>
+              <a:ext uri="{FF2B5EF4-FFF2-40B4-BE49-F238E27FC236}">
+                <a16:creationId xmlns:a16="http://schemas.microsoft.com/office/drawing/2014/main" id="{D89AA0E2-2AC1-27E5-929A-624F726B796B}"/>
+              </a:ext>
+            </a:extLst>
+          </p:cNvPr>
+          <p:cNvSpPr txBox="1"/>
+          <p:nvPr/>
+        </p:nvSpPr>
+        <p:spPr>
+          <a:xfrm>
+            <a:off x="2250608" y="1724231"/>
+            <a:ext cx="8709473" cy="830997"/>
+          </a:xfrm>
+          <a:prstGeom prst="rect">
+            <a:avLst/>
+          </a:prstGeom>
+          <a:noFill/>
+        </p:spPr>
+        <p:txBody>
+          <a:bodyPr wrap="square">
+            <a:spAutoFit/>
+          </a:bodyPr>
+          <a:lstStyle/>
+          <a:p>
+            <a:pPr marL="342900" indent="-342900">
+              <a:buAutoNum type="arabicPeriod"/>
+            </a:pPr>
+            <a:r>
+              <a:rPr lang="en-US" sz="1600" b="1" dirty="0">
+                <a:solidFill>
+                  <a:srgbClr val="2C3E50"/>
+                </a:solidFill>
+                <a:latin typeface="Lato" panose="020F0502020204030203" pitchFamily="34" charset="0"/>
+              </a:rPr>
+              <a:t>C</a:t>
+            </a:r>
+            <a:r>
+              <a:rPr lang="en-US" sz="1600" b="1" i="0" dirty="0">
+                <a:solidFill>
+                  <a:srgbClr val="2C3E50"/>
+                </a:solidFill>
+                <a:effectLst/>
+                <a:latin typeface="Lato" panose="020F0502020204030203" pitchFamily="34" charset="0"/>
+              </a:rPr>
+              <a:t>enters</a:t>
+            </a:r>
+            <a:r>
+              <a:rPr lang="en-US" sz="1600" b="0" i="0" dirty="0">
+                <a:solidFill>
+                  <a:srgbClr val="2C3E50"/>
+                </a:solidFill>
+                <a:effectLst/>
+                <a:latin typeface="Lato" panose="020F0502020204030203" pitchFamily="34" charset="0"/>
+              </a:rPr>
+              <a:t> gene expression by </a:t>
+            </a:r>
+            <a:r>
+              <a:rPr lang="en-US" sz="1600" b="0" i="1" u="sng" dirty="0">
+                <a:solidFill>
+                  <a:srgbClr val="2C3E50"/>
+                </a:solidFill>
+                <a:effectLst/>
+                <a:latin typeface="Lato" panose="020F0502020204030203" pitchFamily="34" charset="0"/>
+              </a:rPr>
+              <a:t>subtracting the average</a:t>
+            </a:r>
+            <a:r>
+              <a:rPr lang="en-US" sz="1600" b="0" i="1" dirty="0">
+                <a:solidFill>
+                  <a:srgbClr val="2C3E50"/>
+                </a:solidFill>
+                <a:effectLst/>
+                <a:latin typeface="Lato" panose="020F0502020204030203" pitchFamily="34" charset="0"/>
+              </a:rPr>
+              <a:t> </a:t>
+            </a:r>
+            <a:r>
+              <a:rPr lang="en-US" sz="1600" b="0" i="0" dirty="0">
+                <a:solidFill>
+                  <a:srgbClr val="2C3E50"/>
+                </a:solidFill>
+                <a:effectLst/>
+                <a:latin typeface="Lato" panose="020F0502020204030203" pitchFamily="34" charset="0"/>
+              </a:rPr>
+              <a:t>expression for that gene. </a:t>
+            </a:r>
+          </a:p>
+          <a:p>
+            <a:pPr marL="342900" indent="-342900">
+              <a:buAutoNum type="arabicPeriod"/>
+            </a:pPr>
+            <a:r>
+              <a:rPr lang="en-US" sz="1600" b="1" dirty="0">
+                <a:solidFill>
+                  <a:srgbClr val="2C3E50"/>
+                </a:solidFill>
+                <a:latin typeface="Lato" panose="020F0502020204030203" pitchFamily="34" charset="0"/>
+              </a:rPr>
+              <a:t>S</a:t>
+            </a:r>
+            <a:r>
+              <a:rPr lang="en-US" sz="1600" b="1" i="0" dirty="0">
+                <a:solidFill>
+                  <a:srgbClr val="2C3E50"/>
+                </a:solidFill>
+                <a:effectLst/>
+                <a:latin typeface="Lato" panose="020F0502020204030203" pitchFamily="34" charset="0"/>
+              </a:rPr>
+              <a:t>cale</a:t>
+            </a:r>
+            <a:r>
+              <a:rPr lang="en-US" sz="1600" b="1" dirty="0">
+                <a:solidFill>
+                  <a:srgbClr val="2C3E50"/>
+                </a:solidFill>
+                <a:latin typeface="Lato" panose="020F0502020204030203" pitchFamily="34" charset="0"/>
+              </a:rPr>
+              <a:t>s </a:t>
+            </a:r>
+            <a:r>
+              <a:rPr lang="en-US" sz="1600" b="1" i="0" dirty="0">
+                <a:solidFill>
+                  <a:srgbClr val="2C3E50"/>
+                </a:solidFill>
+                <a:effectLst/>
+                <a:latin typeface="Lato" panose="020F0502020204030203" pitchFamily="34" charset="0"/>
+              </a:rPr>
+              <a:t>expression</a:t>
+            </a:r>
+            <a:r>
+              <a:rPr lang="en-US" sz="1600" b="0" i="0" dirty="0">
+                <a:solidFill>
+                  <a:srgbClr val="2C3E50"/>
+                </a:solidFill>
+                <a:effectLst/>
+                <a:latin typeface="Lato" panose="020F0502020204030203" pitchFamily="34" charset="0"/>
+              </a:rPr>
+              <a:t> for each gene by </a:t>
+            </a:r>
+            <a:r>
+              <a:rPr lang="en-US" sz="1600" b="0" i="1" u="sng" dirty="0">
+                <a:solidFill>
+                  <a:srgbClr val="2C3E50"/>
+                </a:solidFill>
+                <a:effectLst/>
+                <a:latin typeface="Lato" panose="020F0502020204030203" pitchFamily="34" charset="0"/>
+              </a:rPr>
+              <a:t>dividing the centered gene expression </a:t>
+            </a:r>
+            <a:r>
+              <a:rPr lang="en-US" sz="1600" b="0" i="0" dirty="0">
+                <a:solidFill>
+                  <a:srgbClr val="2C3E50"/>
+                </a:solidFill>
+                <a:effectLst/>
+                <a:latin typeface="Lato" panose="020F0502020204030203" pitchFamily="34" charset="0"/>
+              </a:rPr>
+              <a:t>by their </a:t>
+            </a:r>
+            <a:r>
+              <a:rPr lang="en-US" sz="1600" b="0" i="1" u="sng" dirty="0">
+                <a:solidFill>
+                  <a:srgbClr val="2C3E50"/>
+                </a:solidFill>
+                <a:effectLst/>
+                <a:latin typeface="Lato" panose="020F0502020204030203" pitchFamily="34" charset="0"/>
+              </a:rPr>
+              <a:t>standard deviations</a:t>
+            </a:r>
+            <a:r>
+              <a:rPr lang="en-US" sz="1600" b="0" i="0" dirty="0">
+                <a:solidFill>
+                  <a:srgbClr val="2C3E50"/>
+                </a:solidFill>
+                <a:effectLst/>
+                <a:latin typeface="Lato" panose="020F0502020204030203" pitchFamily="34" charset="0"/>
+              </a:rPr>
+              <a:t>.</a:t>
+            </a:r>
+            <a:endParaRPr lang="en-US" sz="1600" dirty="0"/>
+          </a:p>
+        </p:txBody>
+      </p:sp>
+      <p:sp>
+        <p:nvSpPr>
+          <p:cNvPr id="1033" name="TextBox 1032">
+            <a:extLst>
+              <a:ext uri="{FF2B5EF4-FFF2-40B4-BE49-F238E27FC236}">
+                <a16:creationId xmlns:a16="http://schemas.microsoft.com/office/drawing/2014/main" id="{2BC0E9DB-1969-D1EC-AB60-0236744EB67E}"/>
+              </a:ext>
+            </a:extLst>
+          </p:cNvPr>
+          <p:cNvSpPr txBox="1"/>
+          <p:nvPr/>
+        </p:nvSpPr>
+        <p:spPr>
+          <a:xfrm>
+            <a:off x="2194985" y="594558"/>
+            <a:ext cx="6812762" cy="369332"/>
+          </a:xfrm>
+          <a:prstGeom prst="rect">
+            <a:avLst/>
+          </a:prstGeom>
+          <a:noFill/>
+        </p:spPr>
+        <p:txBody>
+          <a:bodyPr wrap="none" rtlCol="0">
+            <a:spAutoFit/>
+          </a:bodyPr>
+          <a:lstStyle/>
+          <a:p>
+            <a:r>
+              <a:rPr lang="en-US" dirty="0"/>
+              <a:t>Gene expression is scaled (row wise z-scored) to compare across genes</a:t>
+            </a:r>
+          </a:p>
+        </p:txBody>
+      </p:sp>
+      <p:sp>
+        <p:nvSpPr>
+          <p:cNvPr id="33" name="TextBox 32">
+            <a:extLst>
+              <a:ext uri="{FF2B5EF4-FFF2-40B4-BE49-F238E27FC236}">
+                <a16:creationId xmlns:a16="http://schemas.microsoft.com/office/drawing/2014/main" id="{3355AABB-4215-772A-1DB7-55FB766820C1}"/>
+              </a:ext>
+            </a:extLst>
+          </p:cNvPr>
+          <p:cNvSpPr txBox="1"/>
+          <p:nvPr/>
+        </p:nvSpPr>
+        <p:spPr>
+          <a:xfrm>
+            <a:off x="9112884" y="934465"/>
+            <a:ext cx="2811924" cy="369332"/>
+          </a:xfrm>
+          <a:prstGeom prst="rect">
+            <a:avLst/>
+          </a:prstGeom>
+          <a:noFill/>
+        </p:spPr>
+        <p:txBody>
+          <a:bodyPr wrap="none" rtlCol="0">
+            <a:spAutoFit/>
+          </a:bodyPr>
+          <a:lstStyle/>
+          <a:p>
+            <a:r>
+              <a:rPr lang="en-US" dirty="0"/>
+              <a:t>Z-score = (x-mean(x))/std(x)</a:t>
+            </a:r>
+          </a:p>
+        </p:txBody>
+      </p:sp>
+      <p:sp>
+        <p:nvSpPr>
+          <p:cNvPr id="1385" name="Arrow: Right 1384">
+            <a:extLst>
+              <a:ext uri="{FF2B5EF4-FFF2-40B4-BE49-F238E27FC236}">
+                <a16:creationId xmlns:a16="http://schemas.microsoft.com/office/drawing/2014/main" id="{1A052473-BEF7-A2BC-6322-D5EA0B18BF3F}"/>
+              </a:ext>
+            </a:extLst>
+          </p:cNvPr>
+          <p:cNvSpPr/>
+          <p:nvPr/>
+        </p:nvSpPr>
+        <p:spPr>
+          <a:xfrm rot="5400000">
+            <a:off x="10109705" y="4418652"/>
+            <a:ext cx="399765" cy="386089"/>
+          </a:xfrm>
+          <a:prstGeom prst="rightArrow">
+            <a:avLst/>
+          </a:prstGeom>
+          <a:solidFill>
+            <a:srgbClr val="CBCBCB"/>
+          </a:solidFill>
+          <a:ln>
+            <a:noFill/>
+          </a:ln>
+        </p:spPr>
+        <p:style>
+          <a:lnRef idx="2">
+            <a:schemeClr val="accent1">
+              <a:shade val="15000"/>
+            </a:schemeClr>
+          </a:lnRef>
+          <a:fillRef idx="1">
+            <a:schemeClr val="accent1"/>
+          </a:fillRef>
+          <a:effectRef idx="0">
+            <a:schemeClr val="accent1"/>
+          </a:effectRef>
+          <a:fontRef idx="minor">
+            <a:schemeClr val="lt1"/>
+          </a:fontRef>
+        </p:style>
+        <p:txBody>
+          <a:bodyPr rtlCol="0" anchor="ctr"/>
+          <a:lstStyle/>
+          <a:p>
+            <a:pPr algn="ctr"/>
+            <a:endParaRPr lang="en-US"/>
+          </a:p>
+        </p:txBody>
+      </p:sp>
+      <p:sp>
+        <p:nvSpPr>
+          <p:cNvPr id="1386" name="Arrow: Right 1385">
+            <a:extLst>
+              <a:ext uri="{FF2B5EF4-FFF2-40B4-BE49-F238E27FC236}">
+                <a16:creationId xmlns:a16="http://schemas.microsoft.com/office/drawing/2014/main" id="{AF1C1C1D-FA5E-BCCD-478A-D3CB59BA4791}"/>
+              </a:ext>
+            </a:extLst>
+          </p:cNvPr>
+          <p:cNvSpPr/>
+          <p:nvPr/>
+        </p:nvSpPr>
+        <p:spPr>
+          <a:xfrm rot="5400000">
+            <a:off x="5184653" y="4513346"/>
+            <a:ext cx="399765" cy="386089"/>
+          </a:xfrm>
+          <a:prstGeom prst="rightArrow">
+            <a:avLst/>
+          </a:prstGeom>
+          <a:solidFill>
+            <a:srgbClr val="CBCBCB"/>
+          </a:solidFill>
+          <a:ln>
+            <a:noFill/>
+          </a:ln>
+        </p:spPr>
+        <p:style>
+          <a:lnRef idx="2">
+            <a:schemeClr val="accent1">
+              <a:shade val="15000"/>
+            </a:schemeClr>
+          </a:lnRef>
+          <a:fillRef idx="1">
+            <a:schemeClr val="accent1"/>
+          </a:fillRef>
+          <a:effectRef idx="0">
+            <a:schemeClr val="accent1"/>
+          </a:effectRef>
+          <a:fontRef idx="minor">
+            <a:schemeClr val="lt1"/>
+          </a:fontRef>
+        </p:style>
+        <p:txBody>
+          <a:bodyPr rtlCol="0" anchor="ctr"/>
+          <a:lstStyle/>
+          <a:p>
+            <a:pPr algn="ctr"/>
+            <a:endParaRPr lang="en-US" dirty="0"/>
+          </a:p>
+        </p:txBody>
+      </p:sp>
+      <p:sp>
+        <p:nvSpPr>
+          <p:cNvPr id="1387" name="TextBox 1386">
+            <a:extLst>
+              <a:ext uri="{FF2B5EF4-FFF2-40B4-BE49-F238E27FC236}">
+                <a16:creationId xmlns:a16="http://schemas.microsoft.com/office/drawing/2014/main" id="{293A4A1E-D84A-85AE-AB4B-37E7540C6632}"/>
+              </a:ext>
+            </a:extLst>
+          </p:cNvPr>
+          <p:cNvSpPr txBox="1"/>
+          <p:nvPr/>
+        </p:nvSpPr>
+        <p:spPr>
+          <a:xfrm>
+            <a:off x="9620233" y="1225062"/>
+            <a:ext cx="1937838" cy="369332"/>
+          </a:xfrm>
+          <a:prstGeom prst="rect">
+            <a:avLst/>
+          </a:prstGeom>
+          <a:noFill/>
+        </p:spPr>
+        <p:txBody>
+          <a:bodyPr wrap="none" rtlCol="0">
+            <a:spAutoFit/>
+          </a:bodyPr>
+          <a:lstStyle/>
+          <a:p>
+            <a:r>
+              <a:rPr lang="en-US" dirty="0"/>
+              <a:t># of SD from mean</a:t>
+            </a:r>
+          </a:p>
+        </p:txBody>
+      </p:sp>
+      <p:pic>
+        <p:nvPicPr>
+          <p:cNvPr id="1668" name="Picture 1667" descr="A screenshot of a graph&#10;&#10;Description automatically generated">
+            <a:extLst>
+              <a:ext uri="{FF2B5EF4-FFF2-40B4-BE49-F238E27FC236}">
+                <a16:creationId xmlns:a16="http://schemas.microsoft.com/office/drawing/2014/main" id="{9CDD5EF5-722E-315B-EE2E-256919B41468}"/>
+              </a:ext>
+            </a:extLst>
+          </p:cNvPr>
+          <p:cNvPicPr>
+            <a:picLocks noChangeAspect="1"/>
+          </p:cNvPicPr>
+          <p:nvPr/>
+        </p:nvPicPr>
+        <p:blipFill>
+          <a:blip r:embed="rId6">
+            <a:extLst>
+              <a:ext uri="{28A0092B-C50C-407E-A947-70E740481C1C}">
+                <a14:useLocalDpi xmlns:a14="http://schemas.microsoft.com/office/drawing/2010/main" val="0"/>
+              </a:ext>
+            </a:extLst>
+          </a:blip>
+          <a:stretch>
+            <a:fillRect/>
+          </a:stretch>
+        </p:blipFill>
+        <p:spPr>
+          <a:xfrm>
+            <a:off x="2054839" y="4953800"/>
+            <a:ext cx="6400813" cy="1828804"/>
+          </a:xfrm>
+          <a:prstGeom prst="rect">
+            <a:avLst/>
+          </a:prstGeom>
+        </p:spPr>
+      </p:pic>
+      <p:pic>
+        <p:nvPicPr>
+          <p:cNvPr id="1670" name="Picture 1669" descr="A graph of a bar chart&#10;&#10;Description automatically generated with medium confidence">
+            <a:extLst>
+              <a:ext uri="{FF2B5EF4-FFF2-40B4-BE49-F238E27FC236}">
+                <a16:creationId xmlns:a16="http://schemas.microsoft.com/office/drawing/2014/main" id="{89489A54-51A3-CC7F-3F1E-9D77C345D037}"/>
+              </a:ext>
+            </a:extLst>
+          </p:cNvPr>
+          <p:cNvPicPr>
+            <a:picLocks noChangeAspect="1"/>
+          </p:cNvPicPr>
+          <p:nvPr/>
+        </p:nvPicPr>
+        <p:blipFill>
+          <a:blip r:embed="rId7">
+            <a:extLst>
+              <a:ext uri="{28A0092B-C50C-407E-A947-70E740481C1C}">
+                <a14:useLocalDpi xmlns:a14="http://schemas.microsoft.com/office/drawing/2010/main" val="0"/>
+              </a:ext>
+            </a:extLst>
+          </a:blip>
+          <a:stretch>
+            <a:fillRect/>
+          </a:stretch>
+        </p:blipFill>
+        <p:spPr>
+          <a:xfrm>
+            <a:off x="2054839" y="2646652"/>
+            <a:ext cx="6400813" cy="1828804"/>
+          </a:xfrm>
+          <a:prstGeom prst="rect">
+            <a:avLst/>
+          </a:prstGeom>
+        </p:spPr>
+      </p:pic>
+      <p:sp>
+        <p:nvSpPr>
+          <p:cNvPr id="1672" name="Rectangle 1671">
+            <a:extLst>
+              <a:ext uri="{FF2B5EF4-FFF2-40B4-BE49-F238E27FC236}">
+                <a16:creationId xmlns:a16="http://schemas.microsoft.com/office/drawing/2014/main" id="{639452C2-81BF-B2DE-FC07-23067F0AE389}"/>
+              </a:ext>
+            </a:extLst>
+          </p:cNvPr>
+          <p:cNvSpPr/>
+          <p:nvPr/>
+        </p:nvSpPr>
+        <p:spPr>
+          <a:xfrm>
+            <a:off x="8495076" y="6532443"/>
+            <a:ext cx="3629025" cy="250161"/>
+          </a:xfrm>
+          <a:prstGeom prst="rect">
+            <a:avLst/>
+          </a:prstGeom>
+          <a:noFill/>
+          <a:ln>
+            <a:solidFill>
+              <a:srgbClr val="FFC000"/>
+            </a:solidFill>
+          </a:ln>
+        </p:spPr>
+        <p:style>
+          <a:lnRef idx="2">
+            <a:schemeClr val="accent1">
+              <a:shade val="15000"/>
+            </a:schemeClr>
+          </a:lnRef>
+          <a:fillRef idx="1">
+            <a:schemeClr val="accent1"/>
+          </a:fillRef>
+          <a:effectRef idx="0">
+            <a:schemeClr val="accent1"/>
+          </a:effectRef>
+          <a:fontRef idx="minor">
+            <a:schemeClr val="lt1"/>
+          </a:fontRef>
+        </p:style>
+        <p:txBody>
+          <a:bodyPr rtlCol="0" anchor="ctr"/>
+          <a:lstStyle/>
+          <a:p>
+            <a:pPr algn="ctr"/>
+            <a:endParaRPr lang="en-US"/>
+          </a:p>
+        </p:txBody>
+      </p:sp>
+      <p:sp>
+        <p:nvSpPr>
+          <p:cNvPr id="1364" name="Arrow: Right 1363">
+            <a:extLst>
+              <a:ext uri="{FF2B5EF4-FFF2-40B4-BE49-F238E27FC236}">
+                <a16:creationId xmlns:a16="http://schemas.microsoft.com/office/drawing/2014/main" id="{3AC0F6CE-F909-0A28-7711-97056237B67D}"/>
+              </a:ext>
+            </a:extLst>
+          </p:cNvPr>
+          <p:cNvSpPr/>
+          <p:nvPr/>
+        </p:nvSpPr>
+        <p:spPr>
+          <a:xfrm rot="5400000">
+            <a:off x="954582" y="999393"/>
+            <a:ext cx="125415" cy="386089"/>
+          </a:xfrm>
+          <a:prstGeom prst="rightArrow">
+            <a:avLst/>
+          </a:prstGeom>
+          <a:solidFill>
+            <a:srgbClr val="CBCBCB"/>
+          </a:solidFill>
+          <a:ln>
+            <a:noFill/>
+          </a:ln>
+        </p:spPr>
+        <p:style>
+          <a:lnRef idx="2">
+            <a:schemeClr val="accent1">
+              <a:shade val="15000"/>
+            </a:schemeClr>
+          </a:lnRef>
+          <a:fillRef idx="1">
+            <a:schemeClr val="accent1"/>
+          </a:fillRef>
+          <a:effectRef idx="0">
+            <a:schemeClr val="accent1"/>
+          </a:effectRef>
+          <a:fontRef idx="minor">
+            <a:schemeClr val="lt1"/>
+          </a:fontRef>
+        </p:style>
+        <p:txBody>
+          <a:bodyPr rtlCol="0" anchor="ctr"/>
+          <a:lstStyle/>
+          <a:p>
+            <a:pPr algn="ctr"/>
+            <a:endParaRPr lang="en-US"/>
+          </a:p>
+        </p:txBody>
+      </p:sp>
+      <p:grpSp>
+        <p:nvGrpSpPr>
+          <p:cNvPr id="1365" name="Group 1364">
+            <a:extLst>
+              <a:ext uri="{FF2B5EF4-FFF2-40B4-BE49-F238E27FC236}">
+                <a16:creationId xmlns:a16="http://schemas.microsoft.com/office/drawing/2014/main" id="{9BD0442E-B0C7-AF57-D230-0A707B7374E9}"/>
+              </a:ext>
+            </a:extLst>
+          </p:cNvPr>
+          <p:cNvGrpSpPr/>
+          <p:nvPr/>
+        </p:nvGrpSpPr>
+        <p:grpSpPr>
+          <a:xfrm>
+            <a:off x="259881" y="615983"/>
+            <a:ext cx="1514816" cy="338554"/>
+            <a:chOff x="-69645" y="698949"/>
+            <a:chExt cx="2178751" cy="338554"/>
+          </a:xfrm>
+        </p:grpSpPr>
+        <p:sp>
+          <p:nvSpPr>
+            <p:cNvPr id="1366" name="Rectangle 1365">
+              <a:extLst>
+                <a:ext uri="{FF2B5EF4-FFF2-40B4-BE49-F238E27FC236}">
+                  <a16:creationId xmlns:a16="http://schemas.microsoft.com/office/drawing/2014/main" id="{52145859-C182-45FF-9C56-8EC9109C339E}"/>
+                </a:ext>
+              </a:extLst>
+            </p:cNvPr>
+            <p:cNvSpPr/>
+            <p:nvPr/>
+          </p:nvSpPr>
+          <p:spPr>
+            <a:xfrm>
+              <a:off x="113942" y="750352"/>
+              <a:ext cx="1834757" cy="256032"/>
+            </a:xfrm>
+            <a:prstGeom prst="rect">
+              <a:avLst/>
+            </a:prstGeom>
+            <a:solidFill>
+              <a:schemeClr val="bg1"/>
+            </a:solidFill>
+            <a:ln>
+              <a:solidFill>
+                <a:schemeClr val="tx1"/>
+              </a:solidFill>
+            </a:ln>
+          </p:spPr>
+          <p:style>
+            <a:lnRef idx="2">
+              <a:schemeClr val="accent1">
+                <a:shade val="15000"/>
+              </a:schemeClr>
+            </a:lnRef>
+            <a:fillRef idx="1">
+              <a:schemeClr val="accent1"/>
+            </a:fillRef>
+            <a:effectRef idx="0">
+              <a:schemeClr val="accent1"/>
+            </a:effectRef>
+            <a:fontRef idx="minor">
+              <a:schemeClr val="lt1"/>
+            </a:fontRef>
+          </p:style>
+          <p:txBody>
+            <a:bodyPr rtlCol="0" anchor="ctr"/>
+            <a:lstStyle/>
+            <a:p>
+              <a:pPr algn="ctr"/>
+              <a:endParaRPr lang="en-US" sz="1600">
+                <a:solidFill>
+                  <a:schemeClr val="tx1"/>
+                </a:solidFill>
+              </a:endParaRPr>
+            </a:p>
+          </p:txBody>
+        </p:sp>
+        <p:sp>
+          <p:nvSpPr>
+            <p:cNvPr id="1367" name="TextBox 1366">
+              <a:extLst>
+                <a:ext uri="{FF2B5EF4-FFF2-40B4-BE49-F238E27FC236}">
+                  <a16:creationId xmlns:a16="http://schemas.microsoft.com/office/drawing/2014/main" id="{9FA13F2F-06AB-D843-E33C-707EDA5BFC6A}"/>
+                </a:ext>
+              </a:extLst>
+            </p:cNvPr>
+            <p:cNvSpPr txBox="1"/>
+            <p:nvPr/>
+          </p:nvSpPr>
+          <p:spPr>
+            <a:xfrm>
+              <a:off x="-69645" y="698949"/>
+              <a:ext cx="2178751" cy="338554"/>
+            </a:xfrm>
+            <a:prstGeom prst="rect">
+              <a:avLst/>
+            </a:prstGeom>
+            <a:noFill/>
+          </p:spPr>
+          <p:txBody>
+            <a:bodyPr wrap="square" rtlCol="0">
+              <a:spAutoFit/>
+            </a:bodyPr>
+            <a:lstStyle/>
+            <a:p>
+              <a:pPr algn="ctr"/>
+              <a:r>
+                <a:rPr lang="en-US" sz="1600" b="1" dirty="0"/>
+                <a:t>Importation</a:t>
+              </a:r>
+            </a:p>
+          </p:txBody>
+        </p:sp>
+      </p:grpSp>
+      <p:grpSp>
+        <p:nvGrpSpPr>
+          <p:cNvPr id="1368" name="Group 1367">
+            <a:extLst>
+              <a:ext uri="{FF2B5EF4-FFF2-40B4-BE49-F238E27FC236}">
+                <a16:creationId xmlns:a16="http://schemas.microsoft.com/office/drawing/2014/main" id="{244E61F3-4F5F-0468-B91C-BFD12D2C9B11}"/>
+              </a:ext>
+            </a:extLst>
+          </p:cNvPr>
+          <p:cNvGrpSpPr/>
+          <p:nvPr/>
+        </p:nvGrpSpPr>
+        <p:grpSpPr>
+          <a:xfrm>
+            <a:off x="129591" y="2495739"/>
+            <a:ext cx="1775396" cy="338554"/>
+            <a:chOff x="-11289" y="2786494"/>
+            <a:chExt cx="2170520" cy="338554"/>
+          </a:xfrm>
+        </p:grpSpPr>
+        <p:sp>
+          <p:nvSpPr>
+            <p:cNvPr id="1369" name="Rectangle 1368">
+              <a:extLst>
+                <a:ext uri="{FF2B5EF4-FFF2-40B4-BE49-F238E27FC236}">
+                  <a16:creationId xmlns:a16="http://schemas.microsoft.com/office/drawing/2014/main" id="{DEBBC858-49DA-F9EA-00F2-0CC7F2AA82D3}"/>
+                </a:ext>
+              </a:extLst>
+            </p:cNvPr>
+            <p:cNvSpPr/>
+            <p:nvPr/>
+          </p:nvSpPr>
+          <p:spPr>
+            <a:xfrm>
+              <a:off x="176908" y="2814116"/>
+              <a:ext cx="1835101" cy="256032"/>
+            </a:xfrm>
+            <a:prstGeom prst="rect">
+              <a:avLst/>
+            </a:prstGeom>
+            <a:solidFill>
+              <a:schemeClr val="bg1"/>
+            </a:solidFill>
+            <a:ln>
+              <a:solidFill>
+                <a:schemeClr val="tx1"/>
+              </a:solidFill>
+            </a:ln>
+          </p:spPr>
+          <p:style>
+            <a:lnRef idx="2">
+              <a:schemeClr val="accent1">
+                <a:shade val="15000"/>
+              </a:schemeClr>
+            </a:lnRef>
+            <a:fillRef idx="1">
+              <a:schemeClr val="accent1"/>
+            </a:fillRef>
+            <a:effectRef idx="0">
+              <a:schemeClr val="accent1"/>
+            </a:effectRef>
+            <a:fontRef idx="minor">
+              <a:schemeClr val="lt1"/>
+            </a:fontRef>
+          </p:style>
+          <p:txBody>
+            <a:bodyPr rtlCol="0" anchor="ctr"/>
+            <a:lstStyle/>
+            <a:p>
+              <a:pPr algn="ctr"/>
+              <a:endParaRPr lang="en-US">
+                <a:solidFill>
+                  <a:schemeClr val="tx1"/>
+                </a:solidFill>
+              </a:endParaRPr>
+            </a:p>
+          </p:txBody>
+        </p:sp>
+        <p:sp>
+          <p:nvSpPr>
+            <p:cNvPr id="1370" name="TextBox 1369">
+              <a:extLst>
+                <a:ext uri="{FF2B5EF4-FFF2-40B4-BE49-F238E27FC236}">
+                  <a16:creationId xmlns:a16="http://schemas.microsoft.com/office/drawing/2014/main" id="{364C0C8C-C879-9040-BBF5-F56525E8D36D}"/>
+                </a:ext>
+              </a:extLst>
+            </p:cNvPr>
+            <p:cNvSpPr txBox="1"/>
+            <p:nvPr/>
+          </p:nvSpPr>
+          <p:spPr>
+            <a:xfrm>
+              <a:off x="-11289" y="2786494"/>
+              <a:ext cx="2170520" cy="338554"/>
+            </a:xfrm>
+            <a:prstGeom prst="rect">
+              <a:avLst/>
+            </a:prstGeom>
+            <a:noFill/>
+          </p:spPr>
+          <p:txBody>
+            <a:bodyPr wrap="square" rtlCol="0">
+              <a:spAutoFit/>
+            </a:bodyPr>
+            <a:lstStyle/>
+            <a:p>
+              <a:pPr algn="ctr"/>
+              <a:r>
+                <a:rPr lang="en-US" sz="1600" b="1" dirty="0"/>
+                <a:t>Normalization</a:t>
+              </a:r>
+            </a:p>
+          </p:txBody>
+        </p:sp>
+      </p:grpSp>
+      <p:grpSp>
+        <p:nvGrpSpPr>
+          <p:cNvPr id="1371" name="Group 1370">
+            <a:extLst>
+              <a:ext uri="{FF2B5EF4-FFF2-40B4-BE49-F238E27FC236}">
+                <a16:creationId xmlns:a16="http://schemas.microsoft.com/office/drawing/2014/main" id="{57156304-C56E-D2A5-F38A-66B6825A4C2C}"/>
+              </a:ext>
+            </a:extLst>
+          </p:cNvPr>
+          <p:cNvGrpSpPr/>
+          <p:nvPr/>
+        </p:nvGrpSpPr>
+        <p:grpSpPr>
+          <a:xfrm>
+            <a:off x="126166" y="3893924"/>
+            <a:ext cx="1782247" cy="830997"/>
+            <a:chOff x="27906" y="5317845"/>
+            <a:chExt cx="2185416" cy="830997"/>
+          </a:xfrm>
+        </p:grpSpPr>
+        <p:sp>
+          <p:nvSpPr>
+            <p:cNvPr id="1372" name="Rectangle 1371">
+              <a:extLst>
+                <a:ext uri="{FF2B5EF4-FFF2-40B4-BE49-F238E27FC236}">
+                  <a16:creationId xmlns:a16="http://schemas.microsoft.com/office/drawing/2014/main" id="{1A18FAD4-5848-9BEF-E1A2-2E16E6009058}"/>
+                </a:ext>
+              </a:extLst>
+            </p:cNvPr>
+            <p:cNvSpPr/>
+            <p:nvPr/>
+          </p:nvSpPr>
+          <p:spPr>
+            <a:xfrm>
+              <a:off x="292267" y="5372080"/>
+              <a:ext cx="1658952" cy="729608"/>
+            </a:xfrm>
+            <a:prstGeom prst="rect">
+              <a:avLst/>
+            </a:prstGeom>
+            <a:solidFill>
+              <a:schemeClr val="bg1"/>
+            </a:solidFill>
+            <a:ln>
+              <a:solidFill>
+                <a:schemeClr val="tx1"/>
+              </a:solidFill>
+            </a:ln>
+          </p:spPr>
+          <p:style>
+            <a:lnRef idx="2">
+              <a:schemeClr val="accent1">
+                <a:shade val="15000"/>
+              </a:schemeClr>
+            </a:lnRef>
+            <a:fillRef idx="1">
+              <a:schemeClr val="accent1"/>
+            </a:fillRef>
+            <a:effectRef idx="0">
+              <a:schemeClr val="accent1"/>
+            </a:effectRef>
+            <a:fontRef idx="minor">
+              <a:schemeClr val="lt1"/>
+            </a:fontRef>
+          </p:style>
+          <p:txBody>
+            <a:bodyPr rtlCol="0" anchor="ctr"/>
+            <a:lstStyle/>
+            <a:p>
+              <a:pPr algn="ctr"/>
+              <a:endParaRPr lang="en-US">
+                <a:solidFill>
+                  <a:schemeClr val="tx1"/>
+                </a:solidFill>
+              </a:endParaRPr>
+            </a:p>
+          </p:txBody>
+        </p:sp>
+        <p:sp>
+          <p:nvSpPr>
+            <p:cNvPr id="1373" name="TextBox 1372">
+              <a:extLst>
+                <a:ext uri="{FF2B5EF4-FFF2-40B4-BE49-F238E27FC236}">
+                  <a16:creationId xmlns:a16="http://schemas.microsoft.com/office/drawing/2014/main" id="{32FE405E-E645-BAC1-3F64-7177B0078243}"/>
+                </a:ext>
+              </a:extLst>
+            </p:cNvPr>
+            <p:cNvSpPr txBox="1"/>
+            <p:nvPr/>
+          </p:nvSpPr>
+          <p:spPr>
+            <a:xfrm>
+              <a:off x="27906" y="5317845"/>
+              <a:ext cx="2185416" cy="830997"/>
+            </a:xfrm>
+            <a:prstGeom prst="rect">
+              <a:avLst/>
+            </a:prstGeom>
+            <a:noFill/>
+          </p:spPr>
+          <p:txBody>
+            <a:bodyPr wrap="square" rtlCol="0">
+              <a:spAutoFit/>
+            </a:bodyPr>
+            <a:lstStyle/>
+            <a:p>
+              <a:pPr algn="ctr"/>
+              <a:r>
+                <a:rPr lang="en-US" sz="1600" b="1" dirty="0"/>
+                <a:t>Linear Dimensional </a:t>
+              </a:r>
+            </a:p>
+            <a:p>
+              <a:pPr algn="ctr"/>
+              <a:r>
+                <a:rPr lang="en-US" sz="1600" b="1" dirty="0"/>
+                <a:t>Reduction </a:t>
+              </a:r>
+            </a:p>
+          </p:txBody>
+        </p:sp>
+      </p:grpSp>
+      <p:grpSp>
+        <p:nvGrpSpPr>
+          <p:cNvPr id="1374" name="Group 1373">
+            <a:extLst>
+              <a:ext uri="{FF2B5EF4-FFF2-40B4-BE49-F238E27FC236}">
+                <a16:creationId xmlns:a16="http://schemas.microsoft.com/office/drawing/2014/main" id="{13EE33EA-D2BC-606A-EDE3-48B96A112BDD}"/>
+              </a:ext>
+            </a:extLst>
+          </p:cNvPr>
+          <p:cNvGrpSpPr/>
+          <p:nvPr/>
+        </p:nvGrpSpPr>
+        <p:grpSpPr>
+          <a:xfrm>
+            <a:off x="297313" y="5068440"/>
+            <a:ext cx="1439952" cy="338554"/>
+            <a:chOff x="154851" y="5720670"/>
+            <a:chExt cx="2215538" cy="338554"/>
+          </a:xfrm>
+        </p:grpSpPr>
+        <p:sp>
+          <p:nvSpPr>
+            <p:cNvPr id="1375" name="Rectangle 1374">
+              <a:extLst>
+                <a:ext uri="{FF2B5EF4-FFF2-40B4-BE49-F238E27FC236}">
+                  <a16:creationId xmlns:a16="http://schemas.microsoft.com/office/drawing/2014/main" id="{506A4FAF-4B24-8841-F8CA-3554E4A6E2D1}"/>
+                </a:ext>
+              </a:extLst>
+            </p:cNvPr>
+            <p:cNvSpPr/>
+            <p:nvPr/>
+          </p:nvSpPr>
+          <p:spPr>
+            <a:xfrm>
+              <a:off x="199869" y="5754457"/>
+              <a:ext cx="2170520" cy="282928"/>
+            </a:xfrm>
+            <a:prstGeom prst="rect">
+              <a:avLst/>
+            </a:prstGeom>
+            <a:solidFill>
+              <a:schemeClr val="bg1"/>
+            </a:solidFill>
+            <a:ln>
+              <a:solidFill>
+                <a:schemeClr val="tx1"/>
+              </a:solidFill>
+            </a:ln>
+          </p:spPr>
+          <p:style>
+            <a:lnRef idx="2">
+              <a:schemeClr val="accent1">
+                <a:shade val="15000"/>
+              </a:schemeClr>
+            </a:lnRef>
+            <a:fillRef idx="1">
+              <a:schemeClr val="accent1"/>
+            </a:fillRef>
+            <a:effectRef idx="0">
+              <a:schemeClr val="accent1"/>
+            </a:effectRef>
+            <a:fontRef idx="minor">
+              <a:schemeClr val="lt1"/>
+            </a:fontRef>
+          </p:style>
+          <p:txBody>
+            <a:bodyPr rtlCol="0" anchor="ctr"/>
+            <a:lstStyle/>
+            <a:p>
+              <a:pPr algn="ctr"/>
+              <a:endParaRPr lang="en-US">
+                <a:solidFill>
+                  <a:schemeClr val="tx1"/>
+                </a:solidFill>
+              </a:endParaRPr>
+            </a:p>
+          </p:txBody>
+        </p:sp>
+        <p:sp>
+          <p:nvSpPr>
+            <p:cNvPr id="1376" name="TextBox 1375">
+              <a:extLst>
+                <a:ext uri="{FF2B5EF4-FFF2-40B4-BE49-F238E27FC236}">
+                  <a16:creationId xmlns:a16="http://schemas.microsoft.com/office/drawing/2014/main" id="{91921D07-DF43-215F-B7A3-F54C57834D68}"/>
+                </a:ext>
+              </a:extLst>
+            </p:cNvPr>
+            <p:cNvSpPr txBox="1"/>
+            <p:nvPr/>
+          </p:nvSpPr>
+          <p:spPr>
+            <a:xfrm>
+              <a:off x="154851" y="5720670"/>
+              <a:ext cx="2170520" cy="338554"/>
+            </a:xfrm>
+            <a:prstGeom prst="rect">
+              <a:avLst/>
+            </a:prstGeom>
+            <a:noFill/>
+          </p:spPr>
+          <p:txBody>
+            <a:bodyPr wrap="square" rtlCol="0">
+              <a:spAutoFit/>
+            </a:bodyPr>
+            <a:lstStyle/>
+            <a:p>
+              <a:pPr algn="ctr"/>
+              <a:r>
+                <a:rPr lang="en-US" sz="1600" b="1" dirty="0"/>
+                <a:t>Clustering</a:t>
+              </a:r>
+            </a:p>
+          </p:txBody>
+        </p:sp>
+      </p:grpSp>
+      <p:grpSp>
+        <p:nvGrpSpPr>
+          <p:cNvPr id="1377" name="Group 1376">
+            <a:extLst>
+              <a:ext uri="{FF2B5EF4-FFF2-40B4-BE49-F238E27FC236}">
+                <a16:creationId xmlns:a16="http://schemas.microsoft.com/office/drawing/2014/main" id="{1EBF1FF2-8F68-F54C-A759-AC79E7B11C2C}"/>
+              </a:ext>
+            </a:extLst>
+          </p:cNvPr>
+          <p:cNvGrpSpPr/>
+          <p:nvPr/>
+        </p:nvGrpSpPr>
+        <p:grpSpPr>
+          <a:xfrm>
+            <a:off x="497860" y="1868568"/>
+            <a:ext cx="1038858" cy="338554"/>
+            <a:chOff x="59136" y="2068190"/>
+            <a:chExt cx="2233557" cy="338554"/>
+          </a:xfrm>
+        </p:grpSpPr>
+        <p:sp>
+          <p:nvSpPr>
+            <p:cNvPr id="1378" name="Rectangle 1377">
+              <a:extLst>
+                <a:ext uri="{FF2B5EF4-FFF2-40B4-BE49-F238E27FC236}">
+                  <a16:creationId xmlns:a16="http://schemas.microsoft.com/office/drawing/2014/main" id="{1F189752-6BE2-2AE9-9D8B-A1A3BCC337A5}"/>
+                </a:ext>
+              </a:extLst>
+            </p:cNvPr>
+            <p:cNvSpPr/>
+            <p:nvPr/>
+          </p:nvSpPr>
+          <p:spPr>
+            <a:xfrm>
+              <a:off x="113938" y="2120893"/>
+              <a:ext cx="2178755" cy="256032"/>
+            </a:xfrm>
+            <a:prstGeom prst="rect">
+              <a:avLst/>
+            </a:prstGeom>
+            <a:solidFill>
+              <a:schemeClr val="bg1"/>
+            </a:solidFill>
+            <a:ln>
+              <a:solidFill>
+                <a:schemeClr val="tx1"/>
+              </a:solidFill>
+            </a:ln>
+          </p:spPr>
+          <p:style>
+            <a:lnRef idx="2">
+              <a:schemeClr val="accent1">
+                <a:shade val="15000"/>
+              </a:schemeClr>
+            </a:lnRef>
+            <a:fillRef idx="1">
+              <a:schemeClr val="accent1"/>
+            </a:fillRef>
+            <a:effectRef idx="0">
+              <a:schemeClr val="accent1"/>
+            </a:effectRef>
+            <a:fontRef idx="minor">
+              <a:schemeClr val="lt1"/>
+            </a:fontRef>
+          </p:style>
+          <p:txBody>
+            <a:bodyPr rtlCol="0" anchor="ctr"/>
+            <a:lstStyle/>
+            <a:p>
+              <a:pPr algn="ctr"/>
+              <a:endParaRPr lang="en-US" sz="1600" b="1" dirty="0">
+                <a:solidFill>
+                  <a:schemeClr val="tx1"/>
+                </a:solidFill>
+              </a:endParaRPr>
+            </a:p>
+          </p:txBody>
+        </p:sp>
+        <p:sp>
+          <p:nvSpPr>
+            <p:cNvPr id="1379" name="TextBox 1378">
+              <a:extLst>
+                <a:ext uri="{FF2B5EF4-FFF2-40B4-BE49-F238E27FC236}">
+                  <a16:creationId xmlns:a16="http://schemas.microsoft.com/office/drawing/2014/main" id="{33829BD9-7F42-416F-7DD7-341E6A1837C7}"/>
+                </a:ext>
+              </a:extLst>
+            </p:cNvPr>
+            <p:cNvSpPr txBox="1"/>
+            <p:nvPr/>
+          </p:nvSpPr>
+          <p:spPr>
+            <a:xfrm>
+              <a:off x="59136" y="2068190"/>
+              <a:ext cx="2204989" cy="338554"/>
+            </a:xfrm>
+            <a:prstGeom prst="rect">
+              <a:avLst/>
+            </a:prstGeom>
+            <a:noFill/>
+          </p:spPr>
+          <p:txBody>
+            <a:bodyPr wrap="square" rtlCol="0">
+              <a:spAutoFit/>
+            </a:bodyPr>
+            <a:lstStyle/>
+            <a:p>
+              <a:pPr algn="ctr"/>
+              <a:r>
+                <a:rPr lang="en-US" sz="1600" b="1" dirty="0"/>
+                <a:t>Filtering</a:t>
+              </a:r>
+            </a:p>
+          </p:txBody>
+        </p:sp>
+      </p:grpSp>
+      <p:grpSp>
+        <p:nvGrpSpPr>
+          <p:cNvPr id="1380" name="Group 1379">
+            <a:extLst>
+              <a:ext uri="{FF2B5EF4-FFF2-40B4-BE49-F238E27FC236}">
+                <a16:creationId xmlns:a16="http://schemas.microsoft.com/office/drawing/2014/main" id="{C60935D0-EB1B-D16B-4F6A-BF1522733D2D}"/>
+              </a:ext>
+            </a:extLst>
+          </p:cNvPr>
+          <p:cNvGrpSpPr/>
+          <p:nvPr/>
+        </p:nvGrpSpPr>
+        <p:grpSpPr>
+          <a:xfrm>
+            <a:off x="10652" y="1251183"/>
+            <a:ext cx="2013275" cy="338554"/>
+            <a:chOff x="97343" y="1300458"/>
+            <a:chExt cx="2194560" cy="338554"/>
+          </a:xfrm>
+        </p:grpSpPr>
+        <p:sp>
+          <p:nvSpPr>
+            <p:cNvPr id="1381" name="Rectangle 1380">
+              <a:extLst>
+                <a:ext uri="{FF2B5EF4-FFF2-40B4-BE49-F238E27FC236}">
+                  <a16:creationId xmlns:a16="http://schemas.microsoft.com/office/drawing/2014/main" id="{1985F2A3-20C7-10AC-F1CC-FD1524861584}"/>
+                </a:ext>
+              </a:extLst>
+            </p:cNvPr>
+            <p:cNvSpPr/>
+            <p:nvPr/>
+          </p:nvSpPr>
+          <p:spPr>
+            <a:xfrm>
+              <a:off x="179627" y="1332386"/>
+              <a:ext cx="2062017" cy="256032"/>
+            </a:xfrm>
+            <a:prstGeom prst="rect">
+              <a:avLst/>
+            </a:prstGeom>
+            <a:solidFill>
+              <a:schemeClr val="bg1"/>
+            </a:solidFill>
+            <a:ln>
+              <a:solidFill>
+                <a:schemeClr val="tx1"/>
+              </a:solidFill>
+            </a:ln>
+          </p:spPr>
+          <p:style>
+            <a:lnRef idx="2">
+              <a:schemeClr val="accent1">
+                <a:shade val="15000"/>
+              </a:schemeClr>
+            </a:lnRef>
+            <a:fillRef idx="1">
+              <a:schemeClr val="accent1"/>
+            </a:fillRef>
+            <a:effectRef idx="0">
+              <a:schemeClr val="accent1"/>
+            </a:effectRef>
+            <a:fontRef idx="minor">
+              <a:schemeClr val="lt1"/>
+            </a:fontRef>
+          </p:style>
+          <p:txBody>
+            <a:bodyPr rtlCol="0" anchor="ctr"/>
+            <a:lstStyle/>
+            <a:p>
+              <a:pPr algn="ctr"/>
+              <a:endParaRPr lang="en-US">
+                <a:solidFill>
+                  <a:schemeClr val="tx1"/>
+                </a:solidFill>
+              </a:endParaRPr>
+            </a:p>
+          </p:txBody>
+        </p:sp>
+        <p:sp>
+          <p:nvSpPr>
+            <p:cNvPr id="1382" name="TextBox 1381">
+              <a:extLst>
+                <a:ext uri="{FF2B5EF4-FFF2-40B4-BE49-F238E27FC236}">
+                  <a16:creationId xmlns:a16="http://schemas.microsoft.com/office/drawing/2014/main" id="{B1536E7B-F574-6FF8-FFAD-6F46AF51195A}"/>
+                </a:ext>
+              </a:extLst>
+            </p:cNvPr>
+            <p:cNvSpPr txBox="1"/>
+            <p:nvPr/>
+          </p:nvSpPr>
+          <p:spPr>
+            <a:xfrm>
+              <a:off x="97343" y="1300458"/>
+              <a:ext cx="2194560" cy="338554"/>
+            </a:xfrm>
+            <a:prstGeom prst="rect">
+              <a:avLst/>
+            </a:prstGeom>
+            <a:noFill/>
+          </p:spPr>
+          <p:txBody>
+            <a:bodyPr wrap="square" rtlCol="0">
+              <a:spAutoFit/>
+            </a:bodyPr>
+            <a:lstStyle/>
+            <a:p>
+              <a:pPr algn="ctr"/>
+              <a:r>
+                <a:rPr lang="en-US" sz="1600" b="1" dirty="0"/>
+                <a:t>Metadata Curation</a:t>
+              </a:r>
+            </a:p>
+          </p:txBody>
+        </p:sp>
+      </p:grpSp>
+      <p:grpSp>
+        <p:nvGrpSpPr>
+          <p:cNvPr id="1383" name="Group 1382">
+            <a:extLst>
+              <a:ext uri="{FF2B5EF4-FFF2-40B4-BE49-F238E27FC236}">
+                <a16:creationId xmlns:a16="http://schemas.microsoft.com/office/drawing/2014/main" id="{EC7F45D4-380D-646F-393F-8FD54EAFE87D}"/>
+              </a:ext>
+            </a:extLst>
+          </p:cNvPr>
+          <p:cNvGrpSpPr/>
+          <p:nvPr/>
+        </p:nvGrpSpPr>
+        <p:grpSpPr>
+          <a:xfrm>
+            <a:off x="442419" y="3286428"/>
+            <a:ext cx="1149740" cy="338554"/>
+            <a:chOff x="-63988" y="3721744"/>
+            <a:chExt cx="2170519" cy="338554"/>
+          </a:xfrm>
+        </p:grpSpPr>
+        <p:sp>
+          <p:nvSpPr>
+            <p:cNvPr id="1384" name="Rectangle 1383">
+              <a:extLst>
+                <a:ext uri="{FF2B5EF4-FFF2-40B4-BE49-F238E27FC236}">
+                  <a16:creationId xmlns:a16="http://schemas.microsoft.com/office/drawing/2014/main" id="{6DD0EA8B-CBB4-1B54-3DEB-C193CFB59757}"/>
+                </a:ext>
+              </a:extLst>
+            </p:cNvPr>
+            <p:cNvSpPr/>
+            <p:nvPr/>
+          </p:nvSpPr>
+          <p:spPr>
+            <a:xfrm>
+              <a:off x="87705" y="3760558"/>
+              <a:ext cx="1918995" cy="281534"/>
+            </a:xfrm>
+            <a:prstGeom prst="rect">
+              <a:avLst/>
+            </a:prstGeom>
+            <a:solidFill>
+              <a:schemeClr val="bg1"/>
+            </a:solidFill>
+            <a:ln>
+              <a:solidFill>
+                <a:schemeClr val="tx1"/>
+              </a:solidFill>
+            </a:ln>
+          </p:spPr>
+          <p:style>
+            <a:lnRef idx="2">
+              <a:schemeClr val="accent1">
+                <a:shade val="15000"/>
+              </a:schemeClr>
+            </a:lnRef>
+            <a:fillRef idx="1">
+              <a:schemeClr val="accent1"/>
+            </a:fillRef>
+            <a:effectRef idx="0">
+              <a:schemeClr val="accent1"/>
+            </a:effectRef>
+            <a:fontRef idx="minor">
+              <a:schemeClr val="lt1"/>
+            </a:fontRef>
+          </p:style>
+          <p:txBody>
+            <a:bodyPr rtlCol="0" anchor="ctr"/>
+            <a:lstStyle/>
+            <a:p>
+              <a:pPr algn="ctr"/>
+              <a:endParaRPr lang="en-US">
+                <a:solidFill>
+                  <a:schemeClr val="tx1"/>
+                </a:solidFill>
+              </a:endParaRPr>
+            </a:p>
+          </p:txBody>
+        </p:sp>
+        <p:sp>
+          <p:nvSpPr>
+            <p:cNvPr id="1388" name="TextBox 1387">
+              <a:extLst>
+                <a:ext uri="{FF2B5EF4-FFF2-40B4-BE49-F238E27FC236}">
+                  <a16:creationId xmlns:a16="http://schemas.microsoft.com/office/drawing/2014/main" id="{BC185B3E-F252-ACED-19DF-045F14B5809F}"/>
+                </a:ext>
+              </a:extLst>
+            </p:cNvPr>
+            <p:cNvSpPr txBox="1"/>
+            <p:nvPr/>
+          </p:nvSpPr>
+          <p:spPr>
+            <a:xfrm>
+              <a:off x="-63988" y="3721744"/>
+              <a:ext cx="2170519" cy="338554"/>
+            </a:xfrm>
+            <a:prstGeom prst="rect">
+              <a:avLst/>
+            </a:prstGeom>
+            <a:noFill/>
+          </p:spPr>
+          <p:txBody>
+            <a:bodyPr wrap="square" rtlCol="0">
+              <a:spAutoFit/>
+            </a:bodyPr>
+            <a:lstStyle/>
+            <a:p>
+              <a:pPr algn="ctr"/>
+              <a:r>
+                <a:rPr lang="en-US" sz="1600" b="1" dirty="0"/>
+                <a:t>Scaling</a:t>
+              </a:r>
+            </a:p>
+          </p:txBody>
+        </p:sp>
+      </p:grpSp>
+      <p:sp>
+        <p:nvSpPr>
+          <p:cNvPr id="1389" name="TextBox 1388">
+            <a:extLst>
+              <a:ext uri="{FF2B5EF4-FFF2-40B4-BE49-F238E27FC236}">
+                <a16:creationId xmlns:a16="http://schemas.microsoft.com/office/drawing/2014/main" id="{08BDF508-13C8-48F9-2943-5F2311D295AD}"/>
+              </a:ext>
+            </a:extLst>
+          </p:cNvPr>
+          <p:cNvSpPr txBox="1"/>
+          <p:nvPr/>
+        </p:nvSpPr>
+        <p:spPr>
+          <a:xfrm>
+            <a:off x="116204" y="872289"/>
+            <a:ext cx="1802171" cy="276999"/>
+          </a:xfrm>
+          <a:prstGeom prst="rect">
+            <a:avLst/>
+          </a:prstGeom>
+          <a:noFill/>
+        </p:spPr>
+        <p:txBody>
+          <a:bodyPr wrap="square">
+            <a:spAutoFit/>
+          </a:bodyPr>
+          <a:lstStyle/>
+          <a:p>
+            <a:pPr algn="ctr"/>
+            <a:r>
+              <a:rPr lang="en-US" sz="1200" i="1" dirty="0" err="1"/>
+              <a:t>CreateSeuratObject</a:t>
+            </a:r>
+            <a:r>
+              <a:rPr lang="en-US" sz="1200" i="1" dirty="0"/>
+              <a:t>()</a:t>
+            </a:r>
+          </a:p>
+        </p:txBody>
+      </p:sp>
+      <p:sp>
+        <p:nvSpPr>
+          <p:cNvPr id="1390" name="TextBox 1389">
+            <a:extLst>
+              <a:ext uri="{FF2B5EF4-FFF2-40B4-BE49-F238E27FC236}">
+                <a16:creationId xmlns:a16="http://schemas.microsoft.com/office/drawing/2014/main" id="{2DCD85CC-A7B5-0DE9-F042-51D3D0C1F43B}"/>
+              </a:ext>
+            </a:extLst>
+          </p:cNvPr>
+          <p:cNvSpPr txBox="1"/>
+          <p:nvPr/>
+        </p:nvSpPr>
+        <p:spPr>
+          <a:xfrm>
+            <a:off x="95851" y="1480009"/>
+            <a:ext cx="1842877" cy="276999"/>
+          </a:xfrm>
+          <a:prstGeom prst="rect">
+            <a:avLst/>
+          </a:prstGeom>
+          <a:noFill/>
+        </p:spPr>
+        <p:txBody>
+          <a:bodyPr wrap="square">
+            <a:spAutoFit/>
+          </a:bodyPr>
+          <a:lstStyle/>
+          <a:p>
+            <a:pPr algn="ctr"/>
+            <a:r>
+              <a:rPr lang="en-US" sz="1200" i="1" dirty="0" err="1"/>
+              <a:t>PercentageFeatureSet</a:t>
+            </a:r>
+            <a:r>
+              <a:rPr lang="en-US" sz="1200" i="1" dirty="0"/>
+              <a:t>()</a:t>
+            </a:r>
+          </a:p>
+        </p:txBody>
+      </p:sp>
+      <p:sp>
+        <p:nvSpPr>
+          <p:cNvPr id="1391" name="TextBox 1390">
+            <a:extLst>
+              <a:ext uri="{FF2B5EF4-FFF2-40B4-BE49-F238E27FC236}">
+                <a16:creationId xmlns:a16="http://schemas.microsoft.com/office/drawing/2014/main" id="{632B9F3A-4FD3-DC85-FBAB-85B7F13B1BAC}"/>
+              </a:ext>
+            </a:extLst>
+          </p:cNvPr>
+          <p:cNvSpPr txBox="1"/>
+          <p:nvPr/>
+        </p:nvSpPr>
+        <p:spPr>
+          <a:xfrm>
+            <a:off x="599219" y="2119187"/>
+            <a:ext cx="836140" cy="276999"/>
+          </a:xfrm>
+          <a:prstGeom prst="rect">
+            <a:avLst/>
+          </a:prstGeom>
+          <a:noFill/>
+        </p:spPr>
+        <p:txBody>
+          <a:bodyPr wrap="square">
+            <a:spAutoFit/>
+          </a:bodyPr>
+          <a:lstStyle/>
+          <a:p>
+            <a:pPr algn="ctr"/>
+            <a:r>
+              <a:rPr lang="en-US" sz="1200" i="1" dirty="0"/>
+              <a:t>subset()</a:t>
+            </a:r>
+          </a:p>
+        </p:txBody>
+      </p:sp>
+      <p:sp>
+        <p:nvSpPr>
+          <p:cNvPr id="1392" name="TextBox 1391">
+            <a:extLst>
+              <a:ext uri="{FF2B5EF4-FFF2-40B4-BE49-F238E27FC236}">
+                <a16:creationId xmlns:a16="http://schemas.microsoft.com/office/drawing/2014/main" id="{C6389F6A-60A3-3666-0C10-94644D938BF8}"/>
+              </a:ext>
+            </a:extLst>
+          </p:cNvPr>
+          <p:cNvSpPr txBox="1"/>
+          <p:nvPr/>
+        </p:nvSpPr>
+        <p:spPr>
+          <a:xfrm>
+            <a:off x="278254" y="2741589"/>
+            <a:ext cx="1478071" cy="276999"/>
+          </a:xfrm>
+          <a:prstGeom prst="rect">
+            <a:avLst/>
+          </a:prstGeom>
+          <a:noFill/>
+        </p:spPr>
+        <p:txBody>
+          <a:bodyPr wrap="square">
+            <a:spAutoFit/>
+          </a:bodyPr>
+          <a:lstStyle/>
+          <a:p>
+            <a:pPr algn="ctr"/>
+            <a:r>
+              <a:rPr lang="en-US" sz="1200" i="1" dirty="0" err="1"/>
+              <a:t>NormalizeData</a:t>
+            </a:r>
+            <a:r>
+              <a:rPr lang="en-US" sz="1200" i="1" dirty="0"/>
+              <a:t>()</a:t>
+            </a:r>
+          </a:p>
+        </p:txBody>
+      </p:sp>
+      <p:sp>
+        <p:nvSpPr>
+          <p:cNvPr id="1393" name="TextBox 1392">
+            <a:extLst>
+              <a:ext uri="{FF2B5EF4-FFF2-40B4-BE49-F238E27FC236}">
+                <a16:creationId xmlns:a16="http://schemas.microsoft.com/office/drawing/2014/main" id="{8712BB4C-F7C6-80D7-2AEF-B4C7F85236B4}"/>
+              </a:ext>
+            </a:extLst>
+          </p:cNvPr>
+          <p:cNvSpPr txBox="1"/>
+          <p:nvPr/>
+        </p:nvSpPr>
+        <p:spPr>
+          <a:xfrm>
+            <a:off x="230288" y="2911408"/>
+            <a:ext cx="1574002" cy="276999"/>
+          </a:xfrm>
+          <a:prstGeom prst="rect">
+            <a:avLst/>
+          </a:prstGeom>
+          <a:noFill/>
+        </p:spPr>
+        <p:txBody>
+          <a:bodyPr wrap="square">
+            <a:spAutoFit/>
+          </a:bodyPr>
+          <a:lstStyle/>
+          <a:p>
+            <a:pPr algn="ctr"/>
+            <a:r>
+              <a:rPr lang="en-US" sz="1200" i="1" dirty="0" err="1"/>
+              <a:t>FindVariableFeatures</a:t>
+            </a:r>
+            <a:r>
+              <a:rPr lang="en-US" sz="1200" i="1" dirty="0"/>
+              <a:t>()</a:t>
+            </a:r>
+          </a:p>
+        </p:txBody>
+      </p:sp>
+      <p:sp>
+        <p:nvSpPr>
+          <p:cNvPr id="1394" name="TextBox 1393">
+            <a:extLst>
+              <a:ext uri="{FF2B5EF4-FFF2-40B4-BE49-F238E27FC236}">
+                <a16:creationId xmlns:a16="http://schemas.microsoft.com/office/drawing/2014/main" id="{4DDA4506-6C73-4A3D-7CE1-1AB501BCAB56}"/>
+              </a:ext>
+            </a:extLst>
+          </p:cNvPr>
+          <p:cNvSpPr txBox="1"/>
+          <p:nvPr/>
+        </p:nvSpPr>
+        <p:spPr>
+          <a:xfrm>
+            <a:off x="548026" y="3551210"/>
+            <a:ext cx="938526" cy="276999"/>
+          </a:xfrm>
+          <a:prstGeom prst="rect">
+            <a:avLst/>
+          </a:prstGeom>
+          <a:noFill/>
+        </p:spPr>
+        <p:txBody>
+          <a:bodyPr wrap="square">
+            <a:spAutoFit/>
+          </a:bodyPr>
+          <a:lstStyle/>
+          <a:p>
+            <a:pPr algn="ctr"/>
+            <a:r>
+              <a:rPr lang="en-US" sz="1200" i="1" dirty="0" err="1"/>
+              <a:t>ScaleData</a:t>
+            </a:r>
+            <a:r>
+              <a:rPr lang="en-US" sz="1200" i="1" dirty="0"/>
+              <a:t>()</a:t>
+            </a:r>
+          </a:p>
+        </p:txBody>
+      </p:sp>
+      <p:sp>
+        <p:nvSpPr>
+          <p:cNvPr id="1395" name="TextBox 1394">
+            <a:extLst>
+              <a:ext uri="{FF2B5EF4-FFF2-40B4-BE49-F238E27FC236}">
+                <a16:creationId xmlns:a16="http://schemas.microsoft.com/office/drawing/2014/main" id="{BFA7F341-8D71-E3C2-E7F9-2BCC3C2E6575}"/>
+              </a:ext>
+            </a:extLst>
+          </p:cNvPr>
+          <p:cNvSpPr txBox="1"/>
+          <p:nvPr/>
+        </p:nvSpPr>
+        <p:spPr>
+          <a:xfrm>
+            <a:off x="132240" y="4654161"/>
+            <a:ext cx="1770098" cy="276999"/>
+          </a:xfrm>
+          <a:prstGeom prst="rect">
+            <a:avLst/>
+          </a:prstGeom>
+          <a:noFill/>
+        </p:spPr>
+        <p:txBody>
+          <a:bodyPr wrap="square">
+            <a:spAutoFit/>
+          </a:bodyPr>
+          <a:lstStyle/>
+          <a:p>
+            <a:pPr algn="ctr"/>
+            <a:r>
+              <a:rPr lang="en-US" sz="1200" i="1" dirty="0" err="1"/>
+              <a:t>RunPCA</a:t>
+            </a:r>
+            <a:r>
+              <a:rPr lang="en-US" sz="1200" i="1" dirty="0"/>
+              <a:t>(),   </a:t>
+            </a:r>
+            <a:r>
+              <a:rPr lang="en-US" sz="1200" i="1" dirty="0" err="1"/>
+              <a:t>ElbowPlot</a:t>
+            </a:r>
+            <a:r>
+              <a:rPr lang="en-US" sz="1200" i="1" dirty="0"/>
+              <a:t>() </a:t>
+            </a:r>
+          </a:p>
+        </p:txBody>
+      </p:sp>
+      <p:sp>
+        <p:nvSpPr>
+          <p:cNvPr id="1396" name="TextBox 1395">
+            <a:extLst>
+              <a:ext uri="{FF2B5EF4-FFF2-40B4-BE49-F238E27FC236}">
+                <a16:creationId xmlns:a16="http://schemas.microsoft.com/office/drawing/2014/main" id="{55F7EB5A-AE48-8C16-E040-F08809C56F69}"/>
+              </a:ext>
+            </a:extLst>
+          </p:cNvPr>
+          <p:cNvSpPr txBox="1"/>
+          <p:nvPr/>
+        </p:nvSpPr>
+        <p:spPr>
+          <a:xfrm>
+            <a:off x="121397" y="6514655"/>
+            <a:ext cx="1791785" cy="276999"/>
+          </a:xfrm>
+          <a:prstGeom prst="rect">
+            <a:avLst/>
+          </a:prstGeom>
+          <a:noFill/>
+        </p:spPr>
+        <p:txBody>
+          <a:bodyPr wrap="square">
+            <a:spAutoFit/>
+          </a:bodyPr>
+          <a:lstStyle/>
+          <a:p>
+            <a:pPr algn="ctr"/>
+            <a:r>
+              <a:rPr lang="en-US" sz="1200" i="1" dirty="0" err="1"/>
+              <a:t>RunUMAP</a:t>
+            </a:r>
+            <a:r>
+              <a:rPr lang="en-US" sz="1200" i="1" dirty="0"/>
+              <a:t>(), </a:t>
+            </a:r>
+            <a:r>
+              <a:rPr lang="en-US" sz="1200" i="1" dirty="0" err="1"/>
+              <a:t>DimPlot</a:t>
+            </a:r>
+            <a:r>
+              <a:rPr lang="en-US" sz="1200" i="1" dirty="0"/>
+              <a:t>()</a:t>
+            </a:r>
+          </a:p>
+        </p:txBody>
+      </p:sp>
+      <p:grpSp>
+        <p:nvGrpSpPr>
+          <p:cNvPr id="1397" name="Group 1396">
+            <a:extLst>
+              <a:ext uri="{FF2B5EF4-FFF2-40B4-BE49-F238E27FC236}">
+                <a16:creationId xmlns:a16="http://schemas.microsoft.com/office/drawing/2014/main" id="{7C6D8CE5-9104-67F8-7B14-C9A50577E12E}"/>
+              </a:ext>
+            </a:extLst>
+          </p:cNvPr>
+          <p:cNvGrpSpPr/>
+          <p:nvPr/>
+        </p:nvGrpSpPr>
+        <p:grpSpPr>
+          <a:xfrm>
+            <a:off x="311331" y="5752796"/>
+            <a:ext cx="1411916" cy="830997"/>
+            <a:chOff x="136544" y="5759803"/>
+            <a:chExt cx="2172401" cy="830997"/>
+          </a:xfrm>
+        </p:grpSpPr>
+        <p:sp>
+          <p:nvSpPr>
+            <p:cNvPr id="1398" name="Rectangle 1397">
+              <a:extLst>
+                <a:ext uri="{FF2B5EF4-FFF2-40B4-BE49-F238E27FC236}">
+                  <a16:creationId xmlns:a16="http://schemas.microsoft.com/office/drawing/2014/main" id="{C759B5A0-1727-DA56-7A58-B369C81D6C7E}"/>
+                </a:ext>
+              </a:extLst>
+            </p:cNvPr>
+            <p:cNvSpPr/>
+            <p:nvPr/>
+          </p:nvSpPr>
+          <p:spPr>
+            <a:xfrm>
+              <a:off x="138426" y="5810056"/>
+              <a:ext cx="2170519" cy="730198"/>
+            </a:xfrm>
+            <a:prstGeom prst="rect">
+              <a:avLst/>
+            </a:prstGeom>
+            <a:solidFill>
+              <a:schemeClr val="bg1"/>
+            </a:solidFill>
+            <a:ln>
+              <a:solidFill>
+                <a:schemeClr val="tx1"/>
+              </a:solidFill>
+            </a:ln>
+          </p:spPr>
+          <p:style>
+            <a:lnRef idx="2">
+              <a:schemeClr val="accent1">
+                <a:shade val="15000"/>
+              </a:schemeClr>
+            </a:lnRef>
+            <a:fillRef idx="1">
+              <a:schemeClr val="accent1"/>
+            </a:fillRef>
+            <a:effectRef idx="0">
+              <a:schemeClr val="accent1"/>
+            </a:effectRef>
+            <a:fontRef idx="minor">
+              <a:schemeClr val="lt1"/>
+            </a:fontRef>
+          </p:style>
+          <p:txBody>
+            <a:bodyPr rtlCol="0" anchor="ctr"/>
+            <a:lstStyle/>
+            <a:p>
+              <a:pPr algn="ctr"/>
+              <a:endParaRPr lang="en-US">
+                <a:solidFill>
+                  <a:schemeClr val="tx1"/>
+                </a:solidFill>
+              </a:endParaRPr>
+            </a:p>
+          </p:txBody>
+        </p:sp>
+        <p:sp>
+          <p:nvSpPr>
+            <p:cNvPr id="1399" name="TextBox 1398">
+              <a:extLst>
+                <a:ext uri="{FF2B5EF4-FFF2-40B4-BE49-F238E27FC236}">
+                  <a16:creationId xmlns:a16="http://schemas.microsoft.com/office/drawing/2014/main" id="{49BFAE3F-A0DC-E1FB-8940-CE229234F3C4}"/>
+                </a:ext>
+              </a:extLst>
+            </p:cNvPr>
+            <p:cNvSpPr txBox="1"/>
+            <p:nvPr/>
+          </p:nvSpPr>
+          <p:spPr>
+            <a:xfrm>
+              <a:off x="136544" y="5759803"/>
+              <a:ext cx="2170519" cy="830997"/>
+            </a:xfrm>
+            <a:prstGeom prst="rect">
+              <a:avLst/>
+            </a:prstGeom>
+            <a:noFill/>
+          </p:spPr>
+          <p:txBody>
+            <a:bodyPr wrap="square" rtlCol="0">
+              <a:spAutoFit/>
+            </a:bodyPr>
+            <a:lstStyle/>
+            <a:p>
+              <a:pPr algn="ctr"/>
+              <a:r>
+                <a:rPr lang="en-US" sz="1600" b="1" dirty="0"/>
+                <a:t>Nonlinear Dimension Reduction</a:t>
+              </a:r>
+            </a:p>
+          </p:txBody>
+        </p:sp>
+      </p:grpSp>
+      <p:sp>
+        <p:nvSpPr>
+          <p:cNvPr id="1400" name="Arrow: Right 1399">
+            <a:extLst>
+              <a:ext uri="{FF2B5EF4-FFF2-40B4-BE49-F238E27FC236}">
+                <a16:creationId xmlns:a16="http://schemas.microsoft.com/office/drawing/2014/main" id="{36151EE1-B0A9-C16F-143D-C394CC57BA59}"/>
+              </a:ext>
+            </a:extLst>
+          </p:cNvPr>
+          <p:cNvSpPr/>
+          <p:nvPr/>
+        </p:nvSpPr>
+        <p:spPr>
+          <a:xfrm rot="5400000">
+            <a:off x="949027" y="1629598"/>
+            <a:ext cx="136524" cy="386089"/>
+          </a:xfrm>
+          <a:prstGeom prst="rightArrow">
+            <a:avLst/>
+          </a:prstGeom>
+          <a:solidFill>
+            <a:srgbClr val="CBCBCB"/>
+          </a:solidFill>
+          <a:ln>
+            <a:noFill/>
+          </a:ln>
+        </p:spPr>
+        <p:style>
+          <a:lnRef idx="2">
+            <a:schemeClr val="accent1">
+              <a:shade val="15000"/>
+            </a:schemeClr>
+          </a:lnRef>
+          <a:fillRef idx="1">
+            <a:schemeClr val="accent1"/>
+          </a:fillRef>
+          <a:effectRef idx="0">
+            <a:schemeClr val="accent1"/>
+          </a:effectRef>
+          <a:fontRef idx="minor">
+            <a:schemeClr val="lt1"/>
+          </a:fontRef>
+        </p:style>
+        <p:txBody>
+          <a:bodyPr rtlCol="0" anchor="ctr"/>
+          <a:lstStyle/>
+          <a:p>
+            <a:pPr algn="ctr"/>
+            <a:endParaRPr lang="en-US"/>
+          </a:p>
+        </p:txBody>
+      </p:sp>
+      <p:sp>
+        <p:nvSpPr>
+          <p:cNvPr id="1401" name="Arrow: Right 1400">
+            <a:extLst>
+              <a:ext uri="{FF2B5EF4-FFF2-40B4-BE49-F238E27FC236}">
+                <a16:creationId xmlns:a16="http://schemas.microsoft.com/office/drawing/2014/main" id="{7DE04D48-E79F-6FFA-CA1D-D5FB4F999EF6}"/>
+              </a:ext>
+            </a:extLst>
+          </p:cNvPr>
+          <p:cNvSpPr/>
+          <p:nvPr/>
+        </p:nvSpPr>
+        <p:spPr>
+          <a:xfrm rot="5400000">
+            <a:off x="959855" y="2237326"/>
+            <a:ext cx="114868" cy="386089"/>
+          </a:xfrm>
+          <a:prstGeom prst="rightArrow">
+            <a:avLst/>
+          </a:prstGeom>
+          <a:solidFill>
+            <a:srgbClr val="CBCBCB"/>
+          </a:solidFill>
+          <a:ln>
+            <a:noFill/>
+          </a:ln>
+        </p:spPr>
+        <p:style>
+          <a:lnRef idx="2">
+            <a:schemeClr val="accent1">
+              <a:shade val="15000"/>
+            </a:schemeClr>
+          </a:lnRef>
+          <a:fillRef idx="1">
+            <a:schemeClr val="accent1"/>
+          </a:fillRef>
+          <a:effectRef idx="0">
+            <a:schemeClr val="accent1"/>
+          </a:effectRef>
+          <a:fontRef idx="minor">
+            <a:schemeClr val="lt1"/>
+          </a:fontRef>
+        </p:style>
+        <p:txBody>
+          <a:bodyPr rtlCol="0" anchor="ctr"/>
+          <a:lstStyle/>
+          <a:p>
+            <a:pPr algn="ctr"/>
+            <a:endParaRPr lang="en-US"/>
+          </a:p>
+        </p:txBody>
+      </p:sp>
+      <p:sp>
+        <p:nvSpPr>
+          <p:cNvPr id="1402" name="Arrow: Right 1401">
+            <a:extLst>
+              <a:ext uri="{FF2B5EF4-FFF2-40B4-BE49-F238E27FC236}">
+                <a16:creationId xmlns:a16="http://schemas.microsoft.com/office/drawing/2014/main" id="{1C3356BA-3634-B14E-A7B0-B7660C374117}"/>
+              </a:ext>
+            </a:extLst>
+          </p:cNvPr>
+          <p:cNvSpPr/>
+          <p:nvPr/>
+        </p:nvSpPr>
+        <p:spPr>
+          <a:xfrm rot="5400000">
+            <a:off x="964387" y="3041195"/>
+            <a:ext cx="105805" cy="386089"/>
+          </a:xfrm>
+          <a:prstGeom prst="rightArrow">
+            <a:avLst/>
+          </a:prstGeom>
+          <a:solidFill>
+            <a:srgbClr val="CBCBCB"/>
+          </a:solidFill>
+          <a:ln>
+            <a:noFill/>
+          </a:ln>
+        </p:spPr>
+        <p:style>
+          <a:lnRef idx="2">
+            <a:schemeClr val="accent1">
+              <a:shade val="15000"/>
+            </a:schemeClr>
+          </a:lnRef>
+          <a:fillRef idx="1">
+            <a:schemeClr val="accent1"/>
+          </a:fillRef>
+          <a:effectRef idx="0">
+            <a:schemeClr val="accent1"/>
+          </a:effectRef>
+          <a:fontRef idx="minor">
+            <a:schemeClr val="lt1"/>
+          </a:fontRef>
+        </p:style>
+        <p:txBody>
+          <a:bodyPr rtlCol="0" anchor="ctr"/>
+          <a:lstStyle/>
+          <a:p>
+            <a:pPr algn="ctr"/>
+            <a:endParaRPr lang="en-US"/>
+          </a:p>
+        </p:txBody>
+      </p:sp>
+      <p:sp>
+        <p:nvSpPr>
+          <p:cNvPr id="1403" name="Arrow: Right 1402">
+            <a:extLst>
+              <a:ext uri="{FF2B5EF4-FFF2-40B4-BE49-F238E27FC236}">
+                <a16:creationId xmlns:a16="http://schemas.microsoft.com/office/drawing/2014/main" id="{EF332B99-A936-A173-E27D-1CF3D7C9D4EC}"/>
+              </a:ext>
+            </a:extLst>
+          </p:cNvPr>
+          <p:cNvSpPr/>
+          <p:nvPr/>
+        </p:nvSpPr>
+        <p:spPr>
+          <a:xfrm rot="5400000">
+            <a:off x="957539" y="3673785"/>
+            <a:ext cx="119500" cy="386089"/>
+          </a:xfrm>
+          <a:prstGeom prst="rightArrow">
+            <a:avLst/>
+          </a:prstGeom>
+          <a:solidFill>
+            <a:srgbClr val="CBCBCB"/>
+          </a:solidFill>
+          <a:ln>
+            <a:noFill/>
+          </a:ln>
+        </p:spPr>
+        <p:style>
+          <a:lnRef idx="2">
+            <a:schemeClr val="accent1">
+              <a:shade val="15000"/>
+            </a:schemeClr>
+          </a:lnRef>
+          <a:fillRef idx="1">
+            <a:schemeClr val="accent1"/>
+          </a:fillRef>
+          <a:effectRef idx="0">
+            <a:schemeClr val="accent1"/>
+          </a:effectRef>
+          <a:fontRef idx="minor">
+            <a:schemeClr val="lt1"/>
+          </a:fontRef>
+        </p:style>
+        <p:txBody>
+          <a:bodyPr rtlCol="0" anchor="ctr"/>
+          <a:lstStyle/>
+          <a:p>
+            <a:pPr algn="ctr"/>
+            <a:endParaRPr lang="en-US"/>
+          </a:p>
+        </p:txBody>
+      </p:sp>
+      <p:sp>
+        <p:nvSpPr>
+          <p:cNvPr id="1404" name="Arrow: Right 1403">
+            <a:extLst>
+              <a:ext uri="{FF2B5EF4-FFF2-40B4-BE49-F238E27FC236}">
+                <a16:creationId xmlns:a16="http://schemas.microsoft.com/office/drawing/2014/main" id="{6C08FABF-63E1-524C-2FCB-92AD6A230CCA}"/>
+              </a:ext>
+            </a:extLst>
+          </p:cNvPr>
+          <p:cNvSpPr/>
+          <p:nvPr/>
+        </p:nvSpPr>
+        <p:spPr>
+          <a:xfrm rot="5400000">
+            <a:off x="940804" y="4805633"/>
+            <a:ext cx="152971" cy="386089"/>
+          </a:xfrm>
+          <a:prstGeom prst="rightArrow">
+            <a:avLst/>
+          </a:prstGeom>
+          <a:solidFill>
+            <a:srgbClr val="CBCBCB"/>
+          </a:solidFill>
+          <a:ln>
+            <a:noFill/>
+          </a:ln>
+        </p:spPr>
+        <p:style>
+          <a:lnRef idx="2">
+            <a:schemeClr val="accent1">
+              <a:shade val="15000"/>
+            </a:schemeClr>
+          </a:lnRef>
+          <a:fillRef idx="1">
+            <a:schemeClr val="accent1"/>
+          </a:fillRef>
+          <a:effectRef idx="0">
+            <a:schemeClr val="accent1"/>
+          </a:effectRef>
+          <a:fontRef idx="minor">
+            <a:schemeClr val="lt1"/>
+          </a:fontRef>
+        </p:style>
+        <p:txBody>
+          <a:bodyPr rtlCol="0" anchor="ctr"/>
+          <a:lstStyle/>
+          <a:p>
+            <a:pPr algn="ctr"/>
+            <a:endParaRPr lang="en-US"/>
+          </a:p>
+        </p:txBody>
+      </p:sp>
+      <p:sp>
+        <p:nvSpPr>
+          <p:cNvPr id="1405" name="Arrow: Right 1404">
+            <a:extLst>
+              <a:ext uri="{FF2B5EF4-FFF2-40B4-BE49-F238E27FC236}">
+                <a16:creationId xmlns:a16="http://schemas.microsoft.com/office/drawing/2014/main" id="{D23A4638-06EF-298A-5009-A424762624D5}"/>
+              </a:ext>
+            </a:extLst>
+          </p:cNvPr>
+          <p:cNvSpPr/>
+          <p:nvPr/>
+        </p:nvSpPr>
+        <p:spPr>
+          <a:xfrm rot="5400000">
+            <a:off x="940804" y="5501332"/>
+            <a:ext cx="152971" cy="386089"/>
+          </a:xfrm>
+          <a:prstGeom prst="rightArrow">
+            <a:avLst/>
+          </a:prstGeom>
+          <a:solidFill>
+            <a:srgbClr val="CBCBCB"/>
+          </a:solidFill>
+          <a:ln>
+            <a:noFill/>
+          </a:ln>
+        </p:spPr>
+        <p:style>
+          <a:lnRef idx="2">
+            <a:schemeClr val="accent1">
+              <a:shade val="15000"/>
+            </a:schemeClr>
+          </a:lnRef>
+          <a:fillRef idx="1">
+            <a:schemeClr val="accent1"/>
+          </a:fillRef>
+          <a:effectRef idx="0">
+            <a:schemeClr val="accent1"/>
+          </a:effectRef>
+          <a:fontRef idx="minor">
+            <a:schemeClr val="lt1"/>
+          </a:fontRef>
+        </p:style>
+        <p:txBody>
+          <a:bodyPr rtlCol="0" anchor="ctr"/>
+          <a:lstStyle/>
+          <a:p>
+            <a:pPr algn="ctr"/>
+            <a:endParaRPr lang="en-US"/>
+          </a:p>
+        </p:txBody>
+      </p:sp>
+      <p:sp>
+        <p:nvSpPr>
+          <p:cNvPr id="1406" name="TextBox 1405">
+            <a:extLst>
+              <a:ext uri="{FF2B5EF4-FFF2-40B4-BE49-F238E27FC236}">
+                <a16:creationId xmlns:a16="http://schemas.microsoft.com/office/drawing/2014/main" id="{6F24B186-1C45-51A9-9DC0-46064791E99F}"/>
+              </a:ext>
+            </a:extLst>
+          </p:cNvPr>
+          <p:cNvSpPr txBox="1"/>
+          <p:nvPr/>
+        </p:nvSpPr>
+        <p:spPr>
+          <a:xfrm>
+            <a:off x="-79991" y="5334143"/>
+            <a:ext cx="2194560" cy="276999"/>
+          </a:xfrm>
+          <a:prstGeom prst="rect">
+            <a:avLst/>
+          </a:prstGeom>
+          <a:noFill/>
+        </p:spPr>
+        <p:txBody>
+          <a:bodyPr wrap="square">
+            <a:spAutoFit/>
+          </a:bodyPr>
+          <a:lstStyle/>
+          <a:p>
+            <a:pPr algn="ctr"/>
+            <a:r>
+              <a:rPr lang="en-US" sz="1200" i="1" dirty="0"/>
+              <a:t> </a:t>
+            </a:r>
+            <a:r>
+              <a:rPr lang="en-US" sz="1200" i="1" dirty="0" err="1"/>
+              <a:t>FindNeighbors</a:t>
+            </a:r>
+            <a:r>
+              <a:rPr lang="en-US" sz="1200" i="1" dirty="0"/>
+              <a:t>(),  </a:t>
+            </a:r>
+            <a:r>
+              <a:rPr lang="en-US" sz="1200" i="1" dirty="0" err="1"/>
+              <a:t>FindClusters</a:t>
+            </a:r>
+            <a:r>
+              <a:rPr lang="en-US" sz="1200" i="1" dirty="0"/>
+              <a:t>()</a:t>
+            </a:r>
+          </a:p>
+        </p:txBody>
+      </p:sp>
+      <p:grpSp>
+        <p:nvGrpSpPr>
+          <p:cNvPr id="1407" name="Group 1406">
+            <a:extLst>
+              <a:ext uri="{FF2B5EF4-FFF2-40B4-BE49-F238E27FC236}">
+                <a16:creationId xmlns:a16="http://schemas.microsoft.com/office/drawing/2014/main" id="{A85375FF-701F-4F83-76B0-A768D22337B8}"/>
+              </a:ext>
+            </a:extLst>
+          </p:cNvPr>
+          <p:cNvGrpSpPr/>
+          <p:nvPr/>
+        </p:nvGrpSpPr>
+        <p:grpSpPr>
+          <a:xfrm>
+            <a:off x="0" y="612918"/>
+            <a:ext cx="2073593" cy="6261585"/>
+            <a:chOff x="0" y="612918"/>
+            <a:chExt cx="2073593" cy="6261585"/>
+          </a:xfrm>
+        </p:grpSpPr>
+        <p:sp>
+          <p:nvSpPr>
+            <p:cNvPr id="1311" name="Rectangle 1310">
+              <a:extLst>
+                <a:ext uri="{FF2B5EF4-FFF2-40B4-BE49-F238E27FC236}">
+                  <a16:creationId xmlns:a16="http://schemas.microsoft.com/office/drawing/2014/main" id="{105B82B3-0B0D-0FC1-9CF3-F0BA7A5CD2FE}"/>
+                </a:ext>
+              </a:extLst>
+            </p:cNvPr>
+            <p:cNvSpPr/>
+            <p:nvPr/>
+          </p:nvSpPr>
+          <p:spPr>
+            <a:xfrm>
+              <a:off x="6260" y="3788229"/>
+              <a:ext cx="2067333" cy="3086274"/>
+            </a:xfrm>
+            <a:prstGeom prst="rect">
+              <a:avLst/>
+            </a:prstGeom>
+            <a:solidFill>
+              <a:srgbClr val="FFFFFF">
+                <a:alpha val="76863"/>
+              </a:srgbClr>
+            </a:solidFill>
+            <a:ln>
+              <a:noFill/>
+            </a:ln>
+          </p:spPr>
+          <p:style>
+            <a:lnRef idx="2">
+              <a:schemeClr val="accent1">
+                <a:shade val="15000"/>
+              </a:schemeClr>
+            </a:lnRef>
+            <a:fillRef idx="1">
+              <a:schemeClr val="accent1"/>
+            </a:fillRef>
+            <a:effectRef idx="0">
+              <a:schemeClr val="accent1"/>
+            </a:effectRef>
+            <a:fontRef idx="minor">
+              <a:schemeClr val="lt1"/>
+            </a:fontRef>
+          </p:style>
+          <p:txBody>
+            <a:bodyPr rtlCol="0" anchor="ctr"/>
+            <a:lstStyle/>
+            <a:p>
+              <a:pPr algn="ctr"/>
+              <a:endParaRPr lang="en-US" dirty="0"/>
+            </a:p>
+          </p:txBody>
+        </p:sp>
+        <p:sp>
+          <p:nvSpPr>
+            <p:cNvPr id="6" name="Rectangle 5">
+              <a:extLst>
+                <a:ext uri="{FF2B5EF4-FFF2-40B4-BE49-F238E27FC236}">
+                  <a16:creationId xmlns:a16="http://schemas.microsoft.com/office/drawing/2014/main" id="{DF381EA7-5230-745C-1314-B0B12BE2BED0}"/>
+                </a:ext>
+              </a:extLst>
+            </p:cNvPr>
+            <p:cNvSpPr/>
+            <p:nvPr/>
+          </p:nvSpPr>
+          <p:spPr>
+            <a:xfrm>
+              <a:off x="0" y="612918"/>
+              <a:ext cx="2067333" cy="2688422"/>
+            </a:xfrm>
+            <a:prstGeom prst="rect">
+              <a:avLst/>
+            </a:prstGeom>
+            <a:solidFill>
+              <a:srgbClr val="FFFFFF">
+                <a:alpha val="76863"/>
+              </a:srgbClr>
+            </a:solidFill>
+            <a:ln>
+              <a:noFill/>
+            </a:ln>
+          </p:spPr>
+          <p:style>
+            <a:lnRef idx="2">
+              <a:schemeClr val="accent1">
+                <a:shade val="15000"/>
+              </a:schemeClr>
+            </a:lnRef>
+            <a:fillRef idx="1">
+              <a:schemeClr val="accent1"/>
+            </a:fillRef>
+            <a:effectRef idx="0">
+              <a:schemeClr val="accent1"/>
+            </a:effectRef>
+            <a:fontRef idx="minor">
+              <a:schemeClr val="lt1"/>
+            </a:fontRef>
+          </p:style>
+          <p:txBody>
+            <a:bodyPr rtlCol="0" anchor="ctr"/>
+            <a:lstStyle/>
+            <a:p>
+              <a:pPr algn="ctr"/>
+              <a:endParaRPr lang="en-US" dirty="0"/>
+            </a:p>
+          </p:txBody>
+        </p:sp>
+      </p:grpSp>
+    </p:spTree>
+    <p:extLst>
+      <p:ext uri="{BB962C8B-B14F-4D97-AF65-F5344CB8AC3E}">
+        <p14:creationId xmlns:p14="http://schemas.microsoft.com/office/powerpoint/2010/main" val="2321374968"/>
       </p:ext>
     </p:extLst>
   </p:cSld>
